--- a/STT465_1.pptx
+++ b/STT465_1.pptx
@@ -3984,13 +3984,6 @@
               </a:rPr>
               <a:t>		</a:t>
             </a:r>
-            <a:endParaRPr lang="en-US" dirty="0" smtClean="0">
-              <a:solidFill>
-                <a:schemeClr val="accent1">
-                  <a:lumMod val="75000"/>
-                </a:schemeClr>
-              </a:solidFill>
-            </a:endParaRPr>
           </a:p>
           <a:p>
             <a:pPr marL="285750" indent="-285750">
@@ -4066,13 +4059,6 @@
               </a:rPr>
               <a:t> </a:t>
             </a:r>
-            <a:endParaRPr lang="en-US" dirty="0" smtClean="0">
-              <a:solidFill>
-                <a:schemeClr val="accent1">
-                  <a:lumMod val="75000"/>
-                </a:schemeClr>
-              </a:solidFill>
-            </a:endParaRPr>
           </a:p>
           <a:p>
             <a:r>
@@ -4358,7 +4344,7 @@
           <a:graphicData uri="http://schemas.openxmlformats.org/presentationml/2006/ole">
             <mc:AlternateContent xmlns:mc="http://schemas.openxmlformats.org/markup-compatibility/2006">
               <mc:Choice xmlns:v="urn:schemas-microsoft-com:vml" Requires="v">
-                <p:oleObj spid="_x0000_s1028" name="Worksheet" r:id="rId4" imgW="7023100" imgH="8610600" progId="Excel.Sheet.12">
+                <p:oleObj spid="_x0000_s1031" name="Worksheet" r:id="rId4" imgW="7023100" imgH="8610600" progId="Excel.Sheet.12">
                   <p:embed/>
                 </p:oleObj>
               </mc:Choice>
@@ -4648,13 +4634,6 @@
               </a:rPr>
               <a:t>- Estimator </a:t>
             </a:r>
-            <a:endParaRPr lang="en-US" dirty="0" smtClean="0">
-              <a:solidFill>
-                <a:schemeClr val="accent1">
-                  <a:lumMod val="75000"/>
-                </a:schemeClr>
-              </a:solidFill>
-            </a:endParaRPr>
           </a:p>
           <a:p>
             <a:pPr marL="285750" indent="-285750">
@@ -4830,13 +4809,6 @@
               </a:rPr>
               <a:t>Discuss the problem of estimating the mean of Y in a population.</a:t>
             </a:r>
-            <a:endParaRPr lang="en-US" dirty="0" smtClean="0">
-              <a:solidFill>
-                <a:schemeClr val="accent1">
-                  <a:lumMod val="75000"/>
-                </a:schemeClr>
-              </a:solidFill>
-            </a:endParaRPr>
           </a:p>
           <a:p>
             <a:endParaRPr lang="en-US" dirty="0" smtClean="0">
@@ -5204,7 +5176,7 @@
         </p:nvCxnSpPr>
         <p:spPr>
           <a:xfrm>
-            <a:off x="0" y="533400"/>
+            <a:off x="0" y="609600"/>
             <a:ext cx="8839200" cy="0"/>
           </a:xfrm>
           <a:prstGeom prst="line">
@@ -5241,7 +5213,7 @@
         </p:nvGrpSpPr>
         <p:grpSpPr bwMode="auto">
           <a:xfrm>
-            <a:off x="381000" y="3700463"/>
+            <a:off x="381000" y="4724400"/>
             <a:ext cx="5334000" cy="1633537"/>
             <a:chOff x="2209800" y="4843462"/>
             <a:chExt cx="5334000" cy="1633538"/>
@@ -5263,7 +5235,7 @@
             <a:graphicData uri="http://schemas.openxmlformats.org/presentationml/2006/ole">
               <mc:AlternateContent xmlns:mc="http://schemas.openxmlformats.org/markup-compatibility/2006">
                 <mc:Choice xmlns:v="urn:schemas-microsoft-com:vml" Requires="v">
-                  <p:oleObj spid="_x0000_s70661" name="Equation" r:id="rId3" imgW="2120900" imgH="279400" progId="Equation.3">
+                  <p:oleObj spid="_x0000_s70672" name="Equation" r:id="rId3" imgW="2120900" imgH="279400" progId="Equation.3">
                     <p:embed/>
                   </p:oleObj>
                 </mc:Choice>
@@ -5746,7 +5718,7 @@
           <a:graphicData uri="http://schemas.openxmlformats.org/presentationml/2006/ole">
             <mc:AlternateContent xmlns:mc="http://schemas.openxmlformats.org/markup-compatibility/2006">
               <mc:Choice xmlns:v="urn:schemas-microsoft-com:vml" Requires="v">
-                <p:oleObj spid="_x0000_s70662" name="Equation" r:id="rId5" imgW="1042200" imgH="301680" progId="Equation.3">
+                <p:oleObj spid="_x0000_s70673" name="Equation" r:id="rId5" imgW="1042200" imgH="301680" progId="Equation.3">
                   <p:embed/>
                 </p:oleObj>
               </mc:Choice>
@@ -5816,7 +5788,7 @@
           <a:graphicData uri="http://schemas.openxmlformats.org/presentationml/2006/ole">
             <mc:AlternateContent xmlns:mc="http://schemas.openxmlformats.org/markup-compatibility/2006">
               <mc:Choice xmlns:v="urn:schemas-microsoft-com:vml" Requires="v">
-                <p:oleObj spid="_x0000_s70663" name="Equation" r:id="rId7" imgW="1206720" imgH="283320" progId="Equation.3">
+                <p:oleObj spid="_x0000_s70674" name="Equation" r:id="rId7" imgW="1206720" imgH="283320" progId="Equation.3">
                   <p:embed/>
                 </p:oleObj>
               </mc:Choice>
@@ -6694,7 +6666,7 @@
           <a:graphicData uri="http://schemas.openxmlformats.org/presentationml/2006/ole">
             <mc:AlternateContent xmlns:mc="http://schemas.openxmlformats.org/markup-compatibility/2006">
               <mc:Choice xmlns:v="urn:schemas-microsoft-com:vml" Requires="v">
-                <p:oleObj spid="_x0000_s70664" name="Equation" r:id="rId10" imgW="1133640" imgH="283320" progId="Equation.3">
+                <p:oleObj spid="_x0000_s70675" name="Equation" r:id="rId10" imgW="1133640" imgH="283320" progId="Equation.3">
                   <p:embed/>
                 </p:oleObj>
               </mc:Choice>
@@ -6979,7 +6951,7 @@
         </p:nvSpPr>
         <p:spPr bwMode="auto">
           <a:xfrm>
-            <a:off x="762000" y="5570538"/>
+            <a:off x="4953000" y="5334000"/>
             <a:ext cx="4800600" cy="830262"/>
           </a:xfrm>
           <a:prstGeom prst="rect">
@@ -7124,7 +7096,7 @@
           <a:p>
             <a:pPr algn="ctr" eaLnBrk="1" hangingPunct="1"/>
             <a:r>
-              <a:rPr lang="en-US" sz="2400">
+              <a:rPr lang="en-US" sz="2400" dirty="0">
                 <a:solidFill>
                   <a:srgbClr val="0066FF"/>
                 </a:solidFill>
@@ -7135,7 +7107,7 @@
           <a:p>
             <a:pPr algn="ctr" eaLnBrk="1" hangingPunct="1"/>
             <a:r>
-              <a:rPr lang="en-US" sz="2400">
+              <a:rPr lang="en-US" sz="2400" dirty="0">
                 <a:solidFill>
                   <a:srgbClr val="0066FF"/>
                 </a:solidFill>
@@ -7190,6 +7162,138 @@
           </a:p>
         </p:txBody>
       </p:sp>
+      <p:graphicFrame>
+        <p:nvGraphicFramePr>
+          <p:cNvPr id="46" name="Object 3"/>
+          <p:cNvGraphicFramePr>
+            <a:graphicFrameLocks noChangeAspect="1"/>
+          </p:cNvGraphicFramePr>
+          <p:nvPr>
+            <p:extLst>
+              <p:ext uri="{D42A27DB-BD31-4B8C-83A1-F6EECF244321}">
+                <p14:modId xmlns:p14="http://schemas.microsoft.com/office/powerpoint/2010/main" val="1836202998"/>
+              </p:ext>
+            </p:extLst>
+          </p:nvPr>
+        </p:nvGraphicFramePr>
+        <p:xfrm>
+          <a:off x="1214438" y="2703513"/>
+          <a:ext cx="2478087" cy="666750"/>
+        </p:xfrm>
+        <a:graphic>
+          <a:graphicData uri="http://schemas.openxmlformats.org/presentationml/2006/ole">
+            <mc:AlternateContent xmlns:mc="http://schemas.openxmlformats.org/markup-compatibility/2006">
+              <mc:Choice xmlns:v="urn:schemas-microsoft-com:vml" Requires="v">
+                <p:oleObj spid="_x0000_s70676" name="Equation" r:id="rId12" imgW="1181100" imgH="317500" progId="Equation.3">
+                  <p:embed/>
+                </p:oleObj>
+              </mc:Choice>
+              <mc:Fallback>
+                <p:oleObj name="Equation" r:id="rId12" imgW="1181100" imgH="317500" progId="Equation.3">
+                  <p:embed/>
+                  <p:pic>
+                    <p:nvPicPr>
+                      <p:cNvPr id="0" name=""/>
+                      <p:cNvPicPr>
+                        <a:picLocks noChangeAspect="1" noChangeArrowheads="1"/>
+                      </p:cNvPicPr>
+                      <p:nvPr/>
+                    </p:nvPicPr>
+                    <p:blipFill>
+                      <a:blip r:embed="rId13"/>
+                      <a:srcRect/>
+                      <a:stretch>
+                        <a:fillRect/>
+                      </a:stretch>
+                    </p:blipFill>
+                    <p:spPr bwMode="auto">
+                      <a:xfrm>
+                        <a:off x="1214438" y="2703513"/>
+                        <a:ext cx="2478087" cy="666750"/>
+                      </a:xfrm>
+                      <a:prstGeom prst="rect">
+                        <a:avLst/>
+                      </a:prstGeom>
+                      <a:noFill/>
+                      <a:extLst>
+                        <a:ext uri="{909E8E84-426E-40dd-AFC4-6F175D3DCCD1}">
+                          <a14:hiddenFill xmlns:a14="http://schemas.microsoft.com/office/drawing/2010/main">
+                            <a:solidFill>
+                              <a:srgbClr val="FFFFFF"/>
+                            </a:solidFill>
+                          </a14:hiddenFill>
+                        </a:ext>
+                      </a:extLst>
+                    </p:spPr>
+                  </p:pic>
+                </p:oleObj>
+              </mc:Fallback>
+            </mc:AlternateContent>
+          </a:graphicData>
+        </a:graphic>
+      </p:graphicFrame>
+      <p:graphicFrame>
+        <p:nvGraphicFramePr>
+          <p:cNvPr id="47" name="Object 3"/>
+          <p:cNvGraphicFramePr>
+            <a:graphicFrameLocks noChangeAspect="1"/>
+          </p:cNvGraphicFramePr>
+          <p:nvPr>
+            <p:extLst>
+              <p:ext uri="{D42A27DB-BD31-4B8C-83A1-F6EECF244321}">
+                <p14:modId xmlns:p14="http://schemas.microsoft.com/office/powerpoint/2010/main" val="3349649491"/>
+              </p:ext>
+            </p:extLst>
+          </p:nvPr>
+        </p:nvGraphicFramePr>
+        <p:xfrm>
+          <a:off x="1295400" y="3505200"/>
+          <a:ext cx="2525712" cy="637190"/>
+        </p:xfrm>
+        <a:graphic>
+          <a:graphicData uri="http://schemas.openxmlformats.org/presentationml/2006/ole">
+            <mc:AlternateContent xmlns:mc="http://schemas.openxmlformats.org/markup-compatibility/2006">
+              <mc:Choice xmlns:v="urn:schemas-microsoft-com:vml" Requires="v">
+                <p:oleObj spid="_x0000_s70677" name="Equation" r:id="rId14" imgW="1409700" imgH="355600" progId="Equation.3">
+                  <p:embed/>
+                </p:oleObj>
+              </mc:Choice>
+              <mc:Fallback>
+                <p:oleObj name="Equation" r:id="rId14" imgW="1409700" imgH="355600" progId="Equation.3">
+                  <p:embed/>
+                  <p:pic>
+                    <p:nvPicPr>
+                      <p:cNvPr id="0" name=""/>
+                      <p:cNvPicPr>
+                        <a:picLocks noChangeAspect="1" noChangeArrowheads="1"/>
+                      </p:cNvPicPr>
+                      <p:nvPr/>
+                    </p:nvPicPr>
+                    <p:blipFill>
+                      <a:blip r:embed="rId15"/>
+                      <a:srcRect/>
+                      <a:stretch>
+                        <a:fillRect/>
+                      </a:stretch>
+                    </p:blipFill>
+                    <p:spPr bwMode="auto">
+                      <a:xfrm>
+                        <a:off x="1295400" y="3505200"/>
+                        <a:ext cx="2525712" cy="637190"/>
+                      </a:xfrm>
+                      <a:prstGeom prst="rect">
+                        <a:avLst/>
+                      </a:prstGeom>
+                      <a:noFill/>
+                      <a:extLst/>
+                    </p:spPr>
+                  </p:pic>
+                </p:oleObj>
+              </mc:Fallback>
+            </mc:AlternateContent>
+          </a:graphicData>
+        </a:graphic>
+      </p:graphicFrame>
     </p:spTree>
     <p:extLst>
       <p:ext uri="{BB962C8B-B14F-4D97-AF65-F5344CB8AC3E}">

--- a/STT465_1.pptx
+++ b/STT465_1.pptx
@@ -5,13 +5,18 @@
     <p:sldMasterId id="2147483648" r:id="rId1"/>
   </p:sldMasterIdLst>
   <p:notesMasterIdLst>
-    <p:notesMasterId r:id="rId6"/>
+    <p:notesMasterId r:id="rId11"/>
   </p:notesMasterIdLst>
   <p:sldIdLst>
     <p:sldId id="338" r:id="rId2"/>
     <p:sldId id="339" r:id="rId3"/>
     <p:sldId id="340" r:id="rId4"/>
     <p:sldId id="341" r:id="rId5"/>
+    <p:sldId id="342" r:id="rId6"/>
+    <p:sldId id="343" r:id="rId7"/>
+    <p:sldId id="344" r:id="rId8"/>
+    <p:sldId id="345" r:id="rId9"/>
+    <p:sldId id="346" r:id="rId10"/>
   </p:sldIdLst>
   <p:sldSz cx="9144000" cy="6858000" type="screen4x3"/>
   <p:notesSz cx="6858000" cy="9144000"/>
@@ -202,7 +207,7 @@
             <a:fld id="{EC2AD4C0-0FC1-44D9-A720-D776D6428221}" type="datetimeFigureOut">
               <a:rPr lang="en-US" smtClean="0"/>
               <a:pPr/>
-              <a:t>8/24/15</a:t>
+              <a:t>8/26/15</a:t>
             </a:fld>
             <a:endParaRPr lang="en-US"/>
           </a:p>
@@ -719,6 +724,416 @@
 </p:notes>
 </file>
 
+<file path=ppt/notesSlides/notesSlide4.xml><?xml version="1.0" encoding="utf-8"?>
+<p:notes xmlns:a="http://schemas.openxmlformats.org/drawingml/2006/main" xmlns:r="http://schemas.openxmlformats.org/officeDocument/2006/relationships" xmlns:p="http://schemas.openxmlformats.org/presentationml/2006/main">
+  <p:cSld>
+    <p:spTree>
+      <p:nvGrpSpPr>
+        <p:cNvPr id="1" name=""/>
+        <p:cNvGrpSpPr/>
+        <p:nvPr/>
+      </p:nvGrpSpPr>
+      <p:grpSpPr>
+        <a:xfrm>
+          <a:off x="0" y="0"/>
+          <a:ext cx="0" cy="0"/>
+          <a:chOff x="0" y="0"/>
+          <a:chExt cx="0" cy="0"/>
+        </a:xfrm>
+      </p:grpSpPr>
+      <p:sp>
+        <p:nvSpPr>
+          <p:cNvPr id="2" name="Slide Image Placeholder 1"/>
+          <p:cNvSpPr>
+            <a:spLocks noGrp="1" noRot="1" noChangeAspect="1"/>
+          </p:cNvSpPr>
+          <p:nvPr>
+            <p:ph type="sldImg"/>
+          </p:nvPr>
+        </p:nvSpPr>
+        <p:spPr/>
+      </p:sp>
+      <p:sp>
+        <p:nvSpPr>
+          <p:cNvPr id="3" name="Notes Placeholder 2"/>
+          <p:cNvSpPr>
+            <a:spLocks noGrp="1"/>
+          </p:cNvSpPr>
+          <p:nvPr>
+            <p:ph type="body" idx="1"/>
+          </p:nvPr>
+        </p:nvSpPr>
+        <p:spPr/>
+        <p:txBody>
+          <a:bodyPr>
+            <a:normAutofit/>
+          </a:bodyPr>
+          <a:lstStyle/>
+          <a:p>
+            <a:endParaRPr lang="en-US"/>
+          </a:p>
+        </p:txBody>
+      </p:sp>
+      <p:sp>
+        <p:nvSpPr>
+          <p:cNvPr id="4" name="Slide Number Placeholder 3"/>
+          <p:cNvSpPr>
+            <a:spLocks noGrp="1"/>
+          </p:cNvSpPr>
+          <p:nvPr>
+            <p:ph type="sldNum" sz="quarter" idx="10"/>
+          </p:nvPr>
+        </p:nvSpPr>
+        <p:spPr/>
+        <p:txBody>
+          <a:bodyPr/>
+          <a:lstStyle/>
+          <a:p>
+            <a:fld id="{CACBEE2F-8C26-493F-9430-82D1D1B7C623}" type="slidenum">
+              <a:rPr lang="en-US" smtClean="0"/>
+              <a:pPr/>
+              <a:t>5</a:t>
+            </a:fld>
+            <a:endParaRPr lang="en-US"/>
+          </a:p>
+        </p:txBody>
+      </p:sp>
+    </p:spTree>
+  </p:cSld>
+  <p:clrMapOvr>
+    <a:masterClrMapping/>
+  </p:clrMapOvr>
+</p:notes>
+</file>
+
+<file path=ppt/notesSlides/notesSlide5.xml><?xml version="1.0" encoding="utf-8"?>
+<p:notes xmlns:a="http://schemas.openxmlformats.org/drawingml/2006/main" xmlns:r="http://schemas.openxmlformats.org/officeDocument/2006/relationships" xmlns:p="http://schemas.openxmlformats.org/presentationml/2006/main">
+  <p:cSld>
+    <p:spTree>
+      <p:nvGrpSpPr>
+        <p:cNvPr id="1" name=""/>
+        <p:cNvGrpSpPr/>
+        <p:nvPr/>
+      </p:nvGrpSpPr>
+      <p:grpSpPr>
+        <a:xfrm>
+          <a:off x="0" y="0"/>
+          <a:ext cx="0" cy="0"/>
+          <a:chOff x="0" y="0"/>
+          <a:chExt cx="0" cy="0"/>
+        </a:xfrm>
+      </p:grpSpPr>
+      <p:sp>
+        <p:nvSpPr>
+          <p:cNvPr id="2" name="Slide Image Placeholder 1"/>
+          <p:cNvSpPr>
+            <a:spLocks noGrp="1" noRot="1" noChangeAspect="1"/>
+          </p:cNvSpPr>
+          <p:nvPr>
+            <p:ph type="sldImg"/>
+          </p:nvPr>
+        </p:nvSpPr>
+        <p:spPr/>
+      </p:sp>
+      <p:sp>
+        <p:nvSpPr>
+          <p:cNvPr id="3" name="Notes Placeholder 2"/>
+          <p:cNvSpPr>
+            <a:spLocks noGrp="1"/>
+          </p:cNvSpPr>
+          <p:nvPr>
+            <p:ph type="body" idx="1"/>
+          </p:nvPr>
+        </p:nvSpPr>
+        <p:spPr/>
+        <p:txBody>
+          <a:bodyPr>
+            <a:normAutofit/>
+          </a:bodyPr>
+          <a:lstStyle/>
+          <a:p>
+            <a:endParaRPr lang="en-US"/>
+          </a:p>
+        </p:txBody>
+      </p:sp>
+      <p:sp>
+        <p:nvSpPr>
+          <p:cNvPr id="4" name="Slide Number Placeholder 3"/>
+          <p:cNvSpPr>
+            <a:spLocks noGrp="1"/>
+          </p:cNvSpPr>
+          <p:nvPr>
+            <p:ph type="sldNum" sz="quarter" idx="10"/>
+          </p:nvPr>
+        </p:nvSpPr>
+        <p:spPr/>
+        <p:txBody>
+          <a:bodyPr/>
+          <a:lstStyle/>
+          <a:p>
+            <a:fld id="{CACBEE2F-8C26-493F-9430-82D1D1B7C623}" type="slidenum">
+              <a:rPr lang="en-US" smtClean="0"/>
+              <a:pPr/>
+              <a:t>6</a:t>
+            </a:fld>
+            <a:endParaRPr lang="en-US"/>
+          </a:p>
+        </p:txBody>
+      </p:sp>
+    </p:spTree>
+  </p:cSld>
+  <p:clrMapOvr>
+    <a:masterClrMapping/>
+  </p:clrMapOvr>
+</p:notes>
+</file>
+
+<file path=ppt/notesSlides/notesSlide6.xml><?xml version="1.0" encoding="utf-8"?>
+<p:notes xmlns:a="http://schemas.openxmlformats.org/drawingml/2006/main" xmlns:r="http://schemas.openxmlformats.org/officeDocument/2006/relationships" xmlns:p="http://schemas.openxmlformats.org/presentationml/2006/main">
+  <p:cSld>
+    <p:spTree>
+      <p:nvGrpSpPr>
+        <p:cNvPr id="1" name=""/>
+        <p:cNvGrpSpPr/>
+        <p:nvPr/>
+      </p:nvGrpSpPr>
+      <p:grpSpPr>
+        <a:xfrm>
+          <a:off x="0" y="0"/>
+          <a:ext cx="0" cy="0"/>
+          <a:chOff x="0" y="0"/>
+          <a:chExt cx="0" cy="0"/>
+        </a:xfrm>
+      </p:grpSpPr>
+      <p:sp>
+        <p:nvSpPr>
+          <p:cNvPr id="2" name="Slide Image Placeholder 1"/>
+          <p:cNvSpPr>
+            <a:spLocks noGrp="1" noRot="1" noChangeAspect="1"/>
+          </p:cNvSpPr>
+          <p:nvPr>
+            <p:ph type="sldImg"/>
+          </p:nvPr>
+        </p:nvSpPr>
+        <p:spPr/>
+      </p:sp>
+      <p:sp>
+        <p:nvSpPr>
+          <p:cNvPr id="3" name="Notes Placeholder 2"/>
+          <p:cNvSpPr>
+            <a:spLocks noGrp="1"/>
+          </p:cNvSpPr>
+          <p:nvPr>
+            <p:ph type="body" idx="1"/>
+          </p:nvPr>
+        </p:nvSpPr>
+        <p:spPr/>
+        <p:txBody>
+          <a:bodyPr>
+            <a:normAutofit/>
+          </a:bodyPr>
+          <a:lstStyle/>
+          <a:p>
+            <a:endParaRPr lang="en-US"/>
+          </a:p>
+        </p:txBody>
+      </p:sp>
+      <p:sp>
+        <p:nvSpPr>
+          <p:cNvPr id="4" name="Slide Number Placeholder 3"/>
+          <p:cNvSpPr>
+            <a:spLocks noGrp="1"/>
+          </p:cNvSpPr>
+          <p:nvPr>
+            <p:ph type="sldNum" sz="quarter" idx="10"/>
+          </p:nvPr>
+        </p:nvSpPr>
+        <p:spPr/>
+        <p:txBody>
+          <a:bodyPr/>
+          <a:lstStyle/>
+          <a:p>
+            <a:fld id="{CACBEE2F-8C26-493F-9430-82D1D1B7C623}" type="slidenum">
+              <a:rPr lang="en-US" smtClean="0"/>
+              <a:pPr/>
+              <a:t>7</a:t>
+            </a:fld>
+            <a:endParaRPr lang="en-US"/>
+          </a:p>
+        </p:txBody>
+      </p:sp>
+    </p:spTree>
+  </p:cSld>
+  <p:clrMapOvr>
+    <a:masterClrMapping/>
+  </p:clrMapOvr>
+</p:notes>
+</file>
+
+<file path=ppt/notesSlides/notesSlide7.xml><?xml version="1.0" encoding="utf-8"?>
+<p:notes xmlns:a="http://schemas.openxmlformats.org/drawingml/2006/main" xmlns:r="http://schemas.openxmlformats.org/officeDocument/2006/relationships" xmlns:p="http://schemas.openxmlformats.org/presentationml/2006/main">
+  <p:cSld>
+    <p:spTree>
+      <p:nvGrpSpPr>
+        <p:cNvPr id="1" name=""/>
+        <p:cNvGrpSpPr/>
+        <p:nvPr/>
+      </p:nvGrpSpPr>
+      <p:grpSpPr>
+        <a:xfrm>
+          <a:off x="0" y="0"/>
+          <a:ext cx="0" cy="0"/>
+          <a:chOff x="0" y="0"/>
+          <a:chExt cx="0" cy="0"/>
+        </a:xfrm>
+      </p:grpSpPr>
+      <p:sp>
+        <p:nvSpPr>
+          <p:cNvPr id="2" name="Slide Image Placeholder 1"/>
+          <p:cNvSpPr>
+            <a:spLocks noGrp="1" noRot="1" noChangeAspect="1"/>
+          </p:cNvSpPr>
+          <p:nvPr>
+            <p:ph type="sldImg"/>
+          </p:nvPr>
+        </p:nvSpPr>
+        <p:spPr/>
+      </p:sp>
+      <p:sp>
+        <p:nvSpPr>
+          <p:cNvPr id="3" name="Notes Placeholder 2"/>
+          <p:cNvSpPr>
+            <a:spLocks noGrp="1"/>
+          </p:cNvSpPr>
+          <p:nvPr>
+            <p:ph type="body" idx="1"/>
+          </p:nvPr>
+        </p:nvSpPr>
+        <p:spPr/>
+        <p:txBody>
+          <a:bodyPr>
+            <a:normAutofit/>
+          </a:bodyPr>
+          <a:lstStyle/>
+          <a:p>
+            <a:endParaRPr lang="en-US"/>
+          </a:p>
+        </p:txBody>
+      </p:sp>
+      <p:sp>
+        <p:nvSpPr>
+          <p:cNvPr id="4" name="Slide Number Placeholder 3"/>
+          <p:cNvSpPr>
+            <a:spLocks noGrp="1"/>
+          </p:cNvSpPr>
+          <p:nvPr>
+            <p:ph type="sldNum" sz="quarter" idx="10"/>
+          </p:nvPr>
+        </p:nvSpPr>
+        <p:spPr/>
+        <p:txBody>
+          <a:bodyPr/>
+          <a:lstStyle/>
+          <a:p>
+            <a:fld id="{CACBEE2F-8C26-493F-9430-82D1D1B7C623}" type="slidenum">
+              <a:rPr lang="en-US" smtClean="0"/>
+              <a:pPr/>
+              <a:t>8</a:t>
+            </a:fld>
+            <a:endParaRPr lang="en-US"/>
+          </a:p>
+        </p:txBody>
+      </p:sp>
+    </p:spTree>
+  </p:cSld>
+  <p:clrMapOvr>
+    <a:masterClrMapping/>
+  </p:clrMapOvr>
+</p:notes>
+</file>
+
+<file path=ppt/notesSlides/notesSlide8.xml><?xml version="1.0" encoding="utf-8"?>
+<p:notes xmlns:a="http://schemas.openxmlformats.org/drawingml/2006/main" xmlns:r="http://schemas.openxmlformats.org/officeDocument/2006/relationships" xmlns:p="http://schemas.openxmlformats.org/presentationml/2006/main">
+  <p:cSld>
+    <p:spTree>
+      <p:nvGrpSpPr>
+        <p:cNvPr id="1" name=""/>
+        <p:cNvGrpSpPr/>
+        <p:nvPr/>
+      </p:nvGrpSpPr>
+      <p:grpSpPr>
+        <a:xfrm>
+          <a:off x="0" y="0"/>
+          <a:ext cx="0" cy="0"/>
+          <a:chOff x="0" y="0"/>
+          <a:chExt cx="0" cy="0"/>
+        </a:xfrm>
+      </p:grpSpPr>
+      <p:sp>
+        <p:nvSpPr>
+          <p:cNvPr id="2" name="Slide Image Placeholder 1"/>
+          <p:cNvSpPr>
+            <a:spLocks noGrp="1" noRot="1" noChangeAspect="1"/>
+          </p:cNvSpPr>
+          <p:nvPr>
+            <p:ph type="sldImg"/>
+          </p:nvPr>
+        </p:nvSpPr>
+        <p:spPr/>
+      </p:sp>
+      <p:sp>
+        <p:nvSpPr>
+          <p:cNvPr id="3" name="Notes Placeholder 2"/>
+          <p:cNvSpPr>
+            <a:spLocks noGrp="1"/>
+          </p:cNvSpPr>
+          <p:nvPr>
+            <p:ph type="body" idx="1"/>
+          </p:nvPr>
+        </p:nvSpPr>
+        <p:spPr/>
+        <p:txBody>
+          <a:bodyPr>
+            <a:normAutofit/>
+          </a:bodyPr>
+          <a:lstStyle/>
+          <a:p>
+            <a:endParaRPr lang="en-US"/>
+          </a:p>
+        </p:txBody>
+      </p:sp>
+      <p:sp>
+        <p:nvSpPr>
+          <p:cNvPr id="4" name="Slide Number Placeholder 3"/>
+          <p:cNvSpPr>
+            <a:spLocks noGrp="1"/>
+          </p:cNvSpPr>
+          <p:nvPr>
+            <p:ph type="sldNum" sz="quarter" idx="10"/>
+          </p:nvPr>
+        </p:nvSpPr>
+        <p:spPr/>
+        <p:txBody>
+          <a:bodyPr/>
+          <a:lstStyle/>
+          <a:p>
+            <a:fld id="{CACBEE2F-8C26-493F-9430-82D1D1B7C623}" type="slidenum">
+              <a:rPr lang="en-US" smtClean="0"/>
+              <a:pPr/>
+              <a:t>9</a:t>
+            </a:fld>
+            <a:endParaRPr lang="en-US"/>
+          </a:p>
+        </p:txBody>
+      </p:sp>
+    </p:spTree>
+  </p:cSld>
+  <p:clrMapOvr>
+    <a:masterClrMapping/>
+  </p:clrMapOvr>
+</p:notes>
+</file>
+
 <file path=ppt/slideLayouts/slideLayout1.xml><?xml version="1.0" encoding="utf-8"?>
 <p:sldLayout xmlns:a="http://schemas.openxmlformats.org/drawingml/2006/main" xmlns:r="http://schemas.openxmlformats.org/officeDocument/2006/relationships" xmlns:p="http://schemas.openxmlformats.org/presentationml/2006/main" type="title" preserve="1">
   <p:cSld name="Title Slide">
@@ -901,7 +1316,7 @@
             <a:fld id="{F9C811E6-0209-4075-80E7-F5953C8ECEE3}" type="datetime1">
               <a:rPr lang="en-US" smtClean="0"/>
               <a:pPr/>
-              <a:t>8/24/15</a:t>
+              <a:t>8/26/15</a:t>
             </a:fld>
             <a:endParaRPr lang="en-US"/>
           </a:p>
@@ -1072,7 +1487,7 @@
             <a:fld id="{648E6BB1-E6D9-4EE7-828F-046F7223761D}" type="datetime1">
               <a:rPr lang="en-US" smtClean="0"/>
               <a:pPr/>
-              <a:t>8/24/15</a:t>
+              <a:t>8/26/15</a:t>
             </a:fld>
             <a:endParaRPr lang="en-US"/>
           </a:p>
@@ -1253,7 +1668,7 @@
             <a:fld id="{B4B9C580-A780-4D76-B2D1-C34F1DA97DF0}" type="datetime1">
               <a:rPr lang="en-US" smtClean="0"/>
               <a:pPr/>
-              <a:t>8/24/15</a:t>
+              <a:t>8/26/15</a:t>
             </a:fld>
             <a:endParaRPr lang="en-US"/>
           </a:p>
@@ -1424,7 +1839,7 @@
             <a:fld id="{EB19DDAF-3255-4785-974C-BB4FAF02D67E}" type="datetime1">
               <a:rPr lang="en-US" smtClean="0"/>
               <a:pPr/>
-              <a:t>8/24/15</a:t>
+              <a:t>8/26/15</a:t>
             </a:fld>
             <a:endParaRPr lang="en-US"/>
           </a:p>
@@ -1671,7 +2086,7 @@
             <a:fld id="{C344AF86-11D1-4E84-BA60-17130236FDAA}" type="datetime1">
               <a:rPr lang="en-US" smtClean="0"/>
               <a:pPr/>
-              <a:t>8/24/15</a:t>
+              <a:t>8/26/15</a:t>
             </a:fld>
             <a:endParaRPr lang="en-US"/>
           </a:p>
@@ -1960,7 +2375,7 @@
             <a:fld id="{A8DD670F-7E07-4783-A6F8-B28127B5AF4A}" type="datetime1">
               <a:rPr lang="en-US" smtClean="0"/>
               <a:pPr/>
-              <a:t>8/24/15</a:t>
+              <a:t>8/26/15</a:t>
             </a:fld>
             <a:endParaRPr lang="en-US"/>
           </a:p>
@@ -2383,7 +2798,7 @@
             <a:fld id="{92676DD9-688F-48EE-8233-B3B78BDDA63D}" type="datetime1">
               <a:rPr lang="en-US" smtClean="0"/>
               <a:pPr/>
-              <a:t>8/24/15</a:t>
+              <a:t>8/26/15</a:t>
             </a:fld>
             <a:endParaRPr lang="en-US"/>
           </a:p>
@@ -2502,7 +2917,7 @@
             <a:fld id="{F6CC4A83-AE34-48B8-B90E-70388FDBF0F7}" type="datetime1">
               <a:rPr lang="en-US" smtClean="0"/>
               <a:pPr/>
-              <a:t>8/24/15</a:t>
+              <a:t>8/26/15</a:t>
             </a:fld>
             <a:endParaRPr lang="en-US"/>
           </a:p>
@@ -2598,7 +3013,7 @@
             <a:fld id="{510CA3E2-9601-488E-B92B-23013819BD02}" type="datetime1">
               <a:rPr lang="en-US" smtClean="0"/>
               <a:pPr/>
-              <a:t>8/24/15</a:t>
+              <a:t>8/26/15</a:t>
             </a:fld>
             <a:endParaRPr lang="en-US"/>
           </a:p>
@@ -2876,7 +3291,7 @@
             <a:fld id="{331F1CBD-358A-4E18-86FD-C337233E15F0}" type="datetime1">
               <a:rPr lang="en-US" smtClean="0"/>
               <a:pPr/>
-              <a:t>8/24/15</a:t>
+              <a:t>8/26/15</a:t>
             </a:fld>
             <a:endParaRPr lang="en-US"/>
           </a:p>
@@ -3130,7 +3545,7 @@
             <a:fld id="{3CB4F0D5-901F-4458-A8F8-F062616694B4}" type="datetime1">
               <a:rPr lang="en-US" smtClean="0"/>
               <a:pPr/>
-              <a:t>8/24/15</a:t>
+              <a:t>8/26/15</a:t>
             </a:fld>
             <a:endParaRPr lang="en-US"/>
           </a:p>
@@ -3344,7 +3759,7 @@
             <a:fld id="{F77D84EF-BDBF-448B-906E-D51D4CAF22DC}" type="datetime1">
               <a:rPr lang="en-US" smtClean="0"/>
               <a:pPr/>
-              <a:t>8/24/15</a:t>
+              <a:t>8/26/15</a:t>
             </a:fld>
             <a:endParaRPr lang="en-US"/>
           </a:p>
@@ -4265,7 +4680,12 @@
             <p:ph type="ftr" sz="quarter" idx="11"/>
           </p:nvPr>
         </p:nvSpPr>
-        <p:spPr/>
+        <p:spPr>
+          <a:xfrm>
+            <a:off x="3124200" y="6483862"/>
+            <a:ext cx="2895600" cy="365125"/>
+          </a:xfrm>
+        </p:spPr>
         <p:txBody>
           <a:bodyPr/>
           <a:lstStyle/>
@@ -4324,32 +4744,32 @@
       </p:cxnSp>
       <p:graphicFrame>
         <p:nvGraphicFramePr>
-          <p:cNvPr id="8" name="Object 7"/>
+          <p:cNvPr id="9" name="Object 8"/>
           <p:cNvGraphicFramePr>
             <a:graphicFrameLocks noChangeAspect="1"/>
           </p:cNvGraphicFramePr>
           <p:nvPr>
             <p:extLst>
               <p:ext uri="{D42A27DB-BD31-4B8C-83A1-F6EECF244321}">
-                <p14:modId xmlns:p14="http://schemas.microsoft.com/office/powerpoint/2010/main" val="1113542094"/>
+                <p14:modId xmlns:p14="http://schemas.microsoft.com/office/powerpoint/2010/main" val="3843877379"/>
               </p:ext>
             </p:extLst>
           </p:nvPr>
         </p:nvGraphicFramePr>
         <p:xfrm>
-          <a:off x="1752600" y="685800"/>
-          <a:ext cx="4648200" cy="5698943"/>
+          <a:off x="1828800" y="685800"/>
+          <a:ext cx="4929188" cy="5684108"/>
         </p:xfrm>
         <a:graphic>
           <a:graphicData uri="http://schemas.openxmlformats.org/presentationml/2006/ole">
             <mc:AlternateContent xmlns:mc="http://schemas.openxmlformats.org/markup-compatibility/2006">
               <mc:Choice xmlns:v="urn:schemas-microsoft-com:vml" Requires="v">
-                <p:oleObj spid="_x0000_s1031" name="Worksheet" r:id="rId4" imgW="7023100" imgH="8610600" progId="Excel.Sheet.12">
+                <p:oleObj spid="_x0000_s1041" name="Worksheet" r:id="rId4" imgW="7467600" imgH="8610600" progId="Excel.Sheet.12">
                   <p:embed/>
                 </p:oleObj>
               </mc:Choice>
               <mc:Fallback>
-                <p:oleObj name="Worksheet" r:id="rId4" imgW="7023100" imgH="8610600" progId="Excel.Sheet.12">
+                <p:oleObj name="Worksheet" r:id="rId4" imgW="7467600" imgH="8610600" progId="Excel.Sheet.12">
                   <p:embed/>
                   <p:pic>
                     <p:nvPicPr>
@@ -4365,8 +4785,8 @@
                     </p:blipFill>
                     <p:spPr>
                       <a:xfrm>
-                        <a:off x="1752600" y="685800"/>
-                        <a:ext cx="4648200" cy="5698943"/>
+                        <a:off x="1828800" y="685800"/>
+                        <a:ext cx="4929188" cy="5684108"/>
                       </a:xfrm>
                       <a:prstGeom prst="rect">
                         <a:avLst/>
@@ -4535,7 +4955,7 @@
         <p:spPr>
           <a:xfrm>
             <a:off x="457200" y="990600"/>
-            <a:ext cx="8229600" cy="5078314"/>
+            <a:ext cx="8534400" cy="4801315"/>
           </a:xfrm>
           <a:prstGeom prst="rect">
             <a:avLst/>
@@ -4588,19 +5008,17 @@
                   </a:schemeClr>
                 </a:solidFill>
               </a:rPr>
-              <a:t>- Population</a:t>
-            </a:r>
-          </a:p>
-          <a:p>
-            <a:r>
-              <a:rPr lang="en-US" dirty="0">
+              <a:t>- Population   Y={y</a:t>
+            </a:r>
+            <a:r>
+              <a:rPr lang="en-US" baseline="-25000" dirty="0" smtClean="0">
                 <a:solidFill>
                   <a:schemeClr val="accent1">
                     <a:lumMod val="75000"/>
                   </a:schemeClr>
                 </a:solidFill>
               </a:rPr>
-              <a:t>	</a:t>
+              <a:t>1</a:t>
             </a:r>
             <a:r>
               <a:rPr lang="en-US" dirty="0" smtClean="0">
@@ -4610,7 +5028,7 @@
                   </a:schemeClr>
                 </a:solidFill>
               </a:rPr>
-              <a:t>- Sample</a:t>
+              <a:t>,…} (may be finite or infinitely large).</a:t>
             </a:r>
           </a:p>
           <a:p>
@@ -4632,13 +5050,114 @@
                   </a:schemeClr>
                 </a:solidFill>
               </a:rPr>
-              <a:t>- Estimator </a:t>
+              <a:t>- Sample         We collect a sample of size n from the population </a:t>
+            </a:r>
+            <a:r>
+              <a:rPr lang="en-US" dirty="0" err="1" smtClean="0">
+                <a:solidFill>
+                  <a:schemeClr val="accent1">
+                    <a:lumMod val="75000"/>
+                  </a:schemeClr>
+                </a:solidFill>
+              </a:rPr>
+              <a:t>Y</a:t>
+            </a:r>
+            <a:r>
+              <a:rPr lang="en-US" baseline="-25000" dirty="0" err="1" smtClean="0">
+                <a:solidFill>
+                  <a:schemeClr val="accent1">
+                    <a:lumMod val="75000"/>
+                  </a:schemeClr>
+                </a:solidFill>
+              </a:rPr>
+              <a:t>s</a:t>
+            </a:r>
+            <a:r>
+              <a:rPr lang="en-US" dirty="0">
+                <a:solidFill>
+                  <a:schemeClr val="accent1">
+                    <a:lumMod val="75000"/>
+                  </a:schemeClr>
+                </a:solidFill>
+              </a:rPr>
+              <a:t>={</a:t>
+            </a:r>
+            <a:r>
+              <a:rPr lang="en-US" dirty="0" smtClean="0">
+                <a:solidFill>
+                  <a:schemeClr val="accent1">
+                    <a:lumMod val="75000"/>
+                  </a:schemeClr>
+                </a:solidFill>
+              </a:rPr>
+              <a:t>y</a:t>
+            </a:r>
+            <a:r>
+              <a:rPr lang="en-US" baseline="-25000" dirty="0" smtClean="0">
+                <a:solidFill>
+                  <a:schemeClr val="accent1">
+                    <a:lumMod val="75000"/>
+                  </a:schemeClr>
+                </a:solidFill>
+              </a:rPr>
+              <a:t>1,…,</a:t>
+            </a:r>
+            <a:r>
+              <a:rPr lang="en-US" dirty="0" err="1">
+                <a:solidFill>
+                  <a:schemeClr val="accent1">
+                    <a:lumMod val="75000"/>
+                  </a:schemeClr>
+                </a:solidFill>
+              </a:rPr>
+              <a:t>y</a:t>
+            </a:r>
+            <a:r>
+              <a:rPr lang="en-US" baseline="-25000" dirty="0" err="1" smtClean="0">
+                <a:solidFill>
+                  <a:schemeClr val="accent1">
+                    <a:lumMod val="75000"/>
+                  </a:schemeClr>
+                </a:solidFill>
+              </a:rPr>
+              <a:t>n</a:t>
+            </a:r>
+            <a:r>
+              <a:rPr lang="en-US" dirty="0">
+                <a:solidFill>
+                  <a:schemeClr val="accent1">
+                    <a:lumMod val="75000"/>
+                  </a:schemeClr>
+                </a:solidFill>
+              </a:rPr>
+              <a:t>)	</a:t>
+            </a:r>
+          </a:p>
+          <a:p>
+            <a:endParaRPr lang="en-US" dirty="0" smtClean="0">
+              <a:solidFill>
+                <a:schemeClr val="accent1">
+                  <a:lumMod val="75000"/>
+                </a:schemeClr>
+              </a:solidFill>
+            </a:endParaRPr>
+          </a:p>
+          <a:p>
+            <a:r>
+              <a:rPr lang="en-US" dirty="0" smtClean="0">
+                <a:solidFill>
+                  <a:schemeClr val="accent1">
+                    <a:lumMod val="75000"/>
+                  </a:schemeClr>
+                </a:solidFill>
+              </a:rPr>
+              <a:t>- Estimator:</a:t>
             </a:r>
           </a:p>
           <a:p>
             <a:pPr marL="285750" indent="-285750">
-              <a:buFontTx/>
-              <a:buChar char="-"/>
+              <a:buFont typeface="Symbol" charset="0"/>
+              <a:buChar char=""/>
             </a:pPr>
             <a:endParaRPr lang="en-US" dirty="0" smtClean="0">
               <a:solidFill>
@@ -4661,7 +5180,7 @@
                   </a:schemeClr>
                 </a:solidFill>
               </a:rPr>
-              <a:t>Inference: we make statements about population parameters based on data.</a:t>
+              <a:t>Inference: we make statements about population parameters based on the sampled 		data.</a:t>
             </a:r>
           </a:p>
           <a:p>
@@ -4794,42 +5313,65 @@
               </a:solidFill>
             </a:endParaRPr>
           </a:p>
-          <a:p>
-            <a:pPr marL="285750" indent="-285750">
-              <a:buFont typeface="Symbol" charset="0"/>
-              <a:buChar char=""/>
-            </a:pPr>
-            <a:r>
-              <a:rPr lang="en-US" dirty="0" smtClean="0">
-                <a:solidFill>
-                  <a:schemeClr val="accent1">
-                    <a:lumMod val="75000"/>
-                  </a:schemeClr>
-                </a:solidFill>
-              </a:rPr>
-              <a:t>Discuss the problem of estimating the mean of Y in a population.</a:t>
-            </a:r>
-          </a:p>
-          <a:p>
-            <a:endParaRPr lang="en-US" dirty="0" smtClean="0">
-              <a:solidFill>
-                <a:schemeClr val="accent1">
-                  <a:lumMod val="75000"/>
-                </a:schemeClr>
-              </a:solidFill>
-            </a:endParaRPr>
-          </a:p>
-          <a:p>
-            <a:endParaRPr lang="en-US" dirty="0" smtClean="0">
-              <a:solidFill>
-                <a:schemeClr val="accent1">
-                  <a:lumMod val="75000"/>
-                </a:schemeClr>
-              </a:solidFill>
-            </a:endParaRPr>
-          </a:p>
         </p:txBody>
       </p:sp>
+      <p:graphicFrame>
+        <p:nvGraphicFramePr>
+          <p:cNvPr id="3" name="Object 2"/>
+          <p:cNvGraphicFramePr>
+            <a:graphicFrameLocks noChangeAspect="1"/>
+          </p:cNvGraphicFramePr>
+          <p:nvPr>
+            <p:extLst>
+              <p:ext uri="{D42A27DB-BD31-4B8C-83A1-F6EECF244321}">
+                <p14:modId xmlns:p14="http://schemas.microsoft.com/office/powerpoint/2010/main" val="3920043297"/>
+              </p:ext>
+            </p:extLst>
+          </p:nvPr>
+        </p:nvGraphicFramePr>
+        <p:xfrm>
+          <a:off x="1820779" y="2209800"/>
+          <a:ext cx="465221" cy="304800"/>
+        </p:xfrm>
+        <a:graphic>
+          <a:graphicData uri="http://schemas.openxmlformats.org/presentationml/2006/ole">
+            <mc:AlternateContent xmlns:mc="http://schemas.openxmlformats.org/markup-compatibility/2006">
+              <mc:Choice xmlns:v="urn:schemas-microsoft-com:vml" Requires="v">
+                <p:oleObj spid="_x0000_s71689" name="Equation" r:id="rId4" imgW="368300" imgH="241300" progId="Equation.3">
+                  <p:embed/>
+                </p:oleObj>
+              </mc:Choice>
+              <mc:Fallback>
+                <p:oleObj name="Equation" r:id="rId4" imgW="368300" imgH="241300" progId="Equation.3">
+                  <p:embed/>
+                  <p:pic>
+                    <p:nvPicPr>
+                      <p:cNvPr id="0" name=""/>
+                      <p:cNvPicPr/>
+                      <p:nvPr/>
+                    </p:nvPicPr>
+                    <p:blipFill>
+                      <a:blip r:embed="rId5"/>
+                      <a:stretch>
+                        <a:fillRect/>
+                      </a:stretch>
+                    </p:blipFill>
+                    <p:spPr>
+                      <a:xfrm>
+                        <a:off x="1820779" y="2209800"/>
+                        <a:ext cx="465221" cy="304800"/>
+                      </a:xfrm>
+                      <a:prstGeom prst="rect">
+                        <a:avLst/>
+                      </a:prstGeom>
+                    </p:spPr>
+                  </p:pic>
+                </p:oleObj>
+              </mc:Fallback>
+            </mc:AlternateContent>
+          </a:graphicData>
+        </a:graphic>
+      </p:graphicFrame>
     </p:spTree>
     <p:extLst>
       <p:ext uri="{BB962C8B-B14F-4D97-AF65-F5344CB8AC3E}">
@@ -5235,7 +5777,7 @@
             <a:graphicData uri="http://schemas.openxmlformats.org/presentationml/2006/ole">
               <mc:AlternateContent xmlns:mc="http://schemas.openxmlformats.org/markup-compatibility/2006">
                 <mc:Choice xmlns:v="urn:schemas-microsoft-com:vml" Requires="v">
-                  <p:oleObj spid="_x0000_s70672" name="Equation" r:id="rId3" imgW="2120900" imgH="279400" progId="Equation.3">
+                  <p:oleObj spid="_x0000_s70717" name="Equation" r:id="rId3" imgW="2120900" imgH="279400" progId="Equation.3">
                     <p:embed/>
                   </p:oleObj>
                 </mc:Choice>
@@ -5708,22 +6250,28 @@
           <p:cNvGraphicFramePr>
             <a:graphicFrameLocks noChangeAspect="1"/>
           </p:cNvGraphicFramePr>
-          <p:nvPr/>
+          <p:nvPr>
+            <p:extLst>
+              <p:ext uri="{D42A27DB-BD31-4B8C-83A1-F6EECF244321}">
+                <p14:modId xmlns:p14="http://schemas.microsoft.com/office/powerpoint/2010/main" val="1308733112"/>
+              </p:ext>
+            </p:extLst>
+          </p:nvPr>
         </p:nvGraphicFramePr>
         <p:xfrm>
-          <a:off x="415925" y="838200"/>
-          <a:ext cx="2327275" cy="717550"/>
+          <a:off x="381000" y="914400"/>
+          <a:ext cx="3908425" cy="635000"/>
         </p:xfrm>
         <a:graphic>
           <a:graphicData uri="http://schemas.openxmlformats.org/presentationml/2006/ole">
             <mc:AlternateContent xmlns:mc="http://schemas.openxmlformats.org/markup-compatibility/2006">
               <mc:Choice xmlns:v="urn:schemas-microsoft-com:vml" Requires="v">
-                <p:oleObj spid="_x0000_s70673" name="Equation" r:id="rId5" imgW="1042200" imgH="301680" progId="Equation.3">
+                <p:oleObj spid="_x0000_s70718" name="Equation" r:id="rId5" imgW="1752600" imgH="266700" progId="Equation.3">
                   <p:embed/>
                 </p:oleObj>
               </mc:Choice>
               <mc:Fallback>
-                <p:oleObj name="Equation" r:id="rId5" imgW="1042200" imgH="301680" progId="Equation.3">
+                <p:oleObj name="Equation" r:id="rId5" imgW="1752600" imgH="266700" progId="Equation.3">
                   <p:embed/>
                   <p:pic>
                     <p:nvPicPr>
@@ -5734,13 +6282,7 @@
                       <p:nvPr/>
                     </p:nvPicPr>
                     <p:blipFill>
-                      <a:blip r:embed="rId6">
-                        <a:extLst>
-                          <a:ext uri="{28A0092B-C50C-407E-A947-70E740481C1C}">
-                            <a14:useLocalDpi xmlns:a14="http://schemas.microsoft.com/office/drawing/2010/main" val="0"/>
-                          </a:ext>
-                        </a:extLst>
-                      </a:blip>
+                      <a:blip r:embed="rId6"/>
                       <a:srcRect/>
                       <a:stretch>
                         <a:fillRect/>
@@ -5748,8 +6290,8 @@
                     </p:blipFill>
                     <p:spPr bwMode="auto">
                       <a:xfrm>
-                        <a:off x="415925" y="838200"/>
-                        <a:ext cx="2327275" cy="717550"/>
+                        <a:off x="381000" y="914400"/>
+                        <a:ext cx="3908425" cy="635000"/>
                       </a:xfrm>
                       <a:prstGeom prst="rect">
                         <a:avLst/>
@@ -5788,7 +6330,7 @@
           <a:graphicData uri="http://schemas.openxmlformats.org/presentationml/2006/ole">
             <mc:AlternateContent xmlns:mc="http://schemas.openxmlformats.org/markup-compatibility/2006">
               <mc:Choice xmlns:v="urn:schemas-microsoft-com:vml" Requires="v">
-                <p:oleObj spid="_x0000_s70674" name="Equation" r:id="rId7" imgW="1206720" imgH="283320" progId="Equation.3">
+                <p:oleObj spid="_x0000_s70719" name="Equation" r:id="rId7" imgW="1206720" imgH="283320" progId="Equation.3">
                   <p:embed/>
                 </p:oleObj>
               </mc:Choice>
@@ -6666,7 +7208,7 @@
           <a:graphicData uri="http://schemas.openxmlformats.org/presentationml/2006/ole">
             <mc:AlternateContent xmlns:mc="http://schemas.openxmlformats.org/markup-compatibility/2006">
               <mc:Choice xmlns:v="urn:schemas-microsoft-com:vml" Requires="v">
-                <p:oleObj spid="_x0000_s70675" name="Equation" r:id="rId10" imgW="1133640" imgH="283320" progId="Equation.3">
+                <p:oleObj spid="_x0000_s70720" name="Equation" r:id="rId10" imgW="1133640" imgH="283320" progId="Equation.3">
                   <p:embed/>
                 </p:oleObj>
               </mc:Choice>
@@ -6952,7 +7494,7 @@
         <p:spPr bwMode="auto">
           <a:xfrm>
             <a:off x="4953000" y="5334000"/>
-            <a:ext cx="4800600" cy="830262"/>
+            <a:ext cx="4800600" cy="1200328"/>
           </a:xfrm>
           <a:prstGeom prst="rect">
             <a:avLst/>
@@ -7096,24 +7638,37 @@
           <a:p>
             <a:pPr algn="ctr" eaLnBrk="1" hangingPunct="1"/>
             <a:r>
-              <a:rPr lang="en-US" sz="2400" dirty="0">
+              <a:rPr lang="en-US" sz="2400" dirty="0" smtClean="0">
                 <a:solidFill>
                   <a:srgbClr val="0066FF"/>
                 </a:solidFill>
               </a:rPr>
-              <a:t>Bias-Variance</a:t>
+              <a:t>Let’s look at an example:</a:t>
             </a:r>
           </a:p>
           <a:p>
             <a:pPr algn="ctr" eaLnBrk="1" hangingPunct="1"/>
-            <a:r>
-              <a:rPr lang="en-US" sz="2400" dirty="0">
+            <a:endParaRPr lang="en-US" sz="2400" dirty="0">
+              <a:solidFill>
+                <a:srgbClr val="0066FF"/>
+              </a:solidFill>
+            </a:endParaRPr>
+          </a:p>
+          <a:p>
+            <a:pPr algn="ctr" eaLnBrk="1" hangingPunct="1"/>
+            <a:r>
+              <a:rPr lang="en-US" sz="2400" dirty="0" smtClean="0">
                 <a:solidFill>
                   <a:srgbClr val="0066FF"/>
                 </a:solidFill>
               </a:rPr>
-              <a:t>Tradeoffs</a:t>
-            </a:r>
+              <a:t>(Binomial Sampling)</a:t>
+            </a:r>
+            <a:endParaRPr lang="en-US" sz="2400" dirty="0">
+              <a:solidFill>
+                <a:srgbClr val="0066FF"/>
+              </a:solidFill>
+            </a:endParaRPr>
           </a:p>
         </p:txBody>
       </p:sp>
@@ -7171,20 +7726,20 @@
           <p:nvPr>
             <p:extLst>
               <p:ext uri="{D42A27DB-BD31-4B8C-83A1-F6EECF244321}">
-                <p14:modId xmlns:p14="http://schemas.microsoft.com/office/powerpoint/2010/main" val="1836202998"/>
+                <p14:modId xmlns:p14="http://schemas.microsoft.com/office/powerpoint/2010/main" val="196114216"/>
               </p:ext>
             </p:extLst>
           </p:nvPr>
         </p:nvGraphicFramePr>
         <p:xfrm>
-          <a:off x="1214438" y="2703513"/>
+          <a:off x="533400" y="2743200"/>
           <a:ext cx="2478087" cy="666750"/>
         </p:xfrm>
         <a:graphic>
           <a:graphicData uri="http://schemas.openxmlformats.org/presentationml/2006/ole">
             <mc:AlternateContent xmlns:mc="http://schemas.openxmlformats.org/markup-compatibility/2006">
               <mc:Choice xmlns:v="urn:schemas-microsoft-com:vml" Requires="v">
-                <p:oleObj spid="_x0000_s70676" name="Equation" r:id="rId12" imgW="1181100" imgH="317500" progId="Equation.3">
+                <p:oleObj spid="_x0000_s70721" name="Equation" r:id="rId12" imgW="1181100" imgH="317500" progId="Equation.3">
                   <p:embed/>
                 </p:oleObj>
               </mc:Choice>
@@ -7208,7 +7763,7 @@
                     </p:blipFill>
                     <p:spPr bwMode="auto">
                       <a:xfrm>
-                        <a:off x="1214438" y="2703513"/>
+                        <a:off x="533400" y="2743200"/>
                         <a:ext cx="2478087" cy="666750"/>
                       </a:xfrm>
                       <a:prstGeom prst="rect">
@@ -7241,20 +7796,20 @@
           <p:nvPr>
             <p:extLst>
               <p:ext uri="{D42A27DB-BD31-4B8C-83A1-F6EECF244321}">
-                <p14:modId xmlns:p14="http://schemas.microsoft.com/office/powerpoint/2010/main" val="3349649491"/>
+                <p14:modId xmlns:p14="http://schemas.microsoft.com/office/powerpoint/2010/main" val="2884626997"/>
               </p:ext>
             </p:extLst>
           </p:nvPr>
         </p:nvGraphicFramePr>
         <p:xfrm>
-          <a:off x="1295400" y="3505200"/>
-          <a:ext cx="2525712" cy="637190"/>
+          <a:off x="533400" y="3505200"/>
+          <a:ext cx="2718394" cy="685800"/>
         </p:xfrm>
         <a:graphic>
           <a:graphicData uri="http://schemas.openxmlformats.org/presentationml/2006/ole">
             <mc:AlternateContent xmlns:mc="http://schemas.openxmlformats.org/markup-compatibility/2006">
               <mc:Choice xmlns:v="urn:schemas-microsoft-com:vml" Requires="v">
-                <p:oleObj spid="_x0000_s70677" name="Equation" r:id="rId14" imgW="1409700" imgH="355600" progId="Equation.3">
+                <p:oleObj spid="_x0000_s70722" name="Equation" r:id="rId14" imgW="1409700" imgH="355600" progId="Equation.3">
                   <p:embed/>
                 </p:oleObj>
               </mc:Choice>
@@ -7278,8 +7833,8 @@
                     </p:blipFill>
                     <p:spPr bwMode="auto">
                       <a:xfrm>
-                        <a:off x="1295400" y="3505200"/>
-                        <a:ext cx="2525712" cy="637190"/>
+                        <a:off x="533400" y="3505200"/>
+                        <a:ext cx="2718394" cy="685800"/>
                       </a:xfrm>
                       <a:prstGeom prst="rect">
                         <a:avLst/>
@@ -7794,7 +8349,7 @@
                             </p:stCondLst>
                             <p:childTnLst>
                               <p:par>
-                                <p:cTn id="49" presetID="3" presetClass="entr" presetSubtype="10" fill="hold" nodeType="clickEffect">
+                                <p:cTn id="49" presetID="14" presetClass="entr" presetSubtype="10" fill="hold" grpId="0" nodeType="clickEffect">
                                   <p:stCondLst>
                                     <p:cond delay="0"/>
                                   </p:stCondLst>
@@ -7802,6 +8357,165 @@
                                     <p:set>
                                       <p:cBhvr>
                                         <p:cTn id="50" dur="1" fill="hold">
+                                          <p:stCondLst>
+                                            <p:cond delay="0"/>
+                                          </p:stCondLst>
+                                        </p:cTn>
+                                        <p:tgtEl>
+                                          <p:spTgt spid="44"/>
+                                        </p:tgtEl>
+                                        <p:attrNameLst>
+                                          <p:attrName>style.visibility</p:attrName>
+                                        </p:attrNameLst>
+                                      </p:cBhvr>
+                                      <p:to>
+                                        <p:strVal val="visible"/>
+                                      </p:to>
+                                    </p:set>
+                                    <p:animEffect transition="in" filter="randombar(horizontal)">
+                                      <p:cBhvr>
+                                        <p:cTn id="51" dur="500"/>
+                                        <p:tgtEl>
+                                          <p:spTgt spid="44"/>
+                                        </p:tgtEl>
+                                      </p:cBhvr>
+                                    </p:animEffect>
+                                  </p:childTnLst>
+                                </p:cTn>
+                              </p:par>
+                            </p:childTnLst>
+                          </p:cTn>
+                        </p:par>
+                      </p:childTnLst>
+                    </p:cTn>
+                  </p:par>
+                  <p:par>
+                    <p:cTn id="52" fill="hold">
+                      <p:stCondLst>
+                        <p:cond delay="indefinite"/>
+                      </p:stCondLst>
+                      <p:childTnLst>
+                        <p:par>
+                          <p:cTn id="53" fill="hold">
+                            <p:stCondLst>
+                              <p:cond delay="0"/>
+                            </p:stCondLst>
+                            <p:childTnLst>
+                              <p:par>
+                                <p:cTn id="54" presetID="3" presetClass="entr" presetSubtype="10" fill="hold" nodeType="clickEffect">
+                                  <p:stCondLst>
+                                    <p:cond delay="0"/>
+                                  </p:stCondLst>
+                                  <p:childTnLst>
+                                    <p:set>
+                                      <p:cBhvr>
+                                        <p:cTn id="55" dur="1" fill="hold">
+                                          <p:stCondLst>
+                                            <p:cond delay="0"/>
+                                          </p:stCondLst>
+                                        </p:cTn>
+                                        <p:tgtEl>
+                                          <p:spTgt spid="46"/>
+                                        </p:tgtEl>
+                                        <p:attrNameLst>
+                                          <p:attrName>style.visibility</p:attrName>
+                                        </p:attrNameLst>
+                                      </p:cBhvr>
+                                      <p:to>
+                                        <p:strVal val="visible"/>
+                                      </p:to>
+                                    </p:set>
+                                    <p:animEffect transition="in" filter="blinds(horizontal)">
+                                      <p:cBhvr>
+                                        <p:cTn id="56" dur="500"/>
+                                        <p:tgtEl>
+                                          <p:spTgt spid="46"/>
+                                        </p:tgtEl>
+                                      </p:cBhvr>
+                                    </p:animEffect>
+                                  </p:childTnLst>
+                                </p:cTn>
+                              </p:par>
+                            </p:childTnLst>
+                          </p:cTn>
+                        </p:par>
+                      </p:childTnLst>
+                    </p:cTn>
+                  </p:par>
+                  <p:par>
+                    <p:cTn id="57" fill="hold">
+                      <p:stCondLst>
+                        <p:cond delay="indefinite"/>
+                      </p:stCondLst>
+                      <p:childTnLst>
+                        <p:par>
+                          <p:cTn id="58" fill="hold">
+                            <p:stCondLst>
+                              <p:cond delay="0"/>
+                            </p:stCondLst>
+                            <p:childTnLst>
+                              <p:par>
+                                <p:cTn id="59" presetID="3" presetClass="entr" presetSubtype="10" fill="hold" nodeType="clickEffect">
+                                  <p:stCondLst>
+                                    <p:cond delay="0"/>
+                                  </p:stCondLst>
+                                  <p:childTnLst>
+                                    <p:set>
+                                      <p:cBhvr>
+                                        <p:cTn id="60" dur="1" fill="hold">
+                                          <p:stCondLst>
+                                            <p:cond delay="0"/>
+                                          </p:stCondLst>
+                                        </p:cTn>
+                                        <p:tgtEl>
+                                          <p:spTgt spid="47"/>
+                                        </p:tgtEl>
+                                        <p:attrNameLst>
+                                          <p:attrName>style.visibility</p:attrName>
+                                        </p:attrNameLst>
+                                      </p:cBhvr>
+                                      <p:to>
+                                        <p:strVal val="visible"/>
+                                      </p:to>
+                                    </p:set>
+                                    <p:animEffect transition="in" filter="blinds(horizontal)">
+                                      <p:cBhvr>
+                                        <p:cTn id="61" dur="500"/>
+                                        <p:tgtEl>
+                                          <p:spTgt spid="47"/>
+                                        </p:tgtEl>
+                                      </p:cBhvr>
+                                    </p:animEffect>
+                                  </p:childTnLst>
+                                </p:cTn>
+                              </p:par>
+                            </p:childTnLst>
+                          </p:cTn>
+                        </p:par>
+                      </p:childTnLst>
+                    </p:cTn>
+                  </p:par>
+                  <p:par>
+                    <p:cTn id="62" fill="hold">
+                      <p:stCondLst>
+                        <p:cond delay="indefinite"/>
+                      </p:stCondLst>
+                      <p:childTnLst>
+                        <p:par>
+                          <p:cTn id="63" fill="hold">
+                            <p:stCondLst>
+                              <p:cond delay="0"/>
+                            </p:stCondLst>
+                            <p:childTnLst>
+                              <p:par>
+                                <p:cTn id="64" presetID="3" presetClass="entr" presetSubtype="10" fill="hold" nodeType="clickEffect">
+                                  <p:stCondLst>
+                                    <p:cond delay="0"/>
+                                  </p:stCondLst>
+                                  <p:childTnLst>
+                                    <p:set>
+                                      <p:cBhvr>
+                                        <p:cTn id="65" dur="1" fill="hold">
                                           <p:stCondLst>
                                             <p:cond delay="0"/>
                                           </p:stCondLst>
@@ -7819,62 +8533,9 @@
                                     </p:set>
                                     <p:animEffect transition="in" filter="blinds(horizontal)">
                                       <p:cBhvr>
-                                        <p:cTn id="51" dur="500"/>
+                                        <p:cTn id="66" dur="500"/>
                                         <p:tgtEl>
                                           <p:spTgt spid="2"/>
-                                        </p:tgtEl>
-                                      </p:cBhvr>
-                                    </p:animEffect>
-                                  </p:childTnLst>
-                                </p:cTn>
-                              </p:par>
-                            </p:childTnLst>
-                          </p:cTn>
-                        </p:par>
-                      </p:childTnLst>
-                    </p:cTn>
-                  </p:par>
-                  <p:par>
-                    <p:cTn id="52" fill="hold" nodeType="clickPar">
-                      <p:stCondLst>
-                        <p:cond delay="indefinite"/>
-                      </p:stCondLst>
-                      <p:childTnLst>
-                        <p:par>
-                          <p:cTn id="53" fill="hold" nodeType="withGroup">
-                            <p:stCondLst>
-                              <p:cond delay="0"/>
-                            </p:stCondLst>
-                            <p:childTnLst>
-                              <p:par>
-                                <p:cTn id="54" presetID="14" presetClass="entr" presetSubtype="10" fill="hold" grpId="0" nodeType="clickEffect">
-                                  <p:stCondLst>
-                                    <p:cond delay="0"/>
-                                  </p:stCondLst>
-                                  <p:childTnLst>
-                                    <p:set>
-                                      <p:cBhvr>
-                                        <p:cTn id="55" dur="1" fill="hold">
-                                          <p:stCondLst>
-                                            <p:cond delay="0"/>
-                                          </p:stCondLst>
-                                        </p:cTn>
-                                        <p:tgtEl>
-                                          <p:spTgt spid="44"/>
-                                        </p:tgtEl>
-                                        <p:attrNameLst>
-                                          <p:attrName>style.visibility</p:attrName>
-                                        </p:attrNameLst>
-                                      </p:cBhvr>
-                                      <p:to>
-                                        <p:strVal val="visible"/>
-                                      </p:to>
-                                    </p:set>
-                                    <p:animEffect transition="in" filter="randombar(horizontal)">
-                                      <p:cBhvr>
-                                        <p:cTn id="56" dur="500"/>
-                                        <p:tgtEl>
-                                          <p:spTgt spid="44"/>
                                         </p:tgtEl>
                                       </p:cBhvr>
                                     </p:animEffect>
@@ -7914,6 +8575,2797 @@
       <p:bldP spid="45" grpId="0" animBg="1"/>
       <p:bldP spid="45" grpId="1" animBg="1"/>
     </p:bldLst>
+  </p:timing>
+</p:sld>
+</file>
+
+<file path=ppt/slides/slide5.xml><?xml version="1.0" encoding="utf-8"?>
+<p:sld xmlns:a="http://schemas.openxmlformats.org/drawingml/2006/main" xmlns:r="http://schemas.openxmlformats.org/officeDocument/2006/relationships" xmlns:p="http://schemas.openxmlformats.org/presentationml/2006/main">
+  <p:cSld>
+    <p:spTree>
+      <p:nvGrpSpPr>
+        <p:cNvPr id="1" name=""/>
+        <p:cNvGrpSpPr/>
+        <p:nvPr/>
+      </p:nvGrpSpPr>
+      <p:grpSpPr>
+        <a:xfrm>
+          <a:off x="0" y="0"/>
+          <a:ext cx="0" cy="0"/>
+          <a:chOff x="0" y="0"/>
+          <a:chExt cx="0" cy="0"/>
+        </a:xfrm>
+      </p:grpSpPr>
+      <p:sp>
+        <p:nvSpPr>
+          <p:cNvPr id="2" name="Title 1"/>
+          <p:cNvSpPr>
+            <a:spLocks noGrp="1"/>
+          </p:cNvSpPr>
+          <p:nvPr>
+            <p:ph type="ctrTitle"/>
+          </p:nvPr>
+        </p:nvSpPr>
+        <p:spPr>
+          <a:xfrm>
+            <a:off x="36052" y="0"/>
+            <a:ext cx="7772400" cy="762000"/>
+          </a:xfrm>
+        </p:spPr>
+        <p:txBody>
+          <a:bodyPr>
+            <a:normAutofit/>
+          </a:bodyPr>
+          <a:lstStyle/>
+          <a:p>
+            <a:pPr algn="l"/>
+            <a:r>
+              <a:rPr lang="en-US" sz="3200" dirty="0" smtClean="0">
+                <a:solidFill>
+                  <a:schemeClr val="accent2">
+                    <a:lumMod val="75000"/>
+                  </a:schemeClr>
+                </a:solidFill>
+              </a:rPr>
+              <a:t>Sampling from binomial</a:t>
+            </a:r>
+            <a:endParaRPr lang="en-US" sz="3200" dirty="0">
+              <a:solidFill>
+                <a:schemeClr val="accent2">
+                  <a:lumMod val="75000"/>
+                </a:schemeClr>
+              </a:solidFill>
+            </a:endParaRPr>
+          </a:p>
+        </p:txBody>
+      </p:sp>
+      <p:sp>
+        <p:nvSpPr>
+          <p:cNvPr id="4" name="Footer Placeholder 3"/>
+          <p:cNvSpPr>
+            <a:spLocks noGrp="1"/>
+          </p:cNvSpPr>
+          <p:nvPr>
+            <p:ph type="ftr" sz="quarter" idx="11"/>
+          </p:nvPr>
+        </p:nvSpPr>
+        <p:spPr/>
+        <p:txBody>
+          <a:bodyPr/>
+          <a:lstStyle/>
+          <a:p>
+            <a:r>
+              <a:rPr lang="en-US" dirty="0" smtClean="0">
+                <a:solidFill>
+                  <a:schemeClr val="accent1"/>
+                </a:solidFill>
+              </a:rPr>
+              <a:t>STT 465, MSU, Fall, 2015</a:t>
+            </a:r>
+            <a:endParaRPr lang="en-US" dirty="0">
+              <a:solidFill>
+                <a:schemeClr val="accent1"/>
+              </a:solidFill>
+            </a:endParaRPr>
+          </a:p>
+        </p:txBody>
+      </p:sp>
+      <p:cxnSp>
+        <p:nvCxnSpPr>
+          <p:cNvPr id="7" name="Straight Connector 6"/>
+          <p:cNvCxnSpPr/>
+          <p:nvPr/>
+        </p:nvCxnSpPr>
+        <p:spPr>
+          <a:xfrm flipV="1">
+            <a:off x="0" y="609600"/>
+            <a:ext cx="9144000" cy="76200"/>
+          </a:xfrm>
+          <a:prstGeom prst="line">
+            <a:avLst/>
+          </a:prstGeom>
+          <a:ln w="19050">
+            <a:solidFill>
+              <a:srgbClr val="800000"/>
+            </a:solidFill>
+          </a:ln>
+          <a:effectLst/>
+        </p:spPr>
+        <p:style>
+          <a:lnRef idx="2">
+            <a:schemeClr val="accent1"/>
+          </a:lnRef>
+          <a:fillRef idx="0">
+            <a:schemeClr val="accent1"/>
+          </a:fillRef>
+          <a:effectRef idx="1">
+            <a:schemeClr val="accent1"/>
+          </a:effectRef>
+          <a:fontRef idx="minor">
+            <a:schemeClr val="tx1"/>
+          </a:fontRef>
+        </p:style>
+      </p:cxnSp>
+      <p:sp>
+        <p:nvSpPr>
+          <p:cNvPr id="21" name="TextBox 20"/>
+          <p:cNvSpPr txBox="1"/>
+          <p:nvPr/>
+        </p:nvSpPr>
+        <p:spPr>
+          <a:xfrm>
+            <a:off x="457200" y="990600"/>
+            <a:ext cx="8686800" cy="3693319"/>
+          </a:xfrm>
+          <a:prstGeom prst="rect">
+            <a:avLst/>
+          </a:prstGeom>
+          <a:noFill/>
+          <a:ln>
+            <a:solidFill>
+              <a:srgbClr val="800000"/>
+            </a:solidFill>
+            <a:prstDash val="sysDash"/>
+          </a:ln>
+        </p:spPr>
+        <p:txBody>
+          <a:bodyPr wrap="square" rtlCol="0">
+            <a:spAutoFit/>
+          </a:bodyPr>
+          <a:lstStyle/>
+          <a:p>
+            <a:pPr marL="285750" indent="-285750">
+              <a:buFontTx/>
+              <a:buChar char="-"/>
+            </a:pPr>
+            <a:endParaRPr lang="en-US" dirty="0" smtClean="0">
+              <a:solidFill>
+                <a:schemeClr val="accent1">
+                  <a:lumMod val="75000"/>
+                </a:schemeClr>
+              </a:solidFill>
+            </a:endParaRPr>
+          </a:p>
+          <a:p>
+            <a:pPr marL="285750" indent="-285750">
+              <a:buFontTx/>
+              <a:buChar char="-"/>
+            </a:pPr>
+            <a:r>
+              <a:rPr lang="en-US" dirty="0" smtClean="0">
+                <a:solidFill>
+                  <a:schemeClr val="accent1">
+                    <a:lumMod val="75000"/>
+                  </a:schemeClr>
+                </a:solidFill>
+              </a:rPr>
+              <a:t>Code: </a:t>
+            </a:r>
+            <a:r>
+              <a:rPr lang="en-US" dirty="0" smtClean="0">
+                <a:solidFill>
+                  <a:schemeClr val="accent1">
+                    <a:lumMod val="75000"/>
+                  </a:schemeClr>
+                </a:solidFill>
+                <a:hlinkClick r:id="rId3"/>
+              </a:rPr>
+              <a:t>example_1.md</a:t>
+            </a:r>
+            <a:r>
+              <a:rPr lang="en-US" dirty="0">
+                <a:solidFill>
+                  <a:schemeClr val="accent1">
+                    <a:lumMod val="75000"/>
+                  </a:schemeClr>
+                </a:solidFill>
+              </a:rPr>
+              <a:t>  </a:t>
+            </a:r>
+          </a:p>
+          <a:p>
+            <a:pPr marL="285750" indent="-285750">
+              <a:buFontTx/>
+              <a:buChar char="-"/>
+            </a:pPr>
+            <a:endParaRPr lang="en-US" dirty="0" smtClean="0">
+              <a:solidFill>
+                <a:schemeClr val="accent1">
+                  <a:lumMod val="75000"/>
+                </a:schemeClr>
+              </a:solidFill>
+            </a:endParaRPr>
+          </a:p>
+          <a:p>
+            <a:pPr marL="285750" indent="-285750">
+              <a:buFontTx/>
+              <a:buChar char="-"/>
+            </a:pPr>
+            <a:r>
+              <a:rPr lang="en-US" dirty="0" smtClean="0">
+                <a:solidFill>
+                  <a:schemeClr val="accent1">
+                    <a:lumMod val="75000"/>
+                  </a:schemeClr>
+                </a:solidFill>
+              </a:rPr>
+              <a:t>Discuss:</a:t>
+            </a:r>
+          </a:p>
+          <a:p>
+            <a:r>
+              <a:rPr lang="en-US" dirty="0">
+                <a:solidFill>
+                  <a:schemeClr val="accent1">
+                    <a:lumMod val="75000"/>
+                  </a:schemeClr>
+                </a:solidFill>
+              </a:rPr>
+              <a:t>	</a:t>
+            </a:r>
+            <a:r>
+              <a:rPr lang="en-US" dirty="0" smtClean="0">
+                <a:solidFill>
+                  <a:schemeClr val="accent1">
+                    <a:lumMod val="75000"/>
+                  </a:schemeClr>
+                </a:solidFill>
+              </a:rPr>
+              <a:t>- Binomial model</a:t>
+            </a:r>
+          </a:p>
+          <a:p>
+            <a:r>
+              <a:rPr lang="en-US" dirty="0">
+                <a:solidFill>
+                  <a:schemeClr val="accent1">
+                    <a:lumMod val="75000"/>
+                  </a:schemeClr>
+                </a:solidFill>
+              </a:rPr>
+              <a:t>	</a:t>
+            </a:r>
+            <a:r>
+              <a:rPr lang="en-US" dirty="0" smtClean="0">
+                <a:solidFill>
+                  <a:schemeClr val="accent1">
+                    <a:lumMod val="75000"/>
+                  </a:schemeClr>
+                </a:solidFill>
+              </a:rPr>
+              <a:t>- Maximum Likelihood estimator.</a:t>
+            </a:r>
+          </a:p>
+          <a:p>
+            <a:r>
+              <a:rPr lang="en-US" dirty="0">
+                <a:solidFill>
+                  <a:schemeClr val="accent1">
+                    <a:lumMod val="75000"/>
+                  </a:schemeClr>
+                </a:solidFill>
+              </a:rPr>
+              <a:t>	</a:t>
+            </a:r>
+            <a:r>
+              <a:rPr lang="en-US" dirty="0" smtClean="0">
+                <a:solidFill>
+                  <a:schemeClr val="accent1">
+                    <a:lumMod val="75000"/>
+                  </a:schemeClr>
+                </a:solidFill>
+              </a:rPr>
+              <a:t>- Expected value and variance of the estimator.</a:t>
+            </a:r>
+          </a:p>
+          <a:p>
+            <a:r>
+              <a:rPr lang="en-US" dirty="0">
+                <a:solidFill>
+                  <a:schemeClr val="accent1">
+                    <a:lumMod val="75000"/>
+                  </a:schemeClr>
+                </a:solidFill>
+              </a:rPr>
+              <a:t>	</a:t>
+            </a:r>
+            <a:r>
+              <a:rPr lang="en-US" dirty="0" smtClean="0">
+                <a:solidFill>
+                  <a:schemeClr val="accent1">
+                    <a:lumMod val="75000"/>
+                  </a:schemeClr>
+                </a:solidFill>
+              </a:rPr>
+              <a:t>- Compare the bias and variance with Monte Carlo estimates of those quantities.</a:t>
+            </a:r>
+          </a:p>
+          <a:p>
+            <a:pPr marL="285750" indent="-285750">
+              <a:buFontTx/>
+              <a:buChar char="-"/>
+            </a:pPr>
+            <a:endParaRPr lang="en-US" dirty="0">
+              <a:solidFill>
+                <a:schemeClr val="accent1">
+                  <a:lumMod val="75000"/>
+                </a:schemeClr>
+              </a:solidFill>
+            </a:endParaRPr>
+          </a:p>
+          <a:p>
+            <a:pPr marL="285750" indent="-285750">
+              <a:buFontTx/>
+              <a:buChar char="-"/>
+            </a:pPr>
+            <a:endParaRPr lang="en-US" dirty="0" smtClean="0">
+              <a:solidFill>
+                <a:schemeClr val="accent1">
+                  <a:lumMod val="75000"/>
+                </a:schemeClr>
+              </a:solidFill>
+            </a:endParaRPr>
+          </a:p>
+          <a:p>
+            <a:pPr marL="285750" indent="-285750">
+              <a:buFontTx/>
+              <a:buChar char="-"/>
+            </a:pPr>
+            <a:endParaRPr lang="en-US" dirty="0">
+              <a:solidFill>
+                <a:schemeClr val="accent1">
+                  <a:lumMod val="75000"/>
+                </a:schemeClr>
+              </a:solidFill>
+            </a:endParaRPr>
+          </a:p>
+          <a:p>
+            <a:pPr marL="285750" indent="-285750">
+              <a:buFontTx/>
+              <a:buChar char="-"/>
+            </a:pPr>
+            <a:endParaRPr lang="en-US" dirty="0" smtClean="0">
+              <a:solidFill>
+                <a:schemeClr val="accent1">
+                  <a:lumMod val="75000"/>
+                </a:schemeClr>
+              </a:solidFill>
+            </a:endParaRPr>
+          </a:p>
+          <a:p>
+            <a:endParaRPr lang="en-US" dirty="0" smtClean="0">
+              <a:solidFill>
+                <a:schemeClr val="accent1">
+                  <a:lumMod val="75000"/>
+                </a:schemeClr>
+              </a:solidFill>
+            </a:endParaRPr>
+          </a:p>
+        </p:txBody>
+      </p:sp>
+    </p:spTree>
+    <p:extLst>
+      <p:ext uri="{BB962C8B-B14F-4D97-AF65-F5344CB8AC3E}">
+        <p14:creationId xmlns:p14="http://schemas.microsoft.com/office/powerpoint/2010/main" val="2050257765"/>
+      </p:ext>
+    </p:extLst>
+  </p:cSld>
+  <p:clrMapOvr>
+    <a:masterClrMapping/>
+  </p:clrMapOvr>
+  <p:timing>
+    <p:tnLst>
+      <p:par>
+        <p:cTn xmlns:p14="http://schemas.microsoft.com/office/powerpoint/2010/main" id="1" dur="indefinite" restart="never" nodeType="tmRoot"/>
+      </p:par>
+    </p:tnLst>
+  </p:timing>
+</p:sld>
+</file>
+
+<file path=ppt/slides/slide6.xml><?xml version="1.0" encoding="utf-8"?>
+<p:sld xmlns:a="http://schemas.openxmlformats.org/drawingml/2006/main" xmlns:r="http://schemas.openxmlformats.org/officeDocument/2006/relationships" xmlns:p="http://schemas.openxmlformats.org/presentationml/2006/main">
+  <p:cSld>
+    <p:spTree>
+      <p:nvGrpSpPr>
+        <p:cNvPr id="1" name=""/>
+        <p:cNvGrpSpPr/>
+        <p:nvPr/>
+      </p:nvGrpSpPr>
+      <p:grpSpPr>
+        <a:xfrm>
+          <a:off x="0" y="0"/>
+          <a:ext cx="0" cy="0"/>
+          <a:chOff x="0" y="0"/>
+          <a:chExt cx="0" cy="0"/>
+        </a:xfrm>
+      </p:grpSpPr>
+      <p:sp>
+        <p:nvSpPr>
+          <p:cNvPr id="2" name="Title 1"/>
+          <p:cNvSpPr>
+            <a:spLocks noGrp="1"/>
+          </p:cNvSpPr>
+          <p:nvPr>
+            <p:ph type="ctrTitle"/>
+          </p:nvPr>
+        </p:nvSpPr>
+        <p:spPr>
+          <a:xfrm>
+            <a:off x="36052" y="0"/>
+            <a:ext cx="7772400" cy="762000"/>
+          </a:xfrm>
+        </p:spPr>
+        <p:txBody>
+          <a:bodyPr>
+            <a:normAutofit/>
+          </a:bodyPr>
+          <a:lstStyle/>
+          <a:p>
+            <a:pPr algn="l"/>
+            <a:r>
+              <a:rPr lang="en-US" sz="3200" dirty="0" smtClean="0">
+                <a:solidFill>
+                  <a:schemeClr val="accent2">
+                    <a:lumMod val="75000"/>
+                  </a:schemeClr>
+                </a:solidFill>
+              </a:rPr>
+              <a:t>Bayesian approach</a:t>
+            </a:r>
+            <a:endParaRPr lang="en-US" sz="3200" dirty="0">
+              <a:solidFill>
+                <a:schemeClr val="accent2">
+                  <a:lumMod val="75000"/>
+                </a:schemeClr>
+              </a:solidFill>
+            </a:endParaRPr>
+          </a:p>
+        </p:txBody>
+      </p:sp>
+      <p:sp>
+        <p:nvSpPr>
+          <p:cNvPr id="4" name="Footer Placeholder 3"/>
+          <p:cNvSpPr>
+            <a:spLocks noGrp="1"/>
+          </p:cNvSpPr>
+          <p:nvPr>
+            <p:ph type="ftr" sz="quarter" idx="11"/>
+          </p:nvPr>
+        </p:nvSpPr>
+        <p:spPr/>
+        <p:txBody>
+          <a:bodyPr/>
+          <a:lstStyle/>
+          <a:p>
+            <a:r>
+              <a:rPr lang="en-US" dirty="0" smtClean="0">
+                <a:solidFill>
+                  <a:schemeClr val="accent1"/>
+                </a:solidFill>
+              </a:rPr>
+              <a:t>STT 465, MSU, Fall, 2015</a:t>
+            </a:r>
+            <a:endParaRPr lang="en-US" dirty="0">
+              <a:solidFill>
+                <a:schemeClr val="accent1"/>
+              </a:solidFill>
+            </a:endParaRPr>
+          </a:p>
+        </p:txBody>
+      </p:sp>
+      <p:cxnSp>
+        <p:nvCxnSpPr>
+          <p:cNvPr id="7" name="Straight Connector 6"/>
+          <p:cNvCxnSpPr/>
+          <p:nvPr/>
+        </p:nvCxnSpPr>
+        <p:spPr>
+          <a:xfrm flipV="1">
+            <a:off x="0" y="609600"/>
+            <a:ext cx="9144000" cy="76200"/>
+          </a:xfrm>
+          <a:prstGeom prst="line">
+            <a:avLst/>
+          </a:prstGeom>
+          <a:ln w="19050">
+            <a:solidFill>
+              <a:srgbClr val="800000"/>
+            </a:solidFill>
+          </a:ln>
+          <a:effectLst/>
+        </p:spPr>
+        <p:style>
+          <a:lnRef idx="2">
+            <a:schemeClr val="accent1"/>
+          </a:lnRef>
+          <a:fillRef idx="0">
+            <a:schemeClr val="accent1"/>
+          </a:fillRef>
+          <a:effectRef idx="1">
+            <a:schemeClr val="accent1"/>
+          </a:effectRef>
+          <a:fontRef idx="minor">
+            <a:schemeClr val="tx1"/>
+          </a:fontRef>
+        </p:style>
+      </p:cxnSp>
+      <p:sp>
+        <p:nvSpPr>
+          <p:cNvPr id="21" name="TextBox 20"/>
+          <p:cNvSpPr txBox="1"/>
+          <p:nvPr/>
+        </p:nvSpPr>
+        <p:spPr>
+          <a:xfrm>
+            <a:off x="457200" y="990600"/>
+            <a:ext cx="8534400" cy="3447098"/>
+          </a:xfrm>
+          <a:prstGeom prst="rect">
+            <a:avLst/>
+          </a:prstGeom>
+          <a:noFill/>
+          <a:ln>
+            <a:solidFill>
+              <a:srgbClr val="800000"/>
+            </a:solidFill>
+            <a:prstDash val="sysDash"/>
+          </a:ln>
+        </p:spPr>
+        <p:txBody>
+          <a:bodyPr wrap="square" rtlCol="0">
+            <a:spAutoFit/>
+          </a:bodyPr>
+          <a:lstStyle/>
+          <a:p>
+            <a:r>
+              <a:rPr lang="en-US" sz="2000" u="sng" dirty="0" smtClean="0">
+                <a:solidFill>
+                  <a:srgbClr val="800000"/>
+                </a:solidFill>
+              </a:rPr>
+              <a:t>			Elements of a Bayesian Model			</a:t>
+            </a:r>
+          </a:p>
+          <a:p>
+            <a:endParaRPr lang="en-US" dirty="0">
+              <a:solidFill>
+                <a:schemeClr val="accent1">
+                  <a:lumMod val="75000"/>
+                </a:schemeClr>
+              </a:solidFill>
+            </a:endParaRPr>
+          </a:p>
+          <a:p>
+            <a:endParaRPr lang="en-US" dirty="0" smtClean="0">
+              <a:solidFill>
+                <a:schemeClr val="accent1">
+                  <a:lumMod val="75000"/>
+                </a:schemeClr>
+              </a:solidFill>
+            </a:endParaRPr>
+          </a:p>
+          <a:p>
+            <a:r>
+              <a:rPr lang="en-US" dirty="0" smtClean="0">
+                <a:solidFill>
+                  <a:schemeClr val="accent1">
+                    <a:lumMod val="75000"/>
+                  </a:schemeClr>
+                </a:solidFill>
+              </a:rPr>
+              <a:t>(1) Sampling model: </a:t>
+            </a:r>
+          </a:p>
+          <a:p>
+            <a:r>
+              <a:rPr lang="en-US" dirty="0">
+                <a:solidFill>
+                  <a:schemeClr val="accent1">
+                    <a:lumMod val="75000"/>
+                  </a:schemeClr>
+                </a:solidFill>
+              </a:rPr>
+              <a:t>	</a:t>
+            </a:r>
+            <a:r>
+              <a:rPr lang="en-US" dirty="0" smtClean="0">
+                <a:solidFill>
+                  <a:schemeClr val="accent1">
+                    <a:lumMod val="75000"/>
+                  </a:schemeClr>
+                </a:solidFill>
+              </a:rPr>
+              <a:t>- Describes the probability of the data</a:t>
+            </a:r>
+          </a:p>
+          <a:p>
+            <a:r>
+              <a:rPr lang="en-US" dirty="0">
+                <a:solidFill>
+                  <a:schemeClr val="accent1">
+                    <a:lumMod val="75000"/>
+                  </a:schemeClr>
+                </a:solidFill>
+              </a:rPr>
+              <a:t>	</a:t>
+            </a:r>
+            <a:r>
+              <a:rPr lang="en-US" dirty="0" smtClean="0">
+                <a:solidFill>
+                  <a:schemeClr val="accent1">
+                    <a:lumMod val="75000"/>
+                  </a:schemeClr>
+                </a:solidFill>
+              </a:rPr>
+              <a:t>- Usually indexed by a set of parameters </a:t>
+            </a:r>
+          </a:p>
+          <a:p>
+            <a:endParaRPr lang="en-US" dirty="0">
+              <a:solidFill>
+                <a:schemeClr val="accent1">
+                  <a:lumMod val="75000"/>
+                </a:schemeClr>
+              </a:solidFill>
+            </a:endParaRPr>
+          </a:p>
+          <a:p>
+            <a:r>
+              <a:rPr lang="en-US" dirty="0" smtClean="0">
+                <a:solidFill>
+                  <a:schemeClr val="accent1">
+                    <a:lumMod val="75000"/>
+                  </a:schemeClr>
+                </a:solidFill>
+              </a:rPr>
+              <a:t>(2) Prior distribution of unknowns (typically model parameters)</a:t>
+            </a:r>
+          </a:p>
+          <a:p>
+            <a:endParaRPr lang="en-US" dirty="0">
+              <a:solidFill>
+                <a:schemeClr val="accent1">
+                  <a:lumMod val="75000"/>
+                </a:schemeClr>
+              </a:solidFill>
+            </a:endParaRPr>
+          </a:p>
+          <a:p>
+            <a:endParaRPr lang="en-US" dirty="0" smtClean="0">
+              <a:solidFill>
+                <a:schemeClr val="accent1">
+                  <a:lumMod val="75000"/>
+                </a:schemeClr>
+              </a:solidFill>
+            </a:endParaRPr>
+          </a:p>
+          <a:p>
+            <a:r>
+              <a:rPr lang="en-US" dirty="0" smtClean="0">
+                <a:solidFill>
+                  <a:schemeClr val="accent1">
+                    <a:lumMod val="75000"/>
+                  </a:schemeClr>
+                </a:solidFill>
+              </a:rPr>
+              <a:t>(3) Posterior distribution: </a:t>
+            </a:r>
+            <a:r>
+              <a:rPr lang="en-US" dirty="0" smtClean="0">
+                <a:solidFill>
+                  <a:schemeClr val="accent1">
+                    <a:lumMod val="75000"/>
+                  </a:schemeClr>
+                </a:solidFill>
+              </a:rPr>
+              <a:t>the </a:t>
+            </a:r>
+            <a:r>
+              <a:rPr lang="en-US" dirty="0" smtClean="0">
+                <a:solidFill>
+                  <a:schemeClr val="accent1">
+                    <a:lumMod val="75000"/>
+                  </a:schemeClr>
+                </a:solidFill>
+              </a:rPr>
+              <a:t>probability of the parameters given the sample.</a:t>
+            </a:r>
+          </a:p>
+          <a:p>
+            <a:r>
+              <a:rPr lang="en-US" dirty="0" smtClean="0">
+                <a:solidFill>
+                  <a:schemeClr val="accent1">
+                    <a:lumMod val="75000"/>
+                  </a:schemeClr>
+                </a:solidFill>
+              </a:rPr>
+              <a:t> </a:t>
+            </a:r>
+            <a:endParaRPr lang="en-US" dirty="0">
+              <a:solidFill>
+                <a:schemeClr val="accent1">
+                  <a:lumMod val="75000"/>
+                </a:schemeClr>
+              </a:solidFill>
+            </a:endParaRPr>
+          </a:p>
+        </p:txBody>
+      </p:sp>
+      <p:graphicFrame>
+        <p:nvGraphicFramePr>
+          <p:cNvPr id="3" name="Object 2"/>
+          <p:cNvGraphicFramePr>
+            <a:graphicFrameLocks noChangeAspect="1"/>
+          </p:cNvGraphicFramePr>
+          <p:nvPr>
+            <p:extLst>
+              <p:ext uri="{D42A27DB-BD31-4B8C-83A1-F6EECF244321}">
+                <p14:modId xmlns:p14="http://schemas.microsoft.com/office/powerpoint/2010/main" val="1254703566"/>
+              </p:ext>
+            </p:extLst>
+          </p:nvPr>
+        </p:nvGraphicFramePr>
+        <p:xfrm>
+          <a:off x="7543800" y="2133600"/>
+          <a:ext cx="819150" cy="477838"/>
+        </p:xfrm>
+        <a:graphic>
+          <a:graphicData uri="http://schemas.openxmlformats.org/presentationml/2006/ole">
+            <mc:AlternateContent xmlns:mc="http://schemas.openxmlformats.org/markup-compatibility/2006">
+              <mc:Choice xmlns:v="urn:schemas-microsoft-com:vml" Requires="v">
+                <p:oleObj spid="_x0000_s73745" name="Equation" r:id="rId4" imgW="457200" imgH="266700" progId="Equation.3">
+                  <p:embed/>
+                </p:oleObj>
+              </mc:Choice>
+              <mc:Fallback>
+                <p:oleObj name="Equation" r:id="rId4" imgW="457200" imgH="266700" progId="Equation.3">
+                  <p:embed/>
+                  <p:pic>
+                    <p:nvPicPr>
+                      <p:cNvPr id="0" name=""/>
+                      <p:cNvPicPr/>
+                      <p:nvPr/>
+                    </p:nvPicPr>
+                    <p:blipFill>
+                      <a:blip r:embed="rId5"/>
+                      <a:stretch>
+                        <a:fillRect/>
+                      </a:stretch>
+                    </p:blipFill>
+                    <p:spPr>
+                      <a:xfrm>
+                        <a:off x="7543800" y="2133600"/>
+                        <a:ext cx="819150" cy="477838"/>
+                      </a:xfrm>
+                      <a:prstGeom prst="rect">
+                        <a:avLst/>
+                      </a:prstGeom>
+                    </p:spPr>
+                  </p:pic>
+                </p:oleObj>
+              </mc:Fallback>
+            </mc:AlternateContent>
+          </a:graphicData>
+        </a:graphic>
+      </p:graphicFrame>
+      <p:graphicFrame>
+        <p:nvGraphicFramePr>
+          <p:cNvPr id="8" name="Object 7"/>
+          <p:cNvGraphicFramePr>
+            <a:graphicFrameLocks noChangeAspect="1"/>
+          </p:cNvGraphicFramePr>
+          <p:nvPr>
+            <p:extLst>
+              <p:ext uri="{D42A27DB-BD31-4B8C-83A1-F6EECF244321}">
+                <p14:modId xmlns:p14="http://schemas.microsoft.com/office/powerpoint/2010/main" val="2987034476"/>
+              </p:ext>
+            </p:extLst>
+          </p:nvPr>
+        </p:nvGraphicFramePr>
+        <p:xfrm>
+          <a:off x="7620000" y="2819400"/>
+          <a:ext cx="590550" cy="431800"/>
+        </p:xfrm>
+        <a:graphic>
+          <a:graphicData uri="http://schemas.openxmlformats.org/presentationml/2006/ole">
+            <mc:AlternateContent xmlns:mc="http://schemas.openxmlformats.org/markup-compatibility/2006">
+              <mc:Choice xmlns:v="urn:schemas-microsoft-com:vml" Requires="v">
+                <p:oleObj spid="_x0000_s73746" name="Equation" r:id="rId6" imgW="330200" imgH="241300" progId="Equation.3">
+                  <p:embed/>
+                </p:oleObj>
+              </mc:Choice>
+              <mc:Fallback>
+                <p:oleObj name="Equation" r:id="rId6" imgW="330200" imgH="241300" progId="Equation.3">
+                  <p:embed/>
+                  <p:pic>
+                    <p:nvPicPr>
+                      <p:cNvPr id="0" name=""/>
+                      <p:cNvPicPr/>
+                      <p:nvPr/>
+                    </p:nvPicPr>
+                    <p:blipFill>
+                      <a:blip r:embed="rId7"/>
+                      <a:stretch>
+                        <a:fillRect/>
+                      </a:stretch>
+                    </p:blipFill>
+                    <p:spPr>
+                      <a:xfrm>
+                        <a:off x="7620000" y="2819400"/>
+                        <a:ext cx="590550" cy="431800"/>
+                      </a:xfrm>
+                      <a:prstGeom prst="rect">
+                        <a:avLst/>
+                      </a:prstGeom>
+                    </p:spPr>
+                  </p:pic>
+                </p:oleObj>
+              </mc:Fallback>
+            </mc:AlternateContent>
+          </a:graphicData>
+        </a:graphic>
+      </p:graphicFrame>
+      <p:graphicFrame>
+        <p:nvGraphicFramePr>
+          <p:cNvPr id="10" name="Object 9"/>
+          <p:cNvGraphicFramePr>
+            <a:graphicFrameLocks noChangeAspect="1"/>
+          </p:cNvGraphicFramePr>
+          <p:nvPr>
+            <p:extLst>
+              <p:ext uri="{D42A27DB-BD31-4B8C-83A1-F6EECF244321}">
+                <p14:modId xmlns:p14="http://schemas.microsoft.com/office/powerpoint/2010/main" val="1873069013"/>
+              </p:ext>
+            </p:extLst>
+          </p:nvPr>
+        </p:nvGraphicFramePr>
+        <p:xfrm>
+          <a:off x="7848600" y="3733800"/>
+          <a:ext cx="819150" cy="477838"/>
+        </p:xfrm>
+        <a:graphic>
+          <a:graphicData uri="http://schemas.openxmlformats.org/presentationml/2006/ole">
+            <mc:AlternateContent xmlns:mc="http://schemas.openxmlformats.org/markup-compatibility/2006">
+              <mc:Choice xmlns:v="urn:schemas-microsoft-com:vml" Requires="v">
+                <p:oleObj spid="_x0000_s73747" name="Equation" r:id="rId8" imgW="457200" imgH="266700" progId="Equation.3">
+                  <p:embed/>
+                </p:oleObj>
+              </mc:Choice>
+              <mc:Fallback>
+                <p:oleObj name="Equation" r:id="rId8" imgW="457200" imgH="266700" progId="Equation.3">
+                  <p:embed/>
+                  <p:pic>
+                    <p:nvPicPr>
+                      <p:cNvPr id="0" name=""/>
+                      <p:cNvPicPr/>
+                      <p:nvPr/>
+                    </p:nvPicPr>
+                    <p:blipFill>
+                      <a:blip r:embed="rId9"/>
+                      <a:stretch>
+                        <a:fillRect/>
+                      </a:stretch>
+                    </p:blipFill>
+                    <p:spPr>
+                      <a:xfrm>
+                        <a:off x="7848600" y="3733800"/>
+                        <a:ext cx="819150" cy="477838"/>
+                      </a:xfrm>
+                      <a:prstGeom prst="rect">
+                        <a:avLst/>
+                      </a:prstGeom>
+                    </p:spPr>
+                  </p:pic>
+                </p:oleObj>
+              </mc:Fallback>
+            </mc:AlternateContent>
+          </a:graphicData>
+        </a:graphic>
+      </p:graphicFrame>
+    </p:spTree>
+    <p:extLst>
+      <p:ext uri="{BB962C8B-B14F-4D97-AF65-F5344CB8AC3E}">
+        <p14:creationId xmlns:p14="http://schemas.microsoft.com/office/powerpoint/2010/main" val="1526250564"/>
+      </p:ext>
+    </p:extLst>
+  </p:cSld>
+  <p:clrMapOvr>
+    <a:masterClrMapping/>
+  </p:clrMapOvr>
+  <p:timing>
+    <p:tnLst>
+      <p:par>
+        <p:cTn xmlns:p14="http://schemas.microsoft.com/office/powerpoint/2010/main" id="1" dur="indefinite" restart="never" nodeType="tmRoot"/>
+      </p:par>
+    </p:tnLst>
+  </p:timing>
+</p:sld>
+</file>
+
+<file path=ppt/slides/slide7.xml><?xml version="1.0" encoding="utf-8"?>
+<p:sld xmlns:a="http://schemas.openxmlformats.org/drawingml/2006/main" xmlns:r="http://schemas.openxmlformats.org/officeDocument/2006/relationships" xmlns:p="http://schemas.openxmlformats.org/presentationml/2006/main">
+  <p:cSld>
+    <p:spTree>
+      <p:nvGrpSpPr>
+        <p:cNvPr id="1" name=""/>
+        <p:cNvGrpSpPr/>
+        <p:nvPr/>
+      </p:nvGrpSpPr>
+      <p:grpSpPr>
+        <a:xfrm>
+          <a:off x="0" y="0"/>
+          <a:ext cx="0" cy="0"/>
+          <a:chOff x="0" y="0"/>
+          <a:chExt cx="0" cy="0"/>
+        </a:xfrm>
+      </p:grpSpPr>
+      <p:sp>
+        <p:nvSpPr>
+          <p:cNvPr id="2" name="Title 1"/>
+          <p:cNvSpPr>
+            <a:spLocks noGrp="1"/>
+          </p:cNvSpPr>
+          <p:nvPr>
+            <p:ph type="ctrTitle"/>
+          </p:nvPr>
+        </p:nvSpPr>
+        <p:spPr>
+          <a:xfrm>
+            <a:off x="36052" y="0"/>
+            <a:ext cx="7772400" cy="762000"/>
+          </a:xfrm>
+        </p:spPr>
+        <p:txBody>
+          <a:bodyPr>
+            <a:normAutofit/>
+          </a:bodyPr>
+          <a:lstStyle/>
+          <a:p>
+            <a:pPr algn="l"/>
+            <a:r>
+              <a:rPr lang="en-US" sz="3200" dirty="0" smtClean="0">
+                <a:solidFill>
+                  <a:schemeClr val="accent2">
+                    <a:lumMod val="75000"/>
+                  </a:schemeClr>
+                </a:solidFill>
+              </a:rPr>
+              <a:t>Bayes Theorem</a:t>
+            </a:r>
+            <a:endParaRPr lang="en-US" sz="3200" dirty="0">
+              <a:solidFill>
+                <a:schemeClr val="accent2">
+                  <a:lumMod val="75000"/>
+                </a:schemeClr>
+              </a:solidFill>
+            </a:endParaRPr>
+          </a:p>
+        </p:txBody>
+      </p:sp>
+      <p:sp>
+        <p:nvSpPr>
+          <p:cNvPr id="4" name="Footer Placeholder 3"/>
+          <p:cNvSpPr>
+            <a:spLocks noGrp="1"/>
+          </p:cNvSpPr>
+          <p:nvPr>
+            <p:ph type="ftr" sz="quarter" idx="11"/>
+          </p:nvPr>
+        </p:nvSpPr>
+        <p:spPr/>
+        <p:txBody>
+          <a:bodyPr/>
+          <a:lstStyle/>
+          <a:p>
+            <a:r>
+              <a:rPr lang="en-US" dirty="0" smtClean="0">
+                <a:solidFill>
+                  <a:schemeClr val="accent1"/>
+                </a:solidFill>
+              </a:rPr>
+              <a:t>STT 465, MSU, Fall, 2015</a:t>
+            </a:r>
+            <a:endParaRPr lang="en-US" dirty="0">
+              <a:solidFill>
+                <a:schemeClr val="accent1"/>
+              </a:solidFill>
+            </a:endParaRPr>
+          </a:p>
+        </p:txBody>
+      </p:sp>
+      <p:cxnSp>
+        <p:nvCxnSpPr>
+          <p:cNvPr id="7" name="Straight Connector 6"/>
+          <p:cNvCxnSpPr/>
+          <p:nvPr/>
+        </p:nvCxnSpPr>
+        <p:spPr>
+          <a:xfrm flipV="1">
+            <a:off x="0" y="609600"/>
+            <a:ext cx="9144000" cy="76200"/>
+          </a:xfrm>
+          <a:prstGeom prst="line">
+            <a:avLst/>
+          </a:prstGeom>
+          <a:ln w="19050">
+            <a:solidFill>
+              <a:srgbClr val="800000"/>
+            </a:solidFill>
+          </a:ln>
+          <a:effectLst/>
+        </p:spPr>
+        <p:style>
+          <a:lnRef idx="2">
+            <a:schemeClr val="accent1"/>
+          </a:lnRef>
+          <a:fillRef idx="0">
+            <a:schemeClr val="accent1"/>
+          </a:fillRef>
+          <a:effectRef idx="1">
+            <a:schemeClr val="accent1"/>
+          </a:effectRef>
+          <a:fontRef idx="minor">
+            <a:schemeClr val="tx1"/>
+          </a:fontRef>
+        </p:style>
+      </p:cxnSp>
+      <p:sp>
+        <p:nvSpPr>
+          <p:cNvPr id="21" name="TextBox 20"/>
+          <p:cNvSpPr txBox="1"/>
+          <p:nvPr/>
+        </p:nvSpPr>
+        <p:spPr>
+          <a:xfrm>
+            <a:off x="457200" y="990600"/>
+            <a:ext cx="8534400" cy="5109092"/>
+          </a:xfrm>
+          <a:prstGeom prst="rect">
+            <a:avLst/>
+          </a:prstGeom>
+          <a:noFill/>
+          <a:ln>
+            <a:solidFill>
+              <a:srgbClr val="800000"/>
+            </a:solidFill>
+            <a:prstDash val="sysDash"/>
+          </a:ln>
+        </p:spPr>
+        <p:txBody>
+          <a:bodyPr wrap="square" rtlCol="0">
+            <a:spAutoFit/>
+          </a:bodyPr>
+          <a:lstStyle/>
+          <a:p>
+            <a:r>
+              <a:rPr lang="en-US" sz="2000" u="sng" dirty="0" smtClean="0">
+                <a:solidFill>
+                  <a:srgbClr val="800000"/>
+                </a:solidFill>
+              </a:rPr>
+              <a:t>			Preliminaries			</a:t>
+            </a:r>
+          </a:p>
+          <a:p>
+            <a:endParaRPr lang="en-US" dirty="0">
+              <a:solidFill>
+                <a:schemeClr val="accent1">
+                  <a:lumMod val="75000"/>
+                </a:schemeClr>
+              </a:solidFill>
+            </a:endParaRPr>
+          </a:p>
+          <a:p>
+            <a:r>
+              <a:rPr lang="en-US" dirty="0">
+                <a:solidFill>
+                  <a:schemeClr val="accent1">
+                    <a:lumMod val="75000"/>
+                  </a:schemeClr>
+                </a:solidFill>
+              </a:rPr>
+              <a:t> </a:t>
+            </a:r>
+            <a:r>
+              <a:rPr lang="en-US" dirty="0" smtClean="0">
+                <a:solidFill>
+                  <a:schemeClr val="accent1">
+                    <a:lumMod val="75000"/>
+                  </a:schemeClr>
+                </a:solidFill>
+              </a:rPr>
+              <a:t>- The joint distribution is the product of the marginal</a:t>
+            </a:r>
+          </a:p>
+          <a:p>
+            <a:r>
+              <a:rPr lang="en-US" dirty="0">
+                <a:solidFill>
+                  <a:schemeClr val="accent1">
+                    <a:lumMod val="75000"/>
+                  </a:schemeClr>
+                </a:solidFill>
+              </a:rPr>
+              <a:t> </a:t>
+            </a:r>
+            <a:r>
+              <a:rPr lang="en-US" dirty="0" smtClean="0">
+                <a:solidFill>
+                  <a:schemeClr val="accent1">
+                    <a:lumMod val="75000"/>
+                  </a:schemeClr>
+                </a:solidFill>
+              </a:rPr>
+              <a:t>  times the conditional distribution</a:t>
+            </a:r>
+          </a:p>
+          <a:p>
+            <a:endParaRPr lang="en-US" dirty="0">
+              <a:solidFill>
+                <a:schemeClr val="accent1">
+                  <a:lumMod val="75000"/>
+                </a:schemeClr>
+              </a:solidFill>
+            </a:endParaRPr>
+          </a:p>
+          <a:p>
+            <a:endParaRPr lang="en-US" dirty="0" smtClean="0">
+              <a:solidFill>
+                <a:schemeClr val="accent1">
+                  <a:lumMod val="75000"/>
+                </a:schemeClr>
+              </a:solidFill>
+            </a:endParaRPr>
+          </a:p>
+          <a:p>
+            <a:endParaRPr lang="en-US" dirty="0">
+              <a:solidFill>
+                <a:schemeClr val="accent1">
+                  <a:lumMod val="75000"/>
+                </a:schemeClr>
+              </a:solidFill>
+            </a:endParaRPr>
+          </a:p>
+          <a:p>
+            <a:r>
+              <a:rPr lang="en-US" dirty="0" smtClean="0">
+                <a:solidFill>
+                  <a:schemeClr val="accent1">
+                    <a:lumMod val="75000"/>
+                  </a:schemeClr>
+                </a:solidFill>
+              </a:rPr>
+              <a:t>- Law of total probability </a:t>
+            </a:r>
+          </a:p>
+          <a:p>
+            <a:endParaRPr lang="en-US" dirty="0" smtClean="0">
+              <a:solidFill>
+                <a:schemeClr val="accent1">
+                  <a:lumMod val="75000"/>
+                </a:schemeClr>
+              </a:solidFill>
+            </a:endParaRPr>
+          </a:p>
+          <a:p>
+            <a:endParaRPr lang="en-US" dirty="0" smtClean="0">
+              <a:solidFill>
+                <a:schemeClr val="accent1">
+                  <a:lumMod val="75000"/>
+                </a:schemeClr>
+              </a:solidFill>
+            </a:endParaRPr>
+          </a:p>
+          <a:p>
+            <a:endParaRPr lang="en-US" dirty="0">
+              <a:solidFill>
+                <a:schemeClr val="accent1">
+                  <a:lumMod val="75000"/>
+                </a:schemeClr>
+              </a:solidFill>
+            </a:endParaRPr>
+          </a:p>
+          <a:p>
+            <a:endParaRPr lang="en-US" dirty="0" smtClean="0">
+              <a:solidFill>
+                <a:schemeClr val="accent1">
+                  <a:lumMod val="75000"/>
+                </a:schemeClr>
+              </a:solidFill>
+            </a:endParaRPr>
+          </a:p>
+          <a:p>
+            <a:r>
+              <a:rPr lang="en-US" u="sng" dirty="0" smtClean="0">
+                <a:solidFill>
+                  <a:srgbClr val="800000"/>
+                </a:solidFill>
+              </a:rPr>
+              <a:t>			Bayes Theorem					</a:t>
+            </a:r>
+          </a:p>
+          <a:p>
+            <a:endParaRPr lang="en-US" dirty="0">
+              <a:solidFill>
+                <a:schemeClr val="accent1">
+                  <a:lumMod val="75000"/>
+                </a:schemeClr>
+              </a:solidFill>
+            </a:endParaRPr>
+          </a:p>
+          <a:p>
+            <a:endParaRPr lang="en-US" dirty="0" smtClean="0">
+              <a:solidFill>
+                <a:schemeClr val="accent1">
+                  <a:lumMod val="75000"/>
+                </a:schemeClr>
+              </a:solidFill>
+            </a:endParaRPr>
+          </a:p>
+          <a:p>
+            <a:pPr marL="285750" indent="-285750">
+              <a:buFontTx/>
+              <a:buChar char="-"/>
+            </a:pPr>
+            <a:endParaRPr lang="en-US" dirty="0">
+              <a:solidFill>
+                <a:schemeClr val="accent1">
+                  <a:lumMod val="75000"/>
+                </a:schemeClr>
+              </a:solidFill>
+            </a:endParaRPr>
+          </a:p>
+          <a:p>
+            <a:endParaRPr lang="en-US" dirty="0" smtClean="0">
+              <a:solidFill>
+                <a:schemeClr val="accent1">
+                  <a:lumMod val="75000"/>
+                </a:schemeClr>
+              </a:solidFill>
+            </a:endParaRPr>
+          </a:p>
+          <a:p>
+            <a:endParaRPr lang="en-US" dirty="0" smtClean="0">
+              <a:solidFill>
+                <a:schemeClr val="accent1">
+                  <a:lumMod val="75000"/>
+                </a:schemeClr>
+              </a:solidFill>
+            </a:endParaRPr>
+          </a:p>
+        </p:txBody>
+      </p:sp>
+      <p:graphicFrame>
+        <p:nvGraphicFramePr>
+          <p:cNvPr id="9" name="Object 8"/>
+          <p:cNvGraphicFramePr>
+            <a:graphicFrameLocks noChangeAspect="1"/>
+          </p:cNvGraphicFramePr>
+          <p:nvPr>
+            <p:extLst>
+              <p:ext uri="{D42A27DB-BD31-4B8C-83A1-F6EECF244321}">
+                <p14:modId xmlns:p14="http://schemas.microsoft.com/office/powerpoint/2010/main" val="1198837604"/>
+              </p:ext>
+            </p:extLst>
+          </p:nvPr>
+        </p:nvGraphicFramePr>
+        <p:xfrm>
+          <a:off x="6324600" y="1600200"/>
+          <a:ext cx="1812925" cy="660291"/>
+        </p:xfrm>
+        <a:graphic>
+          <a:graphicData uri="http://schemas.openxmlformats.org/presentationml/2006/ole">
+            <mc:AlternateContent xmlns:mc="http://schemas.openxmlformats.org/markup-compatibility/2006">
+              <mc:Choice xmlns:v="urn:schemas-microsoft-com:vml" Requires="v">
+                <p:oleObj spid="_x0000_s75797" name="Equation" r:id="rId4" imgW="1397000" imgH="508000" progId="Equation.3">
+                  <p:embed/>
+                </p:oleObj>
+              </mc:Choice>
+              <mc:Fallback>
+                <p:oleObj name="Equation" r:id="rId4" imgW="1397000" imgH="508000" progId="Equation.3">
+                  <p:embed/>
+                  <p:pic>
+                    <p:nvPicPr>
+                      <p:cNvPr id="0" name=""/>
+                      <p:cNvPicPr/>
+                      <p:nvPr/>
+                    </p:nvPicPr>
+                    <p:blipFill>
+                      <a:blip r:embed="rId5"/>
+                      <a:stretch>
+                        <a:fillRect/>
+                      </a:stretch>
+                    </p:blipFill>
+                    <p:spPr>
+                      <a:xfrm>
+                        <a:off x="6324600" y="1600200"/>
+                        <a:ext cx="1812925" cy="660291"/>
+                      </a:xfrm>
+                      <a:prstGeom prst="rect">
+                        <a:avLst/>
+                      </a:prstGeom>
+                    </p:spPr>
+                  </p:pic>
+                </p:oleObj>
+              </mc:Fallback>
+            </mc:AlternateContent>
+          </a:graphicData>
+        </a:graphic>
+      </p:graphicFrame>
+      <p:graphicFrame>
+        <p:nvGraphicFramePr>
+          <p:cNvPr id="10" name="Object 9"/>
+          <p:cNvGraphicFramePr>
+            <a:graphicFrameLocks noChangeAspect="1"/>
+          </p:cNvGraphicFramePr>
+          <p:nvPr>
+            <p:extLst>
+              <p:ext uri="{D42A27DB-BD31-4B8C-83A1-F6EECF244321}">
+                <p14:modId xmlns:p14="http://schemas.microsoft.com/office/powerpoint/2010/main" val="3232575428"/>
+              </p:ext>
+            </p:extLst>
+          </p:nvPr>
+        </p:nvGraphicFramePr>
+        <p:xfrm>
+          <a:off x="3657600" y="2971800"/>
+          <a:ext cx="2587625" cy="660400"/>
+        </p:xfrm>
+        <a:graphic>
+          <a:graphicData uri="http://schemas.openxmlformats.org/presentationml/2006/ole">
+            <mc:AlternateContent xmlns:mc="http://schemas.openxmlformats.org/markup-compatibility/2006">
+              <mc:Choice xmlns:v="urn:schemas-microsoft-com:vml" Requires="v">
+                <p:oleObj spid="_x0000_s75798" name="Equation" r:id="rId6" imgW="1993900" imgH="508000" progId="Equation.3">
+                  <p:embed/>
+                </p:oleObj>
+              </mc:Choice>
+              <mc:Fallback>
+                <p:oleObj name="Equation" r:id="rId6" imgW="1993900" imgH="508000" progId="Equation.3">
+                  <p:embed/>
+                  <p:pic>
+                    <p:nvPicPr>
+                      <p:cNvPr id="0" name=""/>
+                      <p:cNvPicPr/>
+                      <p:nvPr/>
+                    </p:nvPicPr>
+                    <p:blipFill>
+                      <a:blip r:embed="rId7"/>
+                      <a:stretch>
+                        <a:fillRect/>
+                      </a:stretch>
+                    </p:blipFill>
+                    <p:spPr>
+                      <a:xfrm>
+                        <a:off x="3657600" y="2971800"/>
+                        <a:ext cx="2587625" cy="660400"/>
+                      </a:xfrm>
+                      <a:prstGeom prst="rect">
+                        <a:avLst/>
+                      </a:prstGeom>
+                    </p:spPr>
+                  </p:pic>
+                </p:oleObj>
+              </mc:Fallback>
+            </mc:AlternateContent>
+          </a:graphicData>
+        </a:graphic>
+      </p:graphicFrame>
+      <p:graphicFrame>
+        <p:nvGraphicFramePr>
+          <p:cNvPr id="11" name="Object 10"/>
+          <p:cNvGraphicFramePr>
+            <a:graphicFrameLocks noChangeAspect="1"/>
+          </p:cNvGraphicFramePr>
+          <p:nvPr>
+            <p:extLst>
+              <p:ext uri="{D42A27DB-BD31-4B8C-83A1-F6EECF244321}">
+                <p14:modId xmlns:p14="http://schemas.microsoft.com/office/powerpoint/2010/main" val="2631658637"/>
+              </p:ext>
+            </p:extLst>
+          </p:nvPr>
+        </p:nvGraphicFramePr>
+        <p:xfrm>
+          <a:off x="1066800" y="5029200"/>
+          <a:ext cx="2851150" cy="312737"/>
+        </p:xfrm>
+        <a:graphic>
+          <a:graphicData uri="http://schemas.openxmlformats.org/presentationml/2006/ole">
+            <mc:AlternateContent xmlns:mc="http://schemas.openxmlformats.org/markup-compatibility/2006">
+              <mc:Choice xmlns:v="urn:schemas-microsoft-com:vml" Requires="v">
+                <p:oleObj spid="_x0000_s75799" name="Equation" r:id="rId8" imgW="2197100" imgH="241300" progId="Equation.3">
+                  <p:embed/>
+                </p:oleObj>
+              </mc:Choice>
+              <mc:Fallback>
+                <p:oleObj name="Equation" r:id="rId8" imgW="2197100" imgH="241300" progId="Equation.3">
+                  <p:embed/>
+                  <p:pic>
+                    <p:nvPicPr>
+                      <p:cNvPr id="0" name=""/>
+                      <p:cNvPicPr/>
+                      <p:nvPr/>
+                    </p:nvPicPr>
+                    <p:blipFill>
+                      <a:blip r:embed="rId9"/>
+                      <a:stretch>
+                        <a:fillRect/>
+                      </a:stretch>
+                    </p:blipFill>
+                    <p:spPr>
+                      <a:xfrm>
+                        <a:off x="1066800" y="5029200"/>
+                        <a:ext cx="2851150" cy="312737"/>
+                      </a:xfrm>
+                      <a:prstGeom prst="rect">
+                        <a:avLst/>
+                      </a:prstGeom>
+                    </p:spPr>
+                  </p:pic>
+                </p:oleObj>
+              </mc:Fallback>
+            </mc:AlternateContent>
+          </a:graphicData>
+        </a:graphic>
+      </p:graphicFrame>
+      <p:graphicFrame>
+        <p:nvGraphicFramePr>
+          <p:cNvPr id="6" name="Object 5"/>
+          <p:cNvGraphicFramePr>
+            <a:graphicFrameLocks noChangeAspect="1"/>
+          </p:cNvGraphicFramePr>
+          <p:nvPr>
+            <p:extLst>
+              <p:ext uri="{D42A27DB-BD31-4B8C-83A1-F6EECF244321}">
+                <p14:modId xmlns:p14="http://schemas.microsoft.com/office/powerpoint/2010/main" val="1824958118"/>
+              </p:ext>
+            </p:extLst>
+          </p:nvPr>
+        </p:nvGraphicFramePr>
+        <p:xfrm>
+          <a:off x="5029199" y="4876800"/>
+          <a:ext cx="2162433" cy="762000"/>
+        </p:xfrm>
+        <a:graphic>
+          <a:graphicData uri="http://schemas.openxmlformats.org/presentationml/2006/ole">
+            <mc:AlternateContent xmlns:mc="http://schemas.openxmlformats.org/markup-compatibility/2006">
+              <mc:Choice xmlns:v="urn:schemas-microsoft-com:vml" Requires="v">
+                <p:oleObj spid="_x0000_s75800" name="Equation" r:id="rId10" imgW="1333500" imgH="469900" progId="Equation.3">
+                  <p:embed/>
+                </p:oleObj>
+              </mc:Choice>
+              <mc:Fallback>
+                <p:oleObj name="Equation" r:id="rId10" imgW="1333500" imgH="469900" progId="Equation.3">
+                  <p:embed/>
+                  <p:pic>
+                    <p:nvPicPr>
+                      <p:cNvPr id="0" name=""/>
+                      <p:cNvPicPr/>
+                      <p:nvPr/>
+                    </p:nvPicPr>
+                    <p:blipFill>
+                      <a:blip r:embed="rId11"/>
+                      <a:stretch>
+                        <a:fillRect/>
+                      </a:stretch>
+                    </p:blipFill>
+                    <p:spPr>
+                      <a:xfrm>
+                        <a:off x="5029199" y="4876800"/>
+                        <a:ext cx="2162433" cy="762000"/>
+                      </a:xfrm>
+                      <a:prstGeom prst="rect">
+                        <a:avLst/>
+                      </a:prstGeom>
+                    </p:spPr>
+                  </p:pic>
+                </p:oleObj>
+              </mc:Fallback>
+            </mc:AlternateContent>
+          </a:graphicData>
+        </a:graphic>
+      </p:graphicFrame>
+    </p:spTree>
+    <p:extLst>
+      <p:ext uri="{BB962C8B-B14F-4D97-AF65-F5344CB8AC3E}">
+        <p14:creationId xmlns:p14="http://schemas.microsoft.com/office/powerpoint/2010/main" val="2461867424"/>
+      </p:ext>
+    </p:extLst>
+  </p:cSld>
+  <p:clrMapOvr>
+    <a:masterClrMapping/>
+  </p:clrMapOvr>
+  <p:timing>
+    <p:tnLst>
+      <p:par>
+        <p:cTn xmlns:p14="http://schemas.microsoft.com/office/powerpoint/2010/main" id="1" dur="indefinite" restart="never" nodeType="tmRoot"/>
+      </p:par>
+    </p:tnLst>
+  </p:timing>
+</p:sld>
+</file>
+
+<file path=ppt/slides/slide8.xml><?xml version="1.0" encoding="utf-8"?>
+<p:sld xmlns:a="http://schemas.openxmlformats.org/drawingml/2006/main" xmlns:r="http://schemas.openxmlformats.org/officeDocument/2006/relationships" xmlns:p="http://schemas.openxmlformats.org/presentationml/2006/main">
+  <p:cSld>
+    <p:spTree>
+      <p:nvGrpSpPr>
+        <p:cNvPr id="1" name=""/>
+        <p:cNvGrpSpPr/>
+        <p:nvPr/>
+      </p:nvGrpSpPr>
+      <p:grpSpPr>
+        <a:xfrm>
+          <a:off x="0" y="0"/>
+          <a:ext cx="0" cy="0"/>
+          <a:chOff x="0" y="0"/>
+          <a:chExt cx="0" cy="0"/>
+        </a:xfrm>
+      </p:grpSpPr>
+      <p:sp>
+        <p:nvSpPr>
+          <p:cNvPr id="2" name="Title 1"/>
+          <p:cNvSpPr>
+            <a:spLocks noGrp="1"/>
+          </p:cNvSpPr>
+          <p:nvPr>
+            <p:ph type="ctrTitle"/>
+          </p:nvPr>
+        </p:nvSpPr>
+        <p:spPr>
+          <a:xfrm>
+            <a:off x="36052" y="0"/>
+            <a:ext cx="7772400" cy="762000"/>
+          </a:xfrm>
+        </p:spPr>
+        <p:txBody>
+          <a:bodyPr>
+            <a:normAutofit/>
+          </a:bodyPr>
+          <a:lstStyle/>
+          <a:p>
+            <a:pPr algn="l"/>
+            <a:r>
+              <a:rPr lang="en-US" sz="3200" dirty="0" smtClean="0">
+                <a:solidFill>
+                  <a:schemeClr val="accent2">
+                    <a:lumMod val="75000"/>
+                  </a:schemeClr>
+                </a:solidFill>
+              </a:rPr>
+              <a:t>Beta-Binomial Model</a:t>
+            </a:r>
+            <a:endParaRPr lang="en-US" sz="3200" dirty="0">
+              <a:solidFill>
+                <a:schemeClr val="accent2">
+                  <a:lumMod val="75000"/>
+                </a:schemeClr>
+              </a:solidFill>
+            </a:endParaRPr>
+          </a:p>
+        </p:txBody>
+      </p:sp>
+      <p:sp>
+        <p:nvSpPr>
+          <p:cNvPr id="4" name="Footer Placeholder 3"/>
+          <p:cNvSpPr>
+            <a:spLocks noGrp="1"/>
+          </p:cNvSpPr>
+          <p:nvPr>
+            <p:ph type="ftr" sz="quarter" idx="11"/>
+          </p:nvPr>
+        </p:nvSpPr>
+        <p:spPr/>
+        <p:txBody>
+          <a:bodyPr/>
+          <a:lstStyle/>
+          <a:p>
+            <a:r>
+              <a:rPr lang="en-US" dirty="0" smtClean="0">
+                <a:solidFill>
+                  <a:schemeClr val="accent1"/>
+                </a:solidFill>
+              </a:rPr>
+              <a:t>STT 465, MSU, Fall, 2015</a:t>
+            </a:r>
+            <a:endParaRPr lang="en-US" dirty="0">
+              <a:solidFill>
+                <a:schemeClr val="accent1"/>
+              </a:solidFill>
+            </a:endParaRPr>
+          </a:p>
+        </p:txBody>
+      </p:sp>
+      <p:cxnSp>
+        <p:nvCxnSpPr>
+          <p:cNvPr id="7" name="Straight Connector 6"/>
+          <p:cNvCxnSpPr/>
+          <p:nvPr/>
+        </p:nvCxnSpPr>
+        <p:spPr>
+          <a:xfrm flipV="1">
+            <a:off x="0" y="609600"/>
+            <a:ext cx="9144000" cy="76200"/>
+          </a:xfrm>
+          <a:prstGeom prst="line">
+            <a:avLst/>
+          </a:prstGeom>
+          <a:ln w="19050">
+            <a:solidFill>
+              <a:srgbClr val="800000"/>
+            </a:solidFill>
+          </a:ln>
+          <a:effectLst/>
+        </p:spPr>
+        <p:style>
+          <a:lnRef idx="2">
+            <a:schemeClr val="accent1"/>
+          </a:lnRef>
+          <a:fillRef idx="0">
+            <a:schemeClr val="accent1"/>
+          </a:fillRef>
+          <a:effectRef idx="1">
+            <a:schemeClr val="accent1"/>
+          </a:effectRef>
+          <a:fontRef idx="minor">
+            <a:schemeClr val="tx1"/>
+          </a:fontRef>
+        </p:style>
+      </p:cxnSp>
+      <p:sp>
+        <p:nvSpPr>
+          <p:cNvPr id="21" name="TextBox 20"/>
+          <p:cNvSpPr txBox="1"/>
+          <p:nvPr/>
+        </p:nvSpPr>
+        <p:spPr>
+          <a:xfrm>
+            <a:off x="228600" y="990600"/>
+            <a:ext cx="8534400" cy="5355313"/>
+          </a:xfrm>
+          <a:prstGeom prst="rect">
+            <a:avLst/>
+          </a:prstGeom>
+          <a:noFill/>
+          <a:ln>
+            <a:solidFill>
+              <a:srgbClr val="800000"/>
+            </a:solidFill>
+            <a:prstDash val="sysDash"/>
+          </a:ln>
+        </p:spPr>
+        <p:txBody>
+          <a:bodyPr wrap="square" rtlCol="0">
+            <a:spAutoFit/>
+          </a:bodyPr>
+          <a:lstStyle/>
+          <a:p>
+            <a:endParaRPr lang="en-US" dirty="0">
+              <a:solidFill>
+                <a:schemeClr val="accent1">
+                  <a:lumMod val="75000"/>
+                </a:schemeClr>
+              </a:solidFill>
+            </a:endParaRPr>
+          </a:p>
+          <a:p>
+            <a:r>
+              <a:rPr lang="en-US" dirty="0">
+                <a:solidFill>
+                  <a:schemeClr val="accent1">
+                    <a:lumMod val="75000"/>
+                  </a:schemeClr>
+                </a:solidFill>
+              </a:rPr>
+              <a:t> </a:t>
+            </a:r>
+            <a:r>
+              <a:rPr lang="en-US" dirty="0" smtClean="0">
+                <a:solidFill>
+                  <a:schemeClr val="accent1">
+                    <a:lumMod val="75000"/>
+                  </a:schemeClr>
+                </a:solidFill>
+              </a:rPr>
+              <a:t>- Sampling model (</a:t>
+            </a:r>
+            <a:r>
+              <a:rPr lang="en-US" dirty="0" err="1" smtClean="0">
+                <a:solidFill>
+                  <a:schemeClr val="accent1">
+                    <a:lumMod val="75000"/>
+                  </a:schemeClr>
+                </a:solidFill>
+              </a:rPr>
+              <a:t>iid</a:t>
+            </a:r>
+            <a:r>
+              <a:rPr lang="en-US" dirty="0" smtClean="0">
+                <a:solidFill>
+                  <a:schemeClr val="accent1">
+                    <a:lumMod val="75000"/>
+                  </a:schemeClr>
+                </a:solidFill>
+              </a:rPr>
+              <a:t> Bernoulli)</a:t>
+            </a:r>
+          </a:p>
+          <a:p>
+            <a:endParaRPr lang="en-US" dirty="0">
+              <a:solidFill>
+                <a:schemeClr val="accent1">
+                  <a:lumMod val="75000"/>
+                </a:schemeClr>
+              </a:solidFill>
+            </a:endParaRPr>
+          </a:p>
+          <a:p>
+            <a:endParaRPr lang="en-US" dirty="0" smtClean="0">
+              <a:solidFill>
+                <a:schemeClr val="accent1">
+                  <a:lumMod val="75000"/>
+                </a:schemeClr>
+              </a:solidFill>
+            </a:endParaRPr>
+          </a:p>
+          <a:p>
+            <a:endParaRPr lang="en-US" dirty="0">
+              <a:solidFill>
+                <a:schemeClr val="accent1">
+                  <a:lumMod val="75000"/>
+                </a:schemeClr>
+              </a:solidFill>
+            </a:endParaRPr>
+          </a:p>
+          <a:p>
+            <a:r>
+              <a:rPr lang="en-US" dirty="0" smtClean="0">
+                <a:solidFill>
+                  <a:schemeClr val="accent1">
+                    <a:lumMod val="75000"/>
+                  </a:schemeClr>
+                </a:solidFill>
+              </a:rPr>
+              <a:t>- Prior (Beta)</a:t>
+            </a:r>
+          </a:p>
+          <a:p>
+            <a:endParaRPr lang="en-US" dirty="0" smtClean="0">
+              <a:solidFill>
+                <a:schemeClr val="accent1">
+                  <a:lumMod val="75000"/>
+                </a:schemeClr>
+              </a:solidFill>
+            </a:endParaRPr>
+          </a:p>
+          <a:p>
+            <a:endParaRPr lang="en-US" dirty="0" smtClean="0">
+              <a:solidFill>
+                <a:schemeClr val="accent1">
+                  <a:lumMod val="75000"/>
+                </a:schemeClr>
+              </a:solidFill>
+            </a:endParaRPr>
+          </a:p>
+          <a:p>
+            <a:endParaRPr lang="en-US" dirty="0">
+              <a:solidFill>
+                <a:schemeClr val="accent1">
+                  <a:lumMod val="75000"/>
+                </a:schemeClr>
+              </a:solidFill>
+            </a:endParaRPr>
+          </a:p>
+          <a:p>
+            <a:pPr marL="285750" indent="-285750">
+              <a:buFontTx/>
+              <a:buChar char="-"/>
+            </a:pPr>
+            <a:r>
+              <a:rPr lang="en-US" dirty="0" smtClean="0">
+                <a:solidFill>
+                  <a:schemeClr val="accent1">
+                    <a:lumMod val="75000"/>
+                  </a:schemeClr>
+                </a:solidFill>
+              </a:rPr>
+              <a:t>Posterior </a:t>
+            </a:r>
+            <a:r>
+              <a:rPr lang="en-US" dirty="0" smtClean="0">
+                <a:solidFill>
+                  <a:schemeClr val="accent1">
+                    <a:lumMod val="75000"/>
+                  </a:schemeClr>
+                </a:solidFill>
+              </a:rPr>
+              <a:t>Distribution (will discuss later on this result in detail)</a:t>
+            </a:r>
+            <a:endParaRPr lang="en-US" dirty="0" smtClean="0">
+              <a:solidFill>
+                <a:schemeClr val="accent1">
+                  <a:lumMod val="75000"/>
+                </a:schemeClr>
+              </a:solidFill>
+            </a:endParaRPr>
+          </a:p>
+          <a:p>
+            <a:pPr marL="285750" indent="-285750">
+              <a:buFontTx/>
+              <a:buChar char="-"/>
+            </a:pPr>
+            <a:endParaRPr lang="en-US" dirty="0">
+              <a:solidFill>
+                <a:schemeClr val="accent1">
+                  <a:lumMod val="75000"/>
+                </a:schemeClr>
+              </a:solidFill>
+            </a:endParaRPr>
+          </a:p>
+          <a:p>
+            <a:pPr marL="285750" indent="-285750">
+              <a:buFontTx/>
+              <a:buChar char="-"/>
+            </a:pPr>
+            <a:endParaRPr lang="en-US" dirty="0" smtClean="0">
+              <a:solidFill>
+                <a:schemeClr val="accent1">
+                  <a:lumMod val="75000"/>
+                </a:schemeClr>
+              </a:solidFill>
+            </a:endParaRPr>
+          </a:p>
+          <a:p>
+            <a:pPr marL="285750" indent="-285750">
+              <a:buFontTx/>
+              <a:buChar char="-"/>
+            </a:pPr>
+            <a:endParaRPr lang="en-US" dirty="0">
+              <a:solidFill>
+                <a:schemeClr val="accent1">
+                  <a:lumMod val="75000"/>
+                </a:schemeClr>
+              </a:solidFill>
+            </a:endParaRPr>
+          </a:p>
+          <a:p>
+            <a:pPr marL="285750" indent="-285750">
+              <a:buFontTx/>
+              <a:buChar char="-"/>
+            </a:pPr>
+            <a:endParaRPr lang="en-US" dirty="0" smtClean="0">
+              <a:solidFill>
+                <a:schemeClr val="accent1">
+                  <a:lumMod val="75000"/>
+                </a:schemeClr>
+              </a:solidFill>
+            </a:endParaRPr>
+          </a:p>
+          <a:p>
+            <a:pPr marL="285750" indent="-285750">
+              <a:buFontTx/>
+              <a:buChar char="-"/>
+            </a:pPr>
+            <a:endParaRPr lang="en-US" dirty="0">
+              <a:solidFill>
+                <a:schemeClr val="accent1">
+                  <a:lumMod val="75000"/>
+                </a:schemeClr>
+              </a:solidFill>
+            </a:endParaRPr>
+          </a:p>
+          <a:p>
+            <a:pPr marL="285750" indent="-285750">
+              <a:buFontTx/>
+              <a:buChar char="-"/>
+            </a:pPr>
+            <a:endParaRPr lang="en-US" dirty="0" smtClean="0">
+              <a:solidFill>
+                <a:schemeClr val="accent1">
+                  <a:lumMod val="75000"/>
+                </a:schemeClr>
+              </a:solidFill>
+            </a:endParaRPr>
+          </a:p>
+          <a:p>
+            <a:pPr marL="285750" indent="-285750">
+              <a:buFontTx/>
+              <a:buChar char="-"/>
+            </a:pPr>
+            <a:r>
+              <a:rPr lang="en-US" dirty="0" smtClean="0">
+                <a:solidFill>
+                  <a:schemeClr val="accent1">
+                    <a:lumMod val="75000"/>
+                  </a:schemeClr>
+                </a:solidFill>
+              </a:rPr>
+              <a:t>Maximum a-posteriori</a:t>
+            </a:r>
+            <a:endParaRPr lang="en-US" dirty="0">
+              <a:solidFill>
+                <a:schemeClr val="accent1">
+                  <a:lumMod val="75000"/>
+                </a:schemeClr>
+              </a:solidFill>
+            </a:endParaRPr>
+          </a:p>
+          <a:p>
+            <a:endParaRPr lang="en-US" dirty="0" smtClean="0">
+              <a:solidFill>
+                <a:schemeClr val="accent1">
+                  <a:lumMod val="75000"/>
+                </a:schemeClr>
+              </a:solidFill>
+            </a:endParaRPr>
+          </a:p>
+          <a:p>
+            <a:endParaRPr lang="en-US" dirty="0" smtClean="0">
+              <a:solidFill>
+                <a:schemeClr val="accent1">
+                  <a:lumMod val="75000"/>
+                </a:schemeClr>
+              </a:solidFill>
+            </a:endParaRPr>
+          </a:p>
+        </p:txBody>
+      </p:sp>
+      <p:graphicFrame>
+        <p:nvGraphicFramePr>
+          <p:cNvPr id="3" name="Object 2"/>
+          <p:cNvGraphicFramePr>
+            <a:graphicFrameLocks noChangeAspect="1"/>
+          </p:cNvGraphicFramePr>
+          <p:nvPr>
+            <p:extLst>
+              <p:ext uri="{D42A27DB-BD31-4B8C-83A1-F6EECF244321}">
+                <p14:modId xmlns:p14="http://schemas.microsoft.com/office/powerpoint/2010/main" val="3513246696"/>
+              </p:ext>
+            </p:extLst>
+          </p:nvPr>
+        </p:nvGraphicFramePr>
+        <p:xfrm>
+          <a:off x="3646488" y="1219200"/>
+          <a:ext cx="4572000" cy="481013"/>
+        </p:xfrm>
+        <a:graphic>
+          <a:graphicData uri="http://schemas.openxmlformats.org/presentationml/2006/ole">
+            <mc:AlternateContent xmlns:mc="http://schemas.openxmlformats.org/markup-compatibility/2006">
+              <mc:Choice xmlns:v="urn:schemas-microsoft-com:vml" Requires="v">
+                <p:oleObj spid="_x0000_s76820" name="Equation" r:id="rId4" imgW="2895600" imgH="304800" progId="Equation.3">
+                  <p:embed/>
+                </p:oleObj>
+              </mc:Choice>
+              <mc:Fallback>
+                <p:oleObj name="Equation" r:id="rId4" imgW="2895600" imgH="304800" progId="Equation.3">
+                  <p:embed/>
+                  <p:pic>
+                    <p:nvPicPr>
+                      <p:cNvPr id="0" name=""/>
+                      <p:cNvPicPr/>
+                      <p:nvPr/>
+                    </p:nvPicPr>
+                    <p:blipFill>
+                      <a:blip r:embed="rId5"/>
+                      <a:stretch>
+                        <a:fillRect/>
+                      </a:stretch>
+                    </p:blipFill>
+                    <p:spPr>
+                      <a:xfrm>
+                        <a:off x="3646488" y="1219200"/>
+                        <a:ext cx="4572000" cy="481013"/>
+                      </a:xfrm>
+                      <a:prstGeom prst="rect">
+                        <a:avLst/>
+                      </a:prstGeom>
+                    </p:spPr>
+                  </p:pic>
+                </p:oleObj>
+              </mc:Fallback>
+            </mc:AlternateContent>
+          </a:graphicData>
+        </a:graphic>
+      </p:graphicFrame>
+      <p:graphicFrame>
+        <p:nvGraphicFramePr>
+          <p:cNvPr id="12" name="Object 11"/>
+          <p:cNvGraphicFramePr>
+            <a:graphicFrameLocks noChangeAspect="1"/>
+          </p:cNvGraphicFramePr>
+          <p:nvPr>
+            <p:extLst>
+              <p:ext uri="{D42A27DB-BD31-4B8C-83A1-F6EECF244321}">
+                <p14:modId xmlns:p14="http://schemas.microsoft.com/office/powerpoint/2010/main" val="686192559"/>
+              </p:ext>
+            </p:extLst>
+          </p:nvPr>
+        </p:nvGraphicFramePr>
+        <p:xfrm>
+          <a:off x="2286000" y="2152650"/>
+          <a:ext cx="3427413" cy="762000"/>
+        </p:xfrm>
+        <a:graphic>
+          <a:graphicData uri="http://schemas.openxmlformats.org/presentationml/2006/ole">
+            <mc:AlternateContent xmlns:mc="http://schemas.openxmlformats.org/markup-compatibility/2006">
+              <mc:Choice xmlns:v="urn:schemas-microsoft-com:vml" Requires="v">
+                <p:oleObj spid="_x0000_s76821" name="Equation" r:id="rId6" imgW="2171700" imgH="482600" progId="Equation.3">
+                  <p:embed/>
+                </p:oleObj>
+              </mc:Choice>
+              <mc:Fallback>
+                <p:oleObj name="Equation" r:id="rId6" imgW="2171700" imgH="482600" progId="Equation.3">
+                  <p:embed/>
+                  <p:pic>
+                    <p:nvPicPr>
+                      <p:cNvPr id="0" name=""/>
+                      <p:cNvPicPr/>
+                      <p:nvPr/>
+                    </p:nvPicPr>
+                    <p:blipFill>
+                      <a:blip r:embed="rId7"/>
+                      <a:stretch>
+                        <a:fillRect/>
+                      </a:stretch>
+                    </p:blipFill>
+                    <p:spPr>
+                      <a:xfrm>
+                        <a:off x="2286000" y="2152650"/>
+                        <a:ext cx="3427413" cy="762000"/>
+                      </a:xfrm>
+                      <a:prstGeom prst="rect">
+                        <a:avLst/>
+                      </a:prstGeom>
+                    </p:spPr>
+                  </p:pic>
+                </p:oleObj>
+              </mc:Fallback>
+            </mc:AlternateContent>
+          </a:graphicData>
+        </a:graphic>
+      </p:graphicFrame>
+      <p:graphicFrame>
+        <p:nvGraphicFramePr>
+          <p:cNvPr id="13" name="Object 12"/>
+          <p:cNvGraphicFramePr>
+            <a:graphicFrameLocks noChangeAspect="1"/>
+          </p:cNvGraphicFramePr>
+          <p:nvPr>
+            <p:extLst>
+              <p:ext uri="{D42A27DB-BD31-4B8C-83A1-F6EECF244321}">
+                <p14:modId xmlns:p14="http://schemas.microsoft.com/office/powerpoint/2010/main" val="1172821809"/>
+              </p:ext>
+            </p:extLst>
+          </p:nvPr>
+        </p:nvGraphicFramePr>
+        <p:xfrm>
+          <a:off x="1752600" y="4056063"/>
+          <a:ext cx="6138863" cy="1066800"/>
+        </p:xfrm>
+        <a:graphic>
+          <a:graphicData uri="http://schemas.openxmlformats.org/presentationml/2006/ole">
+            <mc:AlternateContent xmlns:mc="http://schemas.openxmlformats.org/markup-compatibility/2006">
+              <mc:Choice xmlns:v="urn:schemas-microsoft-com:vml" Requires="v">
+                <p:oleObj spid="_x0000_s76822" name="Equation" r:id="rId8" imgW="4381500" imgH="762000" progId="Equation.3">
+                  <p:embed/>
+                </p:oleObj>
+              </mc:Choice>
+              <mc:Fallback>
+                <p:oleObj name="Equation" r:id="rId8" imgW="4381500" imgH="762000" progId="Equation.3">
+                  <p:embed/>
+                  <p:pic>
+                    <p:nvPicPr>
+                      <p:cNvPr id="0" name=""/>
+                      <p:cNvPicPr/>
+                      <p:nvPr/>
+                    </p:nvPicPr>
+                    <p:blipFill>
+                      <a:blip r:embed="rId9"/>
+                      <a:stretch>
+                        <a:fillRect/>
+                      </a:stretch>
+                    </p:blipFill>
+                    <p:spPr>
+                      <a:xfrm>
+                        <a:off x="1752600" y="4056063"/>
+                        <a:ext cx="6138863" cy="1066800"/>
+                      </a:xfrm>
+                      <a:prstGeom prst="rect">
+                        <a:avLst/>
+                      </a:prstGeom>
+                    </p:spPr>
+                  </p:pic>
+                </p:oleObj>
+              </mc:Fallback>
+            </mc:AlternateContent>
+          </a:graphicData>
+        </a:graphic>
+      </p:graphicFrame>
+      <p:graphicFrame>
+        <p:nvGraphicFramePr>
+          <p:cNvPr id="5" name="Object 4"/>
+          <p:cNvGraphicFramePr>
+            <a:graphicFrameLocks noChangeAspect="1"/>
+          </p:cNvGraphicFramePr>
+          <p:nvPr>
+            <p:extLst>
+              <p:ext uri="{D42A27DB-BD31-4B8C-83A1-F6EECF244321}">
+                <p14:modId xmlns:p14="http://schemas.microsoft.com/office/powerpoint/2010/main" val="2454192212"/>
+              </p:ext>
+            </p:extLst>
+          </p:nvPr>
+        </p:nvGraphicFramePr>
+        <p:xfrm>
+          <a:off x="2971800" y="5410200"/>
+          <a:ext cx="2514600" cy="421309"/>
+        </p:xfrm>
+        <a:graphic>
+          <a:graphicData uri="http://schemas.openxmlformats.org/presentationml/2006/ole">
+            <mc:AlternateContent xmlns:mc="http://schemas.openxmlformats.org/markup-compatibility/2006">
+              <mc:Choice xmlns:v="urn:schemas-microsoft-com:vml" Requires="v">
+                <p:oleObj spid="_x0000_s76823" name="Equation" r:id="rId10" imgW="2578100" imgH="431800" progId="Equation.3">
+                  <p:embed/>
+                </p:oleObj>
+              </mc:Choice>
+              <mc:Fallback>
+                <p:oleObj name="Equation" r:id="rId10" imgW="2578100" imgH="431800" progId="Equation.3">
+                  <p:embed/>
+                  <p:pic>
+                    <p:nvPicPr>
+                      <p:cNvPr id="0" name=""/>
+                      <p:cNvPicPr/>
+                      <p:nvPr/>
+                    </p:nvPicPr>
+                    <p:blipFill>
+                      <a:blip r:embed="rId11"/>
+                      <a:stretch>
+                        <a:fillRect/>
+                      </a:stretch>
+                    </p:blipFill>
+                    <p:spPr>
+                      <a:xfrm>
+                        <a:off x="2971800" y="5410200"/>
+                        <a:ext cx="2514600" cy="421309"/>
+                      </a:xfrm>
+                      <a:prstGeom prst="rect">
+                        <a:avLst/>
+                      </a:prstGeom>
+                    </p:spPr>
+                  </p:pic>
+                </p:oleObj>
+              </mc:Fallback>
+            </mc:AlternateContent>
+          </a:graphicData>
+        </a:graphic>
+      </p:graphicFrame>
+    </p:spTree>
+    <p:extLst>
+      <p:ext uri="{BB962C8B-B14F-4D97-AF65-F5344CB8AC3E}">
+        <p14:creationId xmlns:p14="http://schemas.microsoft.com/office/powerpoint/2010/main" val="254646156"/>
+      </p:ext>
+    </p:extLst>
+  </p:cSld>
+  <p:clrMapOvr>
+    <a:masterClrMapping/>
+  </p:clrMapOvr>
+  <p:timing>
+    <p:tnLst>
+      <p:par>
+        <p:cTn xmlns:p14="http://schemas.microsoft.com/office/powerpoint/2010/main" id="1" dur="indefinite" restart="never" nodeType="tmRoot"/>
+      </p:par>
+    </p:tnLst>
+  </p:timing>
+</p:sld>
+</file>
+
+<file path=ppt/slides/slide9.xml><?xml version="1.0" encoding="utf-8"?>
+<p:sld xmlns:a="http://schemas.openxmlformats.org/drawingml/2006/main" xmlns:r="http://schemas.openxmlformats.org/officeDocument/2006/relationships" xmlns:p="http://schemas.openxmlformats.org/presentationml/2006/main">
+  <p:cSld>
+    <p:spTree>
+      <p:nvGrpSpPr>
+        <p:cNvPr id="1" name=""/>
+        <p:cNvGrpSpPr/>
+        <p:nvPr/>
+      </p:nvGrpSpPr>
+      <p:grpSpPr>
+        <a:xfrm>
+          <a:off x="0" y="0"/>
+          <a:ext cx="0" cy="0"/>
+          <a:chOff x="0" y="0"/>
+          <a:chExt cx="0" cy="0"/>
+        </a:xfrm>
+      </p:grpSpPr>
+      <p:sp>
+        <p:nvSpPr>
+          <p:cNvPr id="2" name="Title 1"/>
+          <p:cNvSpPr>
+            <a:spLocks noGrp="1"/>
+          </p:cNvSpPr>
+          <p:nvPr>
+            <p:ph type="ctrTitle"/>
+          </p:nvPr>
+        </p:nvSpPr>
+        <p:spPr>
+          <a:xfrm>
+            <a:off x="36052" y="0"/>
+            <a:ext cx="7772400" cy="762000"/>
+          </a:xfrm>
+        </p:spPr>
+        <p:txBody>
+          <a:bodyPr>
+            <a:normAutofit/>
+          </a:bodyPr>
+          <a:lstStyle/>
+          <a:p>
+            <a:pPr algn="l"/>
+            <a:r>
+              <a:rPr lang="en-US" sz="3200" dirty="0" smtClean="0">
+                <a:solidFill>
+                  <a:schemeClr val="accent2">
+                    <a:lumMod val="75000"/>
+                  </a:schemeClr>
+                </a:solidFill>
+              </a:rPr>
+              <a:t>Beta-Binomial Model</a:t>
+            </a:r>
+            <a:endParaRPr lang="en-US" sz="3200" dirty="0">
+              <a:solidFill>
+                <a:schemeClr val="accent2">
+                  <a:lumMod val="75000"/>
+                </a:schemeClr>
+              </a:solidFill>
+            </a:endParaRPr>
+          </a:p>
+        </p:txBody>
+      </p:sp>
+      <p:sp>
+        <p:nvSpPr>
+          <p:cNvPr id="4" name="Footer Placeholder 3"/>
+          <p:cNvSpPr>
+            <a:spLocks noGrp="1"/>
+          </p:cNvSpPr>
+          <p:nvPr>
+            <p:ph type="ftr" sz="quarter" idx="11"/>
+          </p:nvPr>
+        </p:nvSpPr>
+        <p:spPr/>
+        <p:txBody>
+          <a:bodyPr/>
+          <a:lstStyle/>
+          <a:p>
+            <a:r>
+              <a:rPr lang="en-US" dirty="0" smtClean="0">
+                <a:solidFill>
+                  <a:schemeClr val="accent1"/>
+                </a:solidFill>
+              </a:rPr>
+              <a:t>STT 465, MSU, Fall, 2015</a:t>
+            </a:r>
+            <a:endParaRPr lang="en-US" dirty="0">
+              <a:solidFill>
+                <a:schemeClr val="accent1"/>
+              </a:solidFill>
+            </a:endParaRPr>
+          </a:p>
+        </p:txBody>
+      </p:sp>
+      <p:cxnSp>
+        <p:nvCxnSpPr>
+          <p:cNvPr id="7" name="Straight Connector 6"/>
+          <p:cNvCxnSpPr/>
+          <p:nvPr/>
+        </p:nvCxnSpPr>
+        <p:spPr>
+          <a:xfrm flipV="1">
+            <a:off x="0" y="609600"/>
+            <a:ext cx="9144000" cy="76200"/>
+          </a:xfrm>
+          <a:prstGeom prst="line">
+            <a:avLst/>
+          </a:prstGeom>
+          <a:ln w="19050">
+            <a:solidFill>
+              <a:srgbClr val="800000"/>
+            </a:solidFill>
+          </a:ln>
+          <a:effectLst/>
+        </p:spPr>
+        <p:style>
+          <a:lnRef idx="2">
+            <a:schemeClr val="accent1"/>
+          </a:lnRef>
+          <a:fillRef idx="0">
+            <a:schemeClr val="accent1"/>
+          </a:fillRef>
+          <a:effectRef idx="1">
+            <a:schemeClr val="accent1"/>
+          </a:effectRef>
+          <a:fontRef idx="minor">
+            <a:schemeClr val="tx1"/>
+          </a:fontRef>
+        </p:style>
+      </p:cxnSp>
+      <p:sp>
+        <p:nvSpPr>
+          <p:cNvPr id="21" name="TextBox 20"/>
+          <p:cNvSpPr txBox="1"/>
+          <p:nvPr/>
+        </p:nvSpPr>
+        <p:spPr>
+          <a:xfrm>
+            <a:off x="228600" y="990600"/>
+            <a:ext cx="8534400" cy="5632312"/>
+          </a:xfrm>
+          <a:prstGeom prst="rect">
+            <a:avLst/>
+          </a:prstGeom>
+          <a:noFill/>
+          <a:ln>
+            <a:solidFill>
+              <a:srgbClr val="800000"/>
+            </a:solidFill>
+            <a:prstDash val="sysDash"/>
+          </a:ln>
+        </p:spPr>
+        <p:txBody>
+          <a:bodyPr wrap="square" rtlCol="0">
+            <a:spAutoFit/>
+          </a:bodyPr>
+          <a:lstStyle/>
+          <a:p>
+            <a:endParaRPr lang="en-US" dirty="0">
+              <a:solidFill>
+                <a:schemeClr val="accent1">
+                  <a:lumMod val="75000"/>
+                </a:schemeClr>
+              </a:solidFill>
+            </a:endParaRPr>
+          </a:p>
+          <a:p>
+            <a:r>
+              <a:rPr lang="en-US" dirty="0">
+                <a:solidFill>
+                  <a:schemeClr val="accent1">
+                    <a:lumMod val="75000"/>
+                  </a:schemeClr>
+                </a:solidFill>
+              </a:rPr>
+              <a:t> </a:t>
+            </a:r>
+            <a:r>
+              <a:rPr lang="en-US" dirty="0" smtClean="0">
+                <a:solidFill>
+                  <a:schemeClr val="accent1">
+                    <a:lumMod val="75000"/>
+                  </a:schemeClr>
+                </a:solidFill>
+              </a:rPr>
+              <a:t>- </a:t>
+            </a:r>
+            <a:r>
+              <a:rPr lang="en-US" dirty="0" smtClean="0">
+                <a:solidFill>
+                  <a:schemeClr val="accent1">
+                    <a:lumMod val="75000"/>
+                  </a:schemeClr>
+                </a:solidFill>
+              </a:rPr>
+              <a:t>Prior Mean</a:t>
+            </a:r>
+            <a:endParaRPr lang="en-US" dirty="0" smtClean="0">
+              <a:solidFill>
+                <a:schemeClr val="accent1">
+                  <a:lumMod val="75000"/>
+                </a:schemeClr>
+              </a:solidFill>
+            </a:endParaRPr>
+          </a:p>
+          <a:p>
+            <a:endParaRPr lang="en-US" dirty="0">
+              <a:solidFill>
+                <a:schemeClr val="accent1">
+                  <a:lumMod val="75000"/>
+                </a:schemeClr>
+              </a:solidFill>
+            </a:endParaRPr>
+          </a:p>
+          <a:p>
+            <a:endParaRPr lang="en-US" dirty="0" smtClean="0">
+              <a:solidFill>
+                <a:schemeClr val="accent1">
+                  <a:lumMod val="75000"/>
+                </a:schemeClr>
+              </a:solidFill>
+            </a:endParaRPr>
+          </a:p>
+          <a:p>
+            <a:endParaRPr lang="en-US" dirty="0">
+              <a:solidFill>
+                <a:schemeClr val="accent1">
+                  <a:lumMod val="75000"/>
+                </a:schemeClr>
+              </a:solidFill>
+            </a:endParaRPr>
+          </a:p>
+          <a:p>
+            <a:r>
+              <a:rPr lang="en-US" dirty="0" smtClean="0">
+                <a:solidFill>
+                  <a:schemeClr val="accent1">
+                    <a:lumMod val="75000"/>
+                  </a:schemeClr>
+                </a:solidFill>
+              </a:rPr>
+              <a:t>- </a:t>
+            </a:r>
+            <a:r>
+              <a:rPr lang="en-US" dirty="0" smtClean="0">
+                <a:solidFill>
+                  <a:schemeClr val="accent1">
+                    <a:lumMod val="75000"/>
+                  </a:schemeClr>
+                </a:solidFill>
+              </a:rPr>
+              <a:t>MLE</a:t>
+            </a:r>
+            <a:endParaRPr lang="en-US" dirty="0" smtClean="0">
+              <a:solidFill>
+                <a:schemeClr val="accent1">
+                  <a:lumMod val="75000"/>
+                </a:schemeClr>
+              </a:solidFill>
+            </a:endParaRPr>
+          </a:p>
+          <a:p>
+            <a:endParaRPr lang="en-US" dirty="0" smtClean="0">
+              <a:solidFill>
+                <a:schemeClr val="accent1">
+                  <a:lumMod val="75000"/>
+                </a:schemeClr>
+              </a:solidFill>
+            </a:endParaRPr>
+          </a:p>
+          <a:p>
+            <a:endParaRPr lang="en-US" dirty="0" smtClean="0">
+              <a:solidFill>
+                <a:schemeClr val="accent1">
+                  <a:lumMod val="75000"/>
+                </a:schemeClr>
+              </a:solidFill>
+            </a:endParaRPr>
+          </a:p>
+          <a:p>
+            <a:endParaRPr lang="en-US" dirty="0">
+              <a:solidFill>
+                <a:schemeClr val="accent1">
+                  <a:lumMod val="75000"/>
+                </a:schemeClr>
+              </a:solidFill>
+            </a:endParaRPr>
+          </a:p>
+          <a:p>
+            <a:pPr marL="285750" indent="-285750">
+              <a:buFontTx/>
+              <a:buChar char="-"/>
+            </a:pPr>
+            <a:r>
+              <a:rPr lang="en-US" dirty="0" smtClean="0">
+                <a:solidFill>
+                  <a:schemeClr val="accent1">
+                    <a:lumMod val="75000"/>
+                  </a:schemeClr>
+                </a:solidFill>
+              </a:rPr>
+              <a:t>Posterior Mean</a:t>
+            </a:r>
+            <a:endParaRPr lang="en-US" dirty="0" smtClean="0">
+              <a:solidFill>
+                <a:schemeClr val="accent1">
+                  <a:lumMod val="75000"/>
+                </a:schemeClr>
+              </a:solidFill>
+            </a:endParaRPr>
+          </a:p>
+          <a:p>
+            <a:pPr marL="285750" indent="-285750">
+              <a:buFontTx/>
+              <a:buChar char="-"/>
+            </a:pPr>
+            <a:endParaRPr lang="en-US" dirty="0">
+              <a:solidFill>
+                <a:schemeClr val="accent1">
+                  <a:lumMod val="75000"/>
+                </a:schemeClr>
+              </a:solidFill>
+            </a:endParaRPr>
+          </a:p>
+          <a:p>
+            <a:pPr marL="285750" indent="-285750">
+              <a:buFontTx/>
+              <a:buChar char="-"/>
+            </a:pPr>
+            <a:endParaRPr lang="en-US" dirty="0" smtClean="0">
+              <a:solidFill>
+                <a:schemeClr val="accent1">
+                  <a:lumMod val="75000"/>
+                </a:schemeClr>
+              </a:solidFill>
+            </a:endParaRPr>
+          </a:p>
+          <a:p>
+            <a:pPr marL="285750" indent="-285750">
+              <a:buFontTx/>
+              <a:buChar char="-"/>
+            </a:pPr>
+            <a:endParaRPr lang="en-US" dirty="0">
+              <a:solidFill>
+                <a:schemeClr val="accent1">
+                  <a:lumMod val="75000"/>
+                </a:schemeClr>
+              </a:solidFill>
+            </a:endParaRPr>
+          </a:p>
+          <a:p>
+            <a:pPr marL="285750" indent="-285750">
+              <a:buFontTx/>
+              <a:buChar char="-"/>
+            </a:pPr>
+            <a:r>
+              <a:rPr lang="en-US" dirty="0" smtClean="0">
+                <a:solidFill>
+                  <a:schemeClr val="accent1">
+                    <a:lumMod val="75000"/>
+                  </a:schemeClr>
+                </a:solidFill>
+              </a:rPr>
+              <a:t>Bayesian estimates are ‘shrunken’ estimates.  You can view them as MLE estimates shrunken towards the prior mode/mean.  Shrinkage reduces the variance of the estimator, at the expense of potentially introducing more bias. The extent of </a:t>
+            </a:r>
+            <a:r>
+              <a:rPr lang="en-US" dirty="0" err="1" smtClean="0">
+                <a:solidFill>
+                  <a:schemeClr val="accent1">
+                    <a:lumMod val="75000"/>
+                  </a:schemeClr>
+                </a:solidFill>
+              </a:rPr>
+              <a:t>srhinkage</a:t>
+            </a:r>
+            <a:r>
+              <a:rPr lang="en-US" dirty="0" smtClean="0">
+                <a:solidFill>
+                  <a:schemeClr val="accent1">
+                    <a:lumMod val="75000"/>
+                  </a:schemeClr>
+                </a:solidFill>
+              </a:rPr>
+              <a:t> depends on how informative the prior is and how informative is the likelihood (sample size). If parameters are identified at the likelihood, as sample size increases Bayesian estimates converge to MLE.</a:t>
+            </a:r>
+            <a:endParaRPr lang="en-US" dirty="0" smtClean="0">
+              <a:solidFill>
+                <a:schemeClr val="accent1">
+                  <a:lumMod val="75000"/>
+                </a:schemeClr>
+              </a:solidFill>
+            </a:endParaRPr>
+          </a:p>
+          <a:p>
+            <a:endParaRPr lang="en-US" dirty="0" smtClean="0">
+              <a:solidFill>
+                <a:schemeClr val="accent1">
+                  <a:lumMod val="75000"/>
+                </a:schemeClr>
+              </a:solidFill>
+            </a:endParaRPr>
+          </a:p>
+        </p:txBody>
+      </p:sp>
+      <p:graphicFrame>
+        <p:nvGraphicFramePr>
+          <p:cNvPr id="3" name="Object 2"/>
+          <p:cNvGraphicFramePr>
+            <a:graphicFrameLocks noChangeAspect="1"/>
+          </p:cNvGraphicFramePr>
+          <p:nvPr>
+            <p:extLst>
+              <p:ext uri="{D42A27DB-BD31-4B8C-83A1-F6EECF244321}">
+                <p14:modId xmlns:p14="http://schemas.microsoft.com/office/powerpoint/2010/main" val="2422577702"/>
+              </p:ext>
+            </p:extLst>
+          </p:nvPr>
+        </p:nvGraphicFramePr>
+        <p:xfrm>
+          <a:off x="3519488" y="1119188"/>
+          <a:ext cx="1343025" cy="681037"/>
+        </p:xfrm>
+        <a:graphic>
+          <a:graphicData uri="http://schemas.openxmlformats.org/presentationml/2006/ole">
+            <mc:AlternateContent xmlns:mc="http://schemas.openxmlformats.org/markup-compatibility/2006">
+              <mc:Choice xmlns:v="urn:schemas-microsoft-com:vml" Requires="v">
+                <p:oleObj spid="_x0000_s77831" name="Equation" r:id="rId4" imgW="850900" imgH="431800" progId="Equation.3">
+                  <p:embed/>
+                </p:oleObj>
+              </mc:Choice>
+              <mc:Fallback>
+                <p:oleObj name="Equation" r:id="rId4" imgW="850900" imgH="431800" progId="Equation.3">
+                  <p:embed/>
+                  <p:pic>
+                    <p:nvPicPr>
+                      <p:cNvPr id="0" name=""/>
+                      <p:cNvPicPr/>
+                      <p:nvPr/>
+                    </p:nvPicPr>
+                    <p:blipFill>
+                      <a:blip r:embed="rId5"/>
+                      <a:stretch>
+                        <a:fillRect/>
+                      </a:stretch>
+                    </p:blipFill>
+                    <p:spPr>
+                      <a:xfrm>
+                        <a:off x="3519488" y="1119188"/>
+                        <a:ext cx="1343025" cy="681037"/>
+                      </a:xfrm>
+                      <a:prstGeom prst="rect">
+                        <a:avLst/>
+                      </a:prstGeom>
+                    </p:spPr>
+                  </p:pic>
+                </p:oleObj>
+              </mc:Fallback>
+            </mc:AlternateContent>
+          </a:graphicData>
+        </a:graphic>
+      </p:graphicFrame>
+      <p:graphicFrame>
+        <p:nvGraphicFramePr>
+          <p:cNvPr id="6" name="Object 5"/>
+          <p:cNvGraphicFramePr>
+            <a:graphicFrameLocks noChangeAspect="1"/>
+          </p:cNvGraphicFramePr>
+          <p:nvPr>
+            <p:extLst>
+              <p:ext uri="{D42A27DB-BD31-4B8C-83A1-F6EECF244321}">
+                <p14:modId xmlns:p14="http://schemas.microsoft.com/office/powerpoint/2010/main" val="2432084607"/>
+              </p:ext>
+            </p:extLst>
+          </p:nvPr>
+        </p:nvGraphicFramePr>
+        <p:xfrm>
+          <a:off x="3648075" y="2133600"/>
+          <a:ext cx="1220788" cy="609600"/>
+        </p:xfrm>
+        <a:graphic>
+          <a:graphicData uri="http://schemas.openxmlformats.org/presentationml/2006/ole">
+            <mc:AlternateContent xmlns:mc="http://schemas.openxmlformats.org/markup-compatibility/2006">
+              <mc:Choice xmlns:v="urn:schemas-microsoft-com:vml" Requires="v">
+                <p:oleObj spid="_x0000_s77832" name="Equation" r:id="rId6" imgW="863600" imgH="431800" progId="Equation.3">
+                  <p:embed/>
+                </p:oleObj>
+              </mc:Choice>
+              <mc:Fallback>
+                <p:oleObj name="Equation" r:id="rId6" imgW="863600" imgH="431800" progId="Equation.3">
+                  <p:embed/>
+                  <p:pic>
+                    <p:nvPicPr>
+                      <p:cNvPr id="0" name=""/>
+                      <p:cNvPicPr/>
+                      <p:nvPr/>
+                    </p:nvPicPr>
+                    <p:blipFill>
+                      <a:blip r:embed="rId7"/>
+                      <a:stretch>
+                        <a:fillRect/>
+                      </a:stretch>
+                    </p:blipFill>
+                    <p:spPr>
+                      <a:xfrm>
+                        <a:off x="3648075" y="2133600"/>
+                        <a:ext cx="1220788" cy="609600"/>
+                      </a:xfrm>
+                      <a:prstGeom prst="rect">
+                        <a:avLst/>
+                      </a:prstGeom>
+                    </p:spPr>
+                  </p:pic>
+                </p:oleObj>
+              </mc:Fallback>
+            </mc:AlternateContent>
+          </a:graphicData>
+        </a:graphic>
+      </p:graphicFrame>
+      <p:graphicFrame>
+        <p:nvGraphicFramePr>
+          <p:cNvPr id="11" name="Object 10"/>
+          <p:cNvGraphicFramePr>
+            <a:graphicFrameLocks noChangeAspect="1"/>
+          </p:cNvGraphicFramePr>
+          <p:nvPr>
+            <p:extLst>
+              <p:ext uri="{D42A27DB-BD31-4B8C-83A1-F6EECF244321}">
+                <p14:modId xmlns:p14="http://schemas.microsoft.com/office/powerpoint/2010/main" val="738788225"/>
+              </p:ext>
+            </p:extLst>
+          </p:nvPr>
+        </p:nvGraphicFramePr>
+        <p:xfrm>
+          <a:off x="2819400" y="3276600"/>
+          <a:ext cx="4108450" cy="663575"/>
+        </p:xfrm>
+        <a:graphic>
+          <a:graphicData uri="http://schemas.openxmlformats.org/presentationml/2006/ole">
+            <mc:AlternateContent xmlns:mc="http://schemas.openxmlformats.org/markup-compatibility/2006">
+              <mc:Choice xmlns:v="urn:schemas-microsoft-com:vml" Requires="v">
+                <p:oleObj spid="_x0000_s77833" name="Equation" r:id="rId8" imgW="2908300" imgH="469900" progId="Equation.3">
+                  <p:embed/>
+                </p:oleObj>
+              </mc:Choice>
+              <mc:Fallback>
+                <p:oleObj name="Equation" r:id="rId8" imgW="2908300" imgH="469900" progId="Equation.3">
+                  <p:embed/>
+                  <p:pic>
+                    <p:nvPicPr>
+                      <p:cNvPr id="0" name=""/>
+                      <p:cNvPicPr/>
+                      <p:nvPr/>
+                    </p:nvPicPr>
+                    <p:blipFill>
+                      <a:blip r:embed="rId9"/>
+                      <a:stretch>
+                        <a:fillRect/>
+                      </a:stretch>
+                    </p:blipFill>
+                    <p:spPr>
+                      <a:xfrm>
+                        <a:off x="2819400" y="3276600"/>
+                        <a:ext cx="4108450" cy="663575"/>
+                      </a:xfrm>
+                      <a:prstGeom prst="rect">
+                        <a:avLst/>
+                      </a:prstGeom>
+                    </p:spPr>
+                  </p:pic>
+                </p:oleObj>
+              </mc:Fallback>
+            </mc:AlternateContent>
+          </a:graphicData>
+        </a:graphic>
+      </p:graphicFrame>
+    </p:spTree>
+    <p:extLst>
+      <p:ext uri="{BB962C8B-B14F-4D97-AF65-F5344CB8AC3E}">
+        <p14:creationId xmlns:p14="http://schemas.microsoft.com/office/powerpoint/2010/main" val="3562772949"/>
+      </p:ext>
+    </p:extLst>
+  </p:cSld>
+  <p:clrMapOvr>
+    <a:masterClrMapping/>
+  </p:clrMapOvr>
+  <p:timing>
+    <p:tnLst>
+      <p:par>
+        <p:cTn xmlns:p14="http://schemas.microsoft.com/office/powerpoint/2010/main" id="1" dur="indefinite" restart="never" nodeType="tmRoot"/>
+      </p:par>
+    </p:tnLst>
   </p:timing>
 </p:sld>
 </file>

--- a/STT465_1.pptx
+++ b/STT465_1.pptx
@@ -207,7 +207,7 @@
             <a:fld id="{EC2AD4C0-0FC1-44D9-A720-D776D6428221}" type="datetimeFigureOut">
               <a:rPr lang="en-US" smtClean="0"/>
               <a:pPr/>
-              <a:t>8/26/15</a:t>
+              <a:t>9/1/15</a:t>
             </a:fld>
             <a:endParaRPr lang="en-US"/>
           </a:p>
@@ -1316,7 +1316,7 @@
             <a:fld id="{F9C811E6-0209-4075-80E7-F5953C8ECEE3}" type="datetime1">
               <a:rPr lang="en-US" smtClean="0"/>
               <a:pPr/>
-              <a:t>8/26/15</a:t>
+              <a:t>9/1/15</a:t>
             </a:fld>
             <a:endParaRPr lang="en-US"/>
           </a:p>
@@ -1487,7 +1487,7 @@
             <a:fld id="{648E6BB1-E6D9-4EE7-828F-046F7223761D}" type="datetime1">
               <a:rPr lang="en-US" smtClean="0"/>
               <a:pPr/>
-              <a:t>8/26/15</a:t>
+              <a:t>9/1/15</a:t>
             </a:fld>
             <a:endParaRPr lang="en-US"/>
           </a:p>
@@ -1668,7 +1668,7 @@
             <a:fld id="{B4B9C580-A780-4D76-B2D1-C34F1DA97DF0}" type="datetime1">
               <a:rPr lang="en-US" smtClean="0"/>
               <a:pPr/>
-              <a:t>8/26/15</a:t>
+              <a:t>9/1/15</a:t>
             </a:fld>
             <a:endParaRPr lang="en-US"/>
           </a:p>
@@ -1839,7 +1839,7 @@
             <a:fld id="{EB19DDAF-3255-4785-974C-BB4FAF02D67E}" type="datetime1">
               <a:rPr lang="en-US" smtClean="0"/>
               <a:pPr/>
-              <a:t>8/26/15</a:t>
+              <a:t>9/1/15</a:t>
             </a:fld>
             <a:endParaRPr lang="en-US"/>
           </a:p>
@@ -2086,7 +2086,7 @@
             <a:fld id="{C344AF86-11D1-4E84-BA60-17130236FDAA}" type="datetime1">
               <a:rPr lang="en-US" smtClean="0"/>
               <a:pPr/>
-              <a:t>8/26/15</a:t>
+              <a:t>9/1/15</a:t>
             </a:fld>
             <a:endParaRPr lang="en-US"/>
           </a:p>
@@ -2375,7 +2375,7 @@
             <a:fld id="{A8DD670F-7E07-4783-A6F8-B28127B5AF4A}" type="datetime1">
               <a:rPr lang="en-US" smtClean="0"/>
               <a:pPr/>
-              <a:t>8/26/15</a:t>
+              <a:t>9/1/15</a:t>
             </a:fld>
             <a:endParaRPr lang="en-US"/>
           </a:p>
@@ -2798,7 +2798,7 @@
             <a:fld id="{92676DD9-688F-48EE-8233-B3B78BDDA63D}" type="datetime1">
               <a:rPr lang="en-US" smtClean="0"/>
               <a:pPr/>
-              <a:t>8/26/15</a:t>
+              <a:t>9/1/15</a:t>
             </a:fld>
             <a:endParaRPr lang="en-US"/>
           </a:p>
@@ -2917,7 +2917,7 @@
             <a:fld id="{F6CC4A83-AE34-48B8-B90E-70388FDBF0F7}" type="datetime1">
               <a:rPr lang="en-US" smtClean="0"/>
               <a:pPr/>
-              <a:t>8/26/15</a:t>
+              <a:t>9/1/15</a:t>
             </a:fld>
             <a:endParaRPr lang="en-US"/>
           </a:p>
@@ -3013,7 +3013,7 @@
             <a:fld id="{510CA3E2-9601-488E-B92B-23013819BD02}" type="datetime1">
               <a:rPr lang="en-US" smtClean="0"/>
               <a:pPr/>
-              <a:t>8/26/15</a:t>
+              <a:t>9/1/15</a:t>
             </a:fld>
             <a:endParaRPr lang="en-US"/>
           </a:p>
@@ -3291,7 +3291,7 @@
             <a:fld id="{331F1CBD-358A-4E18-86FD-C337233E15F0}" type="datetime1">
               <a:rPr lang="en-US" smtClean="0"/>
               <a:pPr/>
-              <a:t>8/26/15</a:t>
+              <a:t>9/1/15</a:t>
             </a:fld>
             <a:endParaRPr lang="en-US"/>
           </a:p>
@@ -3545,7 +3545,7 @@
             <a:fld id="{3CB4F0D5-901F-4458-A8F8-F062616694B4}" type="datetime1">
               <a:rPr lang="en-US" smtClean="0"/>
               <a:pPr/>
-              <a:t>8/26/15</a:t>
+              <a:t>9/1/15</a:t>
             </a:fld>
             <a:endParaRPr lang="en-US"/>
           </a:p>
@@ -3759,7 +3759,7 @@
             <a:fld id="{F77D84EF-BDBF-448B-906E-D51D4CAF22DC}" type="datetime1">
               <a:rPr lang="en-US" smtClean="0"/>
               <a:pPr/>
-              <a:t>8/26/15</a:t>
+              <a:t>9/1/15</a:t>
             </a:fld>
             <a:endParaRPr lang="en-US"/>
           </a:p>
@@ -4375,10 +4375,8 @@
                   </a:schemeClr>
                 </a:solidFill>
               </a:rPr>
-              <a:t>	Websites:</a:t>
-            </a:r>
-          </a:p>
-          <a:p>
+              <a:t>	</a:t>
+            </a:r>
             <a:r>
               <a:rPr lang="en-US" dirty="0">
                 <a:solidFill>
@@ -4387,7 +4385,7 @@
                   </a:schemeClr>
                 </a:solidFill>
               </a:rPr>
-              <a:t>	</a:t>
+              <a:t>Websites</a:t>
             </a:r>
             <a:r>
               <a:rPr lang="en-US" dirty="0" smtClean="0">
@@ -4397,7 +4395,151 @@
                   </a:schemeClr>
                 </a:solidFill>
               </a:rPr>
-              <a:t>		</a:t>
+              <a:t>: </a:t>
+            </a:r>
+            <a:r>
+              <a:rPr lang="en-US" dirty="0" smtClean="0">
+                <a:solidFill>
+                  <a:schemeClr val="accent1">
+                    <a:lumMod val="75000"/>
+                  </a:schemeClr>
+                </a:solidFill>
+                <a:hlinkClick r:id="rId4"/>
+              </a:rPr>
+              <a:t>http</a:t>
+            </a:r>
+            <a:r>
+              <a:rPr lang="en-US" dirty="0">
+                <a:solidFill>
+                  <a:schemeClr val="accent1">
+                    <a:lumMod val="75000"/>
+                  </a:schemeClr>
+                </a:solidFill>
+                <a:hlinkClick r:id="rId4"/>
+              </a:rPr>
+              <a:t>://</a:t>
+            </a:r>
+            <a:r>
+              <a:rPr lang="en-US" dirty="0" smtClean="0">
+                <a:solidFill>
+                  <a:schemeClr val="accent1">
+                    <a:lumMod val="75000"/>
+                  </a:schemeClr>
+                </a:solidFill>
+                <a:hlinkClick r:id="rId4"/>
+              </a:rPr>
+              <a:t>quantgen.github.io</a:t>
+            </a:r>
+            <a:r>
+              <a:rPr lang="en-US" dirty="0">
+                <a:solidFill>
+                  <a:schemeClr val="accent1">
+                    <a:lumMod val="75000"/>
+                  </a:schemeClr>
+                </a:solidFill>
+              </a:rPr>
+              <a:t> </a:t>
+            </a:r>
+            <a:r>
+              <a:rPr lang="en-US" dirty="0" smtClean="0">
+                <a:solidFill>
+                  <a:schemeClr val="accent1">
+                    <a:lumMod val="75000"/>
+                  </a:schemeClr>
+                </a:solidFill>
+              </a:rPr>
+              <a:t> </a:t>
+            </a:r>
+            <a:endParaRPr lang="en-US" dirty="0" smtClean="0">
+              <a:solidFill>
+                <a:schemeClr val="accent1">
+                  <a:lumMod val="75000"/>
+                </a:schemeClr>
+              </a:solidFill>
+            </a:endParaRPr>
+          </a:p>
+          <a:p>
+            <a:r>
+              <a:rPr lang="en-US" dirty="0" smtClean="0">
+                <a:solidFill>
+                  <a:schemeClr val="accent1">
+                    <a:lumMod val="75000"/>
+                  </a:schemeClr>
+                </a:solidFill>
+              </a:rPr>
+              <a:t>=&gt; TA: 		Scott </a:t>
+            </a:r>
+            <a:r>
+              <a:rPr lang="en-US" dirty="0" err="1" smtClean="0">
+                <a:solidFill>
+                  <a:schemeClr val="accent1">
+                    <a:lumMod val="75000"/>
+                  </a:schemeClr>
+                </a:solidFill>
+              </a:rPr>
+              <a:t>Manski</a:t>
+            </a:r>
+            <a:r>
+              <a:rPr lang="en-US" dirty="0" smtClean="0">
+                <a:solidFill>
+                  <a:schemeClr val="accent1">
+                    <a:lumMod val="75000"/>
+                  </a:schemeClr>
+                </a:solidFill>
+              </a:rPr>
+              <a:t> </a:t>
+            </a:r>
+            <a:r>
+              <a:rPr lang="en-US" dirty="0">
+                <a:solidFill>
+                  <a:schemeClr val="accent1">
+                    <a:lumMod val="75000"/>
+                  </a:schemeClr>
+                </a:solidFill>
+              </a:rPr>
+              <a:t>(Email: </a:t>
+            </a:r>
+            <a:r>
+              <a:rPr lang="en-US" dirty="0">
+                <a:solidFill>
+                  <a:schemeClr val="accent1">
+                    <a:lumMod val="75000"/>
+                  </a:schemeClr>
+                </a:solidFill>
+                <a:hlinkClick r:id="rId5"/>
+              </a:rPr>
+              <a:t>manskisc@</a:t>
+            </a:r>
+            <a:r>
+              <a:rPr lang="en-US" dirty="0" smtClean="0">
+                <a:solidFill>
+                  <a:schemeClr val="accent1">
+                    <a:lumMod val="75000"/>
+                  </a:schemeClr>
+                </a:solidFill>
+                <a:hlinkClick r:id="rId5"/>
+              </a:rPr>
+              <a:t>stt.msu.edu</a:t>
+            </a:r>
+            <a:r>
+              <a:rPr lang="en-US" dirty="0" smtClean="0">
+                <a:solidFill>
+                  <a:schemeClr val="accent1">
+                    <a:lumMod val="75000"/>
+                  </a:schemeClr>
+                </a:solidFill>
+              </a:rPr>
+              <a:t> )</a:t>
+            </a:r>
+            <a:r>
+              <a:rPr lang="en-US" dirty="0" smtClean="0">
+                <a:solidFill>
+                  <a:schemeClr val="accent1">
+                    <a:lumMod val="75000"/>
+                  </a:schemeClr>
+                </a:solidFill>
+              </a:rPr>
+              <a:t>	</a:t>
             </a:r>
           </a:p>
           <a:p>
@@ -4426,10 +4568,18 @@
                   </a:schemeClr>
                 </a:solidFill>
               </a:rPr>
-              <a:t>Office Hours:  	Mostly by appointment</a:t>
-            </a:r>
-          </a:p>
-          <a:p>
+              <a:t>Office Hours:  	</a:t>
+            </a:r>
+            <a:r>
+              <a:rPr lang="en-US" dirty="0" smtClean="0">
+                <a:solidFill>
+                  <a:schemeClr val="accent1">
+                    <a:lumMod val="75000"/>
+                  </a:schemeClr>
+                </a:solidFill>
+              </a:rPr>
+              <a:t>MW 9:00-10:00 AM (Wells, office TBA)</a:t>
+            </a:r>
             <a:endParaRPr lang="en-US" dirty="0" smtClean="0">
               <a:solidFill>
                 <a:schemeClr val="accent1">
@@ -4439,6 +4589,15 @@
             </a:endParaRPr>
           </a:p>
           <a:p>
+            <a:endParaRPr lang="en-US" dirty="0" smtClean="0">
+              <a:solidFill>
+                <a:schemeClr val="accent1">
+                  <a:lumMod val="75000"/>
+                </a:schemeClr>
+              </a:solidFill>
+            </a:endParaRPr>
+          </a:p>
+          <a:p>
             <a:pPr marL="285750" indent="-285750">
               <a:buFont typeface="Symbol" charset="0"/>
               <a:buChar char=""/>
@@ -4460,7 +4619,7 @@
                     <a:lumMod val="75000"/>
                   </a:schemeClr>
                 </a:solidFill>
-                <a:hlinkClick r:id="rId4"/>
+                <a:hlinkClick r:id="rId6"/>
               </a:rPr>
               <a:t>https://github.com/gdlc/stt465</a:t>
             </a:r>
@@ -4764,12 +4923,12 @@
           <a:graphicData uri="http://schemas.openxmlformats.org/presentationml/2006/ole">
             <mc:AlternateContent xmlns:mc="http://schemas.openxmlformats.org/markup-compatibility/2006">
               <mc:Choice xmlns:v="urn:schemas-microsoft-com:vml" Requires="v">
-                <p:oleObj spid="_x0000_s1041" name="Worksheet" r:id="rId4" imgW="7467600" imgH="8610600" progId="Excel.Sheet.12">
+                <p:oleObj spid="_x0000_s1043" name="Worksheet" r:id="rId5" imgW="7467600" imgH="8610600" progId="Excel.Sheet.12">
                   <p:embed/>
                 </p:oleObj>
               </mc:Choice>
               <mc:Fallback>
-                <p:oleObj name="Worksheet" r:id="rId4" imgW="7467600" imgH="8610600" progId="Excel.Sheet.12">
+                <p:oleObj name="Worksheet" r:id="rId5" imgW="7467600" imgH="8610600" progId="Excel.Sheet.12">
                   <p:embed/>
                   <p:pic>
                     <p:nvPicPr>
@@ -4778,7 +4937,7 @@
                       <p:nvPr/>
                     </p:nvPicPr>
                     <p:blipFill>
-                      <a:blip r:embed="rId5"/>
+                      <a:blip r:embed="rId6"/>
                       <a:stretch>
                         <a:fillRect/>
                       </a:stretch>
@@ -5324,20 +5483,20 @@
           <p:nvPr>
             <p:extLst>
               <p:ext uri="{D42A27DB-BD31-4B8C-83A1-F6EECF244321}">
-                <p14:modId xmlns:p14="http://schemas.microsoft.com/office/powerpoint/2010/main" val="3920043297"/>
+                <p14:modId xmlns:p14="http://schemas.microsoft.com/office/powerpoint/2010/main" val="808064206"/>
               </p:ext>
             </p:extLst>
           </p:nvPr>
         </p:nvGraphicFramePr>
         <p:xfrm>
-          <a:off x="1820779" y="2209800"/>
+          <a:off x="1752600" y="2133600"/>
           <a:ext cx="465221" cy="304800"/>
         </p:xfrm>
         <a:graphic>
           <a:graphicData uri="http://schemas.openxmlformats.org/presentationml/2006/ole">
             <mc:AlternateContent xmlns:mc="http://schemas.openxmlformats.org/markup-compatibility/2006">
               <mc:Choice xmlns:v="urn:schemas-microsoft-com:vml" Requires="v">
-                <p:oleObj spid="_x0000_s71689" name="Equation" r:id="rId4" imgW="368300" imgH="241300" progId="Equation.3">
+                <p:oleObj spid="_x0000_s71691" name="Equation" r:id="rId4" imgW="368300" imgH="241300" progId="Equation.3">
                   <p:embed/>
                 </p:oleObj>
               </mc:Choice>
@@ -5358,7 +5517,7 @@
                     </p:blipFill>
                     <p:spPr>
                       <a:xfrm>
-                        <a:off x="1820779" y="2209800"/>
+                        <a:off x="1752600" y="2133600"/>
                         <a:ext cx="465221" cy="304800"/>
                       </a:xfrm>
                       <a:prstGeom prst="rect">
@@ -5777,7 +5936,7 @@
             <a:graphicData uri="http://schemas.openxmlformats.org/presentationml/2006/ole">
               <mc:AlternateContent xmlns:mc="http://schemas.openxmlformats.org/markup-compatibility/2006">
                 <mc:Choice xmlns:v="urn:schemas-microsoft-com:vml" Requires="v">
-                  <p:oleObj spid="_x0000_s70717" name="Equation" r:id="rId3" imgW="2120900" imgH="279400" progId="Equation.3">
+                  <p:oleObj spid="_x0000_s70724" name="Equation" r:id="rId3" imgW="2120900" imgH="279400" progId="Equation.3">
                     <p:embed/>
                   </p:oleObj>
                 </mc:Choice>
@@ -6266,7 +6425,7 @@
           <a:graphicData uri="http://schemas.openxmlformats.org/presentationml/2006/ole">
             <mc:AlternateContent xmlns:mc="http://schemas.openxmlformats.org/markup-compatibility/2006">
               <mc:Choice xmlns:v="urn:schemas-microsoft-com:vml" Requires="v">
-                <p:oleObj spid="_x0000_s70718" name="Equation" r:id="rId5" imgW="1752600" imgH="266700" progId="Equation.3">
+                <p:oleObj spid="_x0000_s70725" name="Equation" r:id="rId5" imgW="1752600" imgH="266700" progId="Equation.3">
                   <p:embed/>
                 </p:oleObj>
               </mc:Choice>
@@ -6330,7 +6489,7 @@
           <a:graphicData uri="http://schemas.openxmlformats.org/presentationml/2006/ole">
             <mc:AlternateContent xmlns:mc="http://schemas.openxmlformats.org/markup-compatibility/2006">
               <mc:Choice xmlns:v="urn:schemas-microsoft-com:vml" Requires="v">
-                <p:oleObj spid="_x0000_s70719" name="Equation" r:id="rId7" imgW="1206720" imgH="283320" progId="Equation.3">
+                <p:oleObj spid="_x0000_s70726" name="Equation" r:id="rId7" imgW="1206720" imgH="283320" progId="Equation.3">
                   <p:embed/>
                 </p:oleObj>
               </mc:Choice>
@@ -7208,7 +7367,7 @@
           <a:graphicData uri="http://schemas.openxmlformats.org/presentationml/2006/ole">
             <mc:AlternateContent xmlns:mc="http://schemas.openxmlformats.org/markup-compatibility/2006">
               <mc:Choice xmlns:v="urn:schemas-microsoft-com:vml" Requires="v">
-                <p:oleObj spid="_x0000_s70720" name="Equation" r:id="rId10" imgW="1133640" imgH="283320" progId="Equation.3">
+                <p:oleObj spid="_x0000_s70727" name="Equation" r:id="rId10" imgW="1133640" imgH="283320" progId="Equation.3">
                   <p:embed/>
                 </p:oleObj>
               </mc:Choice>
@@ -7739,7 +7898,7 @@
           <a:graphicData uri="http://schemas.openxmlformats.org/presentationml/2006/ole">
             <mc:AlternateContent xmlns:mc="http://schemas.openxmlformats.org/markup-compatibility/2006">
               <mc:Choice xmlns:v="urn:schemas-microsoft-com:vml" Requires="v">
-                <p:oleObj spid="_x0000_s70721" name="Equation" r:id="rId12" imgW="1181100" imgH="317500" progId="Equation.3">
+                <p:oleObj spid="_x0000_s70728" name="Equation" r:id="rId12" imgW="1181100" imgH="317500" progId="Equation.3">
                   <p:embed/>
                 </p:oleObj>
               </mc:Choice>
@@ -7809,7 +7968,7 @@
           <a:graphicData uri="http://schemas.openxmlformats.org/presentationml/2006/ole">
             <mc:AlternateContent xmlns:mc="http://schemas.openxmlformats.org/markup-compatibility/2006">
               <mc:Choice xmlns:v="urn:schemas-microsoft-com:vml" Requires="v">
-                <p:oleObj spid="_x0000_s70722" name="Equation" r:id="rId14" imgW="1409700" imgH="355600" progId="Equation.3">
+                <p:oleObj spid="_x0000_s70729" name="Equation" r:id="rId14" imgW="1409700" imgH="355600" progId="Equation.3">
                   <p:embed/>
                 </p:oleObj>
               </mc:Choice>
@@ -8337,19 +8496,19 @@
                     </p:cTn>
                   </p:par>
                   <p:par>
-                    <p:cTn id="47" fill="hold" nodeType="clickPar">
+                    <p:cTn id="47" fill="hold">
                       <p:stCondLst>
                         <p:cond delay="indefinite"/>
                       </p:stCondLst>
                       <p:childTnLst>
                         <p:par>
-                          <p:cTn id="48" fill="hold" nodeType="withGroup">
+                          <p:cTn id="48" fill="hold">
                             <p:stCondLst>
                               <p:cond delay="0"/>
                             </p:stCondLst>
                             <p:childTnLst>
                               <p:par>
-                                <p:cTn id="49" presetID="14" presetClass="entr" presetSubtype="10" fill="hold" grpId="0" nodeType="clickEffect">
+                                <p:cTn id="49" presetID="3" presetClass="entr" presetSubtype="10" fill="hold" nodeType="clickEffect">
                                   <p:stCondLst>
                                     <p:cond delay="0"/>
                                   </p:stCondLst>
@@ -8362,7 +8521,7 @@
                                           </p:stCondLst>
                                         </p:cTn>
                                         <p:tgtEl>
-                                          <p:spTgt spid="44"/>
+                                          <p:spTgt spid="46"/>
                                         </p:tgtEl>
                                         <p:attrNameLst>
                                           <p:attrName>style.visibility</p:attrName>
@@ -8372,11 +8531,11 @@
                                         <p:strVal val="visible"/>
                                       </p:to>
                                     </p:set>
-                                    <p:animEffect transition="in" filter="randombar(horizontal)">
+                                    <p:animEffect transition="in" filter="blinds(horizontal)">
                                       <p:cBhvr>
                                         <p:cTn id="51" dur="500"/>
                                         <p:tgtEl>
-                                          <p:spTgt spid="44"/>
+                                          <p:spTgt spid="46"/>
                                         </p:tgtEl>
                                       </p:cBhvr>
                                     </p:animEffect>
@@ -8415,7 +8574,7 @@
                                           </p:stCondLst>
                                         </p:cTn>
                                         <p:tgtEl>
-                                          <p:spTgt spid="46"/>
+                                          <p:spTgt spid="47"/>
                                         </p:tgtEl>
                                         <p:attrNameLst>
                                           <p:attrName>style.visibility</p:attrName>
@@ -8429,7 +8588,7 @@
                                       <p:cBhvr>
                                         <p:cTn id="56" dur="500"/>
                                         <p:tgtEl>
-                                          <p:spTgt spid="46"/>
+                                          <p:spTgt spid="47"/>
                                         </p:tgtEl>
                                       </p:cBhvr>
                                     </p:animEffect>
@@ -8468,7 +8627,7 @@
                                           </p:stCondLst>
                                         </p:cTn>
                                         <p:tgtEl>
-                                          <p:spTgt spid="47"/>
+                                          <p:spTgt spid="2"/>
                                         </p:tgtEl>
                                         <p:attrNameLst>
                                           <p:attrName>style.visibility</p:attrName>
@@ -8482,7 +8641,7 @@
                                       <p:cBhvr>
                                         <p:cTn id="61" dur="500"/>
                                         <p:tgtEl>
-                                          <p:spTgt spid="47"/>
+                                          <p:spTgt spid="2"/>
                                         </p:tgtEl>
                                       </p:cBhvr>
                                     </p:animEffect>
@@ -8508,7 +8667,7 @@
                             </p:stCondLst>
                             <p:childTnLst>
                               <p:par>
-                                <p:cTn id="64" presetID="3" presetClass="entr" presetSubtype="10" fill="hold" nodeType="clickEffect">
+                                <p:cTn id="64" presetID="14" presetClass="entr" presetSubtype="10" fill="hold" grpId="0" nodeType="clickEffect">
                                   <p:stCondLst>
                                     <p:cond delay="0"/>
                                   </p:stCondLst>
@@ -8521,7 +8680,7 @@
                                           </p:stCondLst>
                                         </p:cTn>
                                         <p:tgtEl>
-                                          <p:spTgt spid="2"/>
+                                          <p:spTgt spid="44"/>
                                         </p:tgtEl>
                                         <p:attrNameLst>
                                           <p:attrName>style.visibility</p:attrName>
@@ -8531,11 +8690,11 @@
                                         <p:strVal val="visible"/>
                                       </p:to>
                                     </p:set>
-                                    <p:animEffect transition="in" filter="blinds(horizontal)">
+                                    <p:animEffect transition="in" filter="randombar(horizontal)">
                                       <p:cBhvr>
                                         <p:cTn id="66" dur="500"/>
                                         <p:tgtEl>
-                                          <p:spTgt spid="2"/>
+                                          <p:spTgt spid="44"/>
                                         </p:tgtEl>
                                       </p:cBhvr>
                                     </p:animEffect>
@@ -8715,7 +8874,7 @@
         <p:spPr>
           <a:xfrm>
             <a:off x="457200" y="990600"/>
-            <a:ext cx="8686800" cy="3693319"/>
+            <a:ext cx="8686800" cy="2585323"/>
           </a:xfrm>
           <a:prstGeom prst="rect">
             <a:avLst/>
@@ -8906,54 +9065,6 @@
               <a:buChar char="-"/>
             </a:pPr>
             <a:endParaRPr lang="en-US" dirty="0">
-              <a:solidFill>
-                <a:schemeClr val="accent1">
-                  <a:lumMod val="75000"/>
-                </a:schemeClr>
-              </a:solidFill>
-            </a:endParaRPr>
-          </a:p>
-          <a:p>
-            <a:pPr marL="285750" indent="-285750">
-              <a:buFontTx/>
-              <a:buChar char="-"/>
-            </a:pPr>
-            <a:endParaRPr lang="en-US" dirty="0" smtClean="0">
-              <a:solidFill>
-                <a:schemeClr val="accent1">
-                  <a:lumMod val="75000"/>
-                </a:schemeClr>
-              </a:solidFill>
-            </a:endParaRPr>
-          </a:p>
-          <a:p>
-            <a:pPr marL="285750" indent="-285750">
-              <a:buFontTx/>
-              <a:buChar char="-"/>
-            </a:pPr>
-            <a:endParaRPr lang="en-US" dirty="0">
-              <a:solidFill>
-                <a:schemeClr val="accent1">
-                  <a:lumMod val="75000"/>
-                </a:schemeClr>
-              </a:solidFill>
-            </a:endParaRPr>
-          </a:p>
-          <a:p>
-            <a:pPr marL="285750" indent="-285750">
-              <a:buFontTx/>
-              <a:buChar char="-"/>
-            </a:pPr>
-            <a:endParaRPr lang="en-US" dirty="0" smtClean="0">
-              <a:solidFill>
-                <a:schemeClr val="accent1">
-                  <a:lumMod val="75000"/>
-                </a:schemeClr>
-              </a:solidFill>
-            </a:endParaRPr>
-          </a:p>
-          <a:p>
-            <a:endParaRPr lang="en-US" dirty="0" smtClean="0">
               <a:solidFill>
                 <a:schemeClr val="accent1">
                   <a:lumMod val="75000"/>
@@ -9269,27 +9380,7 @@
                   </a:schemeClr>
                 </a:solidFill>
               </a:rPr>
-              <a:t>(3) Posterior distribution: </a:t>
-            </a:r>
-            <a:r>
-              <a:rPr lang="en-US" dirty="0" smtClean="0">
-                <a:solidFill>
-                  <a:schemeClr val="accent1">
-                    <a:lumMod val="75000"/>
-                  </a:schemeClr>
-                </a:solidFill>
-              </a:rPr>
-              <a:t>the </a:t>
-            </a:r>
-            <a:r>
-              <a:rPr lang="en-US" dirty="0" smtClean="0">
-                <a:solidFill>
-                  <a:schemeClr val="accent1">
-                    <a:lumMod val="75000"/>
-                  </a:schemeClr>
-                </a:solidFill>
-              </a:rPr>
-              <a:t>probability of the parameters given the sample.</a:t>
+              <a:t>(3) Posterior distribution: the probability of the parameters given the sample.</a:t>
             </a:r>
           </a:p>
           <a:p>
@@ -9322,20 +9413,20 @@
           <p:nvPr>
             <p:extLst>
               <p:ext uri="{D42A27DB-BD31-4B8C-83A1-F6EECF244321}">
-                <p14:modId xmlns:p14="http://schemas.microsoft.com/office/powerpoint/2010/main" val="1254703566"/>
+                <p14:modId xmlns:p14="http://schemas.microsoft.com/office/powerpoint/2010/main" val="1692746173"/>
               </p:ext>
             </p:extLst>
           </p:nvPr>
         </p:nvGraphicFramePr>
         <p:xfrm>
-          <a:off x="7543800" y="2133600"/>
+          <a:off x="5410200" y="1981200"/>
           <a:ext cx="819150" cy="477838"/>
         </p:xfrm>
         <a:graphic>
           <a:graphicData uri="http://schemas.openxmlformats.org/presentationml/2006/ole">
             <mc:AlternateContent xmlns:mc="http://schemas.openxmlformats.org/markup-compatibility/2006">
               <mc:Choice xmlns:v="urn:schemas-microsoft-com:vml" Requires="v">
-                <p:oleObj spid="_x0000_s73745" name="Equation" r:id="rId4" imgW="457200" imgH="266700" progId="Equation.3">
+                <p:oleObj spid="_x0000_s73749" name="Equation" r:id="rId4" imgW="457200" imgH="266700" progId="Equation.3">
                   <p:embed/>
                 </p:oleObj>
               </mc:Choice>
@@ -9356,7 +9447,7 @@
                     </p:blipFill>
                     <p:spPr>
                       <a:xfrm>
-                        <a:off x="7543800" y="2133600"/>
+                        <a:off x="5410200" y="1981200"/>
                         <a:ext cx="819150" cy="477838"/>
                       </a:xfrm>
                       <a:prstGeom prst="rect">
@@ -9379,20 +9470,20 @@
           <p:nvPr>
             <p:extLst>
               <p:ext uri="{D42A27DB-BD31-4B8C-83A1-F6EECF244321}">
-                <p14:modId xmlns:p14="http://schemas.microsoft.com/office/powerpoint/2010/main" val="2987034476"/>
+                <p14:modId xmlns:p14="http://schemas.microsoft.com/office/powerpoint/2010/main" val="4222640617"/>
               </p:ext>
             </p:extLst>
           </p:nvPr>
         </p:nvGraphicFramePr>
         <p:xfrm>
-          <a:off x="7620000" y="2819400"/>
+          <a:off x="6553200" y="2895600"/>
           <a:ext cx="590550" cy="431800"/>
         </p:xfrm>
         <a:graphic>
           <a:graphicData uri="http://schemas.openxmlformats.org/presentationml/2006/ole">
             <mc:AlternateContent xmlns:mc="http://schemas.openxmlformats.org/markup-compatibility/2006">
               <mc:Choice xmlns:v="urn:schemas-microsoft-com:vml" Requires="v">
-                <p:oleObj spid="_x0000_s73746" name="Equation" r:id="rId6" imgW="330200" imgH="241300" progId="Equation.3">
+                <p:oleObj spid="_x0000_s73750" name="Equation" r:id="rId6" imgW="330200" imgH="241300" progId="Equation.3">
                   <p:embed/>
                 </p:oleObj>
               </mc:Choice>
@@ -9413,7 +9504,7 @@
                     </p:blipFill>
                     <p:spPr>
                       <a:xfrm>
-                        <a:off x="7620000" y="2819400"/>
+                        <a:off x="6553200" y="2895600"/>
                         <a:ext cx="590550" cy="431800"/>
                       </a:xfrm>
                       <a:prstGeom prst="rect">
@@ -9449,7 +9540,7 @@
           <a:graphicData uri="http://schemas.openxmlformats.org/presentationml/2006/ole">
             <mc:AlternateContent xmlns:mc="http://schemas.openxmlformats.org/markup-compatibility/2006">
               <mc:Choice xmlns:v="urn:schemas-microsoft-com:vml" Requires="v">
-                <p:oleObj spid="_x0000_s73747" name="Equation" r:id="rId8" imgW="457200" imgH="266700" progId="Equation.3">
+                <p:oleObj spid="_x0000_s73751" name="Equation" r:id="rId8" imgW="457200" imgH="266700" progId="Equation.3">
                   <p:embed/>
                 </p:oleObj>
               </mc:Choice>
@@ -9497,7 +9588,189 @@
   <p:timing>
     <p:tnLst>
       <p:par>
-        <p:cTn xmlns:p14="http://schemas.microsoft.com/office/powerpoint/2010/main" id="1" dur="indefinite" restart="never" nodeType="tmRoot"/>
+        <p:cTn xmlns:p14="http://schemas.microsoft.com/office/powerpoint/2010/main" id="1" dur="indefinite" restart="never" nodeType="tmRoot">
+          <p:childTnLst>
+            <p:seq concurrent="1" nextAc="seek">
+              <p:cTn id="2" dur="indefinite" nodeType="mainSeq">
+                <p:childTnLst>
+                  <p:par>
+                    <p:cTn id="3" fill="hold">
+                      <p:stCondLst>
+                        <p:cond delay="indefinite"/>
+                      </p:stCondLst>
+                      <p:childTnLst>
+                        <p:par>
+                          <p:cTn id="4" fill="hold">
+                            <p:stCondLst>
+                              <p:cond delay="0"/>
+                            </p:stCondLst>
+                            <p:childTnLst>
+                              <p:par>
+                                <p:cTn id="5" presetID="14" presetClass="entr" presetSubtype="10" fill="hold" nodeType="clickEffect">
+                                  <p:stCondLst>
+                                    <p:cond delay="0"/>
+                                  </p:stCondLst>
+                                  <p:childTnLst>
+                                    <p:set>
+                                      <p:cBhvr>
+                                        <p:cTn id="6" dur="1" fill="hold">
+                                          <p:stCondLst>
+                                            <p:cond delay="0"/>
+                                          </p:stCondLst>
+                                        </p:cTn>
+                                        <p:tgtEl>
+                                          <p:spTgt spid="3"/>
+                                        </p:tgtEl>
+                                        <p:attrNameLst>
+                                          <p:attrName>style.visibility</p:attrName>
+                                        </p:attrNameLst>
+                                      </p:cBhvr>
+                                      <p:to>
+                                        <p:strVal val="visible"/>
+                                      </p:to>
+                                    </p:set>
+                                    <p:animEffect transition="in" filter="randombar(horizontal)">
+                                      <p:cBhvr>
+                                        <p:cTn id="7" dur="500"/>
+                                        <p:tgtEl>
+                                          <p:spTgt spid="3"/>
+                                        </p:tgtEl>
+                                      </p:cBhvr>
+                                    </p:animEffect>
+                                  </p:childTnLst>
+                                </p:cTn>
+                              </p:par>
+                            </p:childTnLst>
+                          </p:cTn>
+                        </p:par>
+                      </p:childTnLst>
+                    </p:cTn>
+                  </p:par>
+                  <p:par>
+                    <p:cTn id="8" fill="hold">
+                      <p:stCondLst>
+                        <p:cond delay="indefinite"/>
+                      </p:stCondLst>
+                      <p:childTnLst>
+                        <p:par>
+                          <p:cTn id="9" fill="hold">
+                            <p:stCondLst>
+                              <p:cond delay="0"/>
+                            </p:stCondLst>
+                            <p:childTnLst>
+                              <p:par>
+                                <p:cTn id="10" presetID="14" presetClass="entr" presetSubtype="10" fill="hold" nodeType="clickEffect">
+                                  <p:stCondLst>
+                                    <p:cond delay="0"/>
+                                  </p:stCondLst>
+                                  <p:childTnLst>
+                                    <p:set>
+                                      <p:cBhvr>
+                                        <p:cTn id="11" dur="1" fill="hold">
+                                          <p:stCondLst>
+                                            <p:cond delay="0"/>
+                                          </p:stCondLst>
+                                        </p:cTn>
+                                        <p:tgtEl>
+                                          <p:spTgt spid="8"/>
+                                        </p:tgtEl>
+                                        <p:attrNameLst>
+                                          <p:attrName>style.visibility</p:attrName>
+                                        </p:attrNameLst>
+                                      </p:cBhvr>
+                                      <p:to>
+                                        <p:strVal val="visible"/>
+                                      </p:to>
+                                    </p:set>
+                                    <p:animEffect transition="in" filter="randombar(horizontal)">
+                                      <p:cBhvr>
+                                        <p:cTn id="12" dur="500"/>
+                                        <p:tgtEl>
+                                          <p:spTgt spid="8"/>
+                                        </p:tgtEl>
+                                      </p:cBhvr>
+                                    </p:animEffect>
+                                  </p:childTnLst>
+                                </p:cTn>
+                              </p:par>
+                            </p:childTnLst>
+                          </p:cTn>
+                        </p:par>
+                      </p:childTnLst>
+                    </p:cTn>
+                  </p:par>
+                  <p:par>
+                    <p:cTn id="13" fill="hold">
+                      <p:stCondLst>
+                        <p:cond delay="indefinite"/>
+                      </p:stCondLst>
+                      <p:childTnLst>
+                        <p:par>
+                          <p:cTn id="14" fill="hold">
+                            <p:stCondLst>
+                              <p:cond delay="0"/>
+                            </p:stCondLst>
+                            <p:childTnLst>
+                              <p:par>
+                                <p:cTn id="15" presetID="14" presetClass="entr" presetSubtype="10" fill="hold" nodeType="clickEffect">
+                                  <p:stCondLst>
+                                    <p:cond delay="0"/>
+                                  </p:stCondLst>
+                                  <p:childTnLst>
+                                    <p:set>
+                                      <p:cBhvr>
+                                        <p:cTn id="16" dur="1" fill="hold">
+                                          <p:stCondLst>
+                                            <p:cond delay="0"/>
+                                          </p:stCondLst>
+                                        </p:cTn>
+                                        <p:tgtEl>
+                                          <p:spTgt spid="10"/>
+                                        </p:tgtEl>
+                                        <p:attrNameLst>
+                                          <p:attrName>style.visibility</p:attrName>
+                                        </p:attrNameLst>
+                                      </p:cBhvr>
+                                      <p:to>
+                                        <p:strVal val="visible"/>
+                                      </p:to>
+                                    </p:set>
+                                    <p:animEffect transition="in" filter="randombar(horizontal)">
+                                      <p:cBhvr>
+                                        <p:cTn id="17" dur="500"/>
+                                        <p:tgtEl>
+                                          <p:spTgt spid="10"/>
+                                        </p:tgtEl>
+                                      </p:cBhvr>
+                                    </p:animEffect>
+                                  </p:childTnLst>
+                                </p:cTn>
+                              </p:par>
+                            </p:childTnLst>
+                          </p:cTn>
+                        </p:par>
+                      </p:childTnLst>
+                    </p:cTn>
+                  </p:par>
+                </p:childTnLst>
+              </p:cTn>
+              <p:prevCondLst>
+                <p:cond evt="onPrev" delay="0">
+                  <p:tgtEl>
+                    <p:sldTgt/>
+                  </p:tgtEl>
+                </p:cond>
+              </p:prevCondLst>
+              <p:nextCondLst>
+                <p:cond evt="onNext" delay="0">
+                  <p:tgtEl>
+                    <p:sldTgt/>
+                  </p:tgtEl>
+                </p:cond>
+              </p:nextCondLst>
+            </p:seq>
+          </p:childTnLst>
+        </p:cTn>
       </p:par>
     </p:tnLst>
   </p:timing>
@@ -9879,7 +10152,7 @@
           <a:graphicData uri="http://schemas.openxmlformats.org/presentationml/2006/ole">
             <mc:AlternateContent xmlns:mc="http://schemas.openxmlformats.org/markup-compatibility/2006">
               <mc:Choice xmlns:v="urn:schemas-microsoft-com:vml" Requires="v">
-                <p:oleObj spid="_x0000_s75797" name="Equation" r:id="rId4" imgW="1397000" imgH="508000" progId="Equation.3">
+                <p:oleObj spid="_x0000_s75802" name="Equation" r:id="rId4" imgW="1397000" imgH="508000" progId="Equation.3">
                   <p:embed/>
                 </p:oleObj>
               </mc:Choice>
@@ -9923,25 +10196,25 @@
           <p:nvPr>
             <p:extLst>
               <p:ext uri="{D42A27DB-BD31-4B8C-83A1-F6EECF244321}">
-                <p14:modId xmlns:p14="http://schemas.microsoft.com/office/powerpoint/2010/main" val="3232575428"/>
+                <p14:modId xmlns:p14="http://schemas.microsoft.com/office/powerpoint/2010/main" val="2223850864"/>
               </p:ext>
             </p:extLst>
           </p:nvPr>
         </p:nvGraphicFramePr>
         <p:xfrm>
-          <a:off x="3657600" y="2971800"/>
-          <a:ext cx="2587625" cy="660400"/>
+          <a:off x="3944938" y="2979738"/>
+          <a:ext cx="2011362" cy="644525"/>
         </p:xfrm>
         <a:graphic>
           <a:graphicData uri="http://schemas.openxmlformats.org/presentationml/2006/ole">
             <mc:AlternateContent xmlns:mc="http://schemas.openxmlformats.org/markup-compatibility/2006">
               <mc:Choice xmlns:v="urn:schemas-microsoft-com:vml" Requires="v">
-                <p:oleObj spid="_x0000_s75798" name="Equation" r:id="rId6" imgW="1993900" imgH="508000" progId="Equation.3">
+                <p:oleObj spid="_x0000_s75803" name="Equation" r:id="rId6" imgW="1549400" imgH="495300" progId="Equation.3">
                   <p:embed/>
                 </p:oleObj>
               </mc:Choice>
               <mc:Fallback>
-                <p:oleObj name="Equation" r:id="rId6" imgW="1993900" imgH="508000" progId="Equation.3">
+                <p:oleObj name="Equation" r:id="rId6" imgW="1549400" imgH="495300" progId="Equation.3">
                   <p:embed/>
                   <p:pic>
                     <p:nvPicPr>
@@ -9957,8 +10230,8 @@
                     </p:blipFill>
                     <p:spPr>
                       <a:xfrm>
-                        <a:off x="3657600" y="2971800"/>
-                        <a:ext cx="2587625" cy="660400"/>
+                        <a:off x="3944938" y="2979738"/>
+                        <a:ext cx="2011362" cy="644525"/>
                       </a:xfrm>
                       <a:prstGeom prst="rect">
                         <a:avLst/>
@@ -9993,7 +10266,7 @@
           <a:graphicData uri="http://schemas.openxmlformats.org/presentationml/2006/ole">
             <mc:AlternateContent xmlns:mc="http://schemas.openxmlformats.org/markup-compatibility/2006">
               <mc:Choice xmlns:v="urn:schemas-microsoft-com:vml" Requires="v">
-                <p:oleObj spid="_x0000_s75799" name="Equation" r:id="rId8" imgW="2197100" imgH="241300" progId="Equation.3">
+                <p:oleObj spid="_x0000_s75804" name="Equation" r:id="rId8" imgW="2197100" imgH="241300" progId="Equation.3">
                   <p:embed/>
                 </p:oleObj>
               </mc:Choice>
@@ -10050,7 +10323,7 @@
           <a:graphicData uri="http://schemas.openxmlformats.org/presentationml/2006/ole">
             <mc:AlternateContent xmlns:mc="http://schemas.openxmlformats.org/markup-compatibility/2006">
               <mc:Choice xmlns:v="urn:schemas-microsoft-com:vml" Requires="v">
-                <p:oleObj spid="_x0000_s75800" name="Equation" r:id="rId10" imgW="1333500" imgH="469900" progId="Equation.3">
+                <p:oleObj spid="_x0000_s75805" name="Equation" r:id="rId10" imgW="1333500" imgH="469900" progId="Equation.3">
                   <p:embed/>
                 </p:oleObj>
               </mc:Choice>
@@ -10098,7 +10371,189 @@
   <p:timing>
     <p:tnLst>
       <p:par>
-        <p:cTn xmlns:p14="http://schemas.microsoft.com/office/powerpoint/2010/main" id="1" dur="indefinite" restart="never" nodeType="tmRoot"/>
+        <p:cTn xmlns:p14="http://schemas.microsoft.com/office/powerpoint/2010/main" id="1" dur="indefinite" restart="never" nodeType="tmRoot">
+          <p:childTnLst>
+            <p:seq concurrent="1" nextAc="seek">
+              <p:cTn id="2" dur="indefinite" nodeType="mainSeq">
+                <p:childTnLst>
+                  <p:par>
+                    <p:cTn id="3" fill="hold">
+                      <p:stCondLst>
+                        <p:cond delay="indefinite"/>
+                      </p:stCondLst>
+                      <p:childTnLst>
+                        <p:par>
+                          <p:cTn id="4" fill="hold">
+                            <p:stCondLst>
+                              <p:cond delay="0"/>
+                            </p:stCondLst>
+                            <p:childTnLst>
+                              <p:par>
+                                <p:cTn id="5" presetID="14" presetClass="entr" presetSubtype="10" fill="hold" nodeType="clickEffect">
+                                  <p:stCondLst>
+                                    <p:cond delay="0"/>
+                                  </p:stCondLst>
+                                  <p:childTnLst>
+                                    <p:set>
+                                      <p:cBhvr>
+                                        <p:cTn id="6" dur="1" fill="hold">
+                                          <p:stCondLst>
+                                            <p:cond delay="0"/>
+                                          </p:stCondLst>
+                                        </p:cTn>
+                                        <p:tgtEl>
+                                          <p:spTgt spid="9"/>
+                                        </p:tgtEl>
+                                        <p:attrNameLst>
+                                          <p:attrName>style.visibility</p:attrName>
+                                        </p:attrNameLst>
+                                      </p:cBhvr>
+                                      <p:to>
+                                        <p:strVal val="visible"/>
+                                      </p:to>
+                                    </p:set>
+                                    <p:animEffect transition="in" filter="randombar(horizontal)">
+                                      <p:cBhvr>
+                                        <p:cTn id="7" dur="500"/>
+                                        <p:tgtEl>
+                                          <p:spTgt spid="9"/>
+                                        </p:tgtEl>
+                                      </p:cBhvr>
+                                    </p:animEffect>
+                                  </p:childTnLst>
+                                </p:cTn>
+                              </p:par>
+                            </p:childTnLst>
+                          </p:cTn>
+                        </p:par>
+                      </p:childTnLst>
+                    </p:cTn>
+                  </p:par>
+                  <p:par>
+                    <p:cTn id="8" fill="hold">
+                      <p:stCondLst>
+                        <p:cond delay="indefinite"/>
+                      </p:stCondLst>
+                      <p:childTnLst>
+                        <p:par>
+                          <p:cTn id="9" fill="hold">
+                            <p:stCondLst>
+                              <p:cond delay="0"/>
+                            </p:stCondLst>
+                            <p:childTnLst>
+                              <p:par>
+                                <p:cTn id="10" presetID="14" presetClass="entr" presetSubtype="10" fill="hold" nodeType="clickEffect">
+                                  <p:stCondLst>
+                                    <p:cond delay="0"/>
+                                  </p:stCondLst>
+                                  <p:childTnLst>
+                                    <p:set>
+                                      <p:cBhvr>
+                                        <p:cTn id="11" dur="1" fill="hold">
+                                          <p:stCondLst>
+                                            <p:cond delay="0"/>
+                                          </p:stCondLst>
+                                        </p:cTn>
+                                        <p:tgtEl>
+                                          <p:spTgt spid="10"/>
+                                        </p:tgtEl>
+                                        <p:attrNameLst>
+                                          <p:attrName>style.visibility</p:attrName>
+                                        </p:attrNameLst>
+                                      </p:cBhvr>
+                                      <p:to>
+                                        <p:strVal val="visible"/>
+                                      </p:to>
+                                    </p:set>
+                                    <p:animEffect transition="in" filter="randombar(horizontal)">
+                                      <p:cBhvr>
+                                        <p:cTn id="12" dur="500"/>
+                                        <p:tgtEl>
+                                          <p:spTgt spid="10"/>
+                                        </p:tgtEl>
+                                      </p:cBhvr>
+                                    </p:animEffect>
+                                  </p:childTnLst>
+                                </p:cTn>
+                              </p:par>
+                            </p:childTnLst>
+                          </p:cTn>
+                        </p:par>
+                      </p:childTnLst>
+                    </p:cTn>
+                  </p:par>
+                  <p:par>
+                    <p:cTn id="13" fill="hold">
+                      <p:stCondLst>
+                        <p:cond delay="indefinite"/>
+                      </p:stCondLst>
+                      <p:childTnLst>
+                        <p:par>
+                          <p:cTn id="14" fill="hold">
+                            <p:stCondLst>
+                              <p:cond delay="0"/>
+                            </p:stCondLst>
+                            <p:childTnLst>
+                              <p:par>
+                                <p:cTn id="15" presetID="14" presetClass="entr" presetSubtype="10" fill="hold" nodeType="clickEffect">
+                                  <p:stCondLst>
+                                    <p:cond delay="0"/>
+                                  </p:stCondLst>
+                                  <p:childTnLst>
+                                    <p:set>
+                                      <p:cBhvr>
+                                        <p:cTn id="16" dur="1" fill="hold">
+                                          <p:stCondLst>
+                                            <p:cond delay="0"/>
+                                          </p:stCondLst>
+                                        </p:cTn>
+                                        <p:tgtEl>
+                                          <p:spTgt spid="11"/>
+                                        </p:tgtEl>
+                                        <p:attrNameLst>
+                                          <p:attrName>style.visibility</p:attrName>
+                                        </p:attrNameLst>
+                                      </p:cBhvr>
+                                      <p:to>
+                                        <p:strVal val="visible"/>
+                                      </p:to>
+                                    </p:set>
+                                    <p:animEffect transition="in" filter="randombar(horizontal)">
+                                      <p:cBhvr>
+                                        <p:cTn id="17" dur="500"/>
+                                        <p:tgtEl>
+                                          <p:spTgt spid="11"/>
+                                        </p:tgtEl>
+                                      </p:cBhvr>
+                                    </p:animEffect>
+                                  </p:childTnLst>
+                                </p:cTn>
+                              </p:par>
+                            </p:childTnLst>
+                          </p:cTn>
+                        </p:par>
+                      </p:childTnLst>
+                    </p:cTn>
+                  </p:par>
+                </p:childTnLst>
+              </p:cTn>
+              <p:prevCondLst>
+                <p:cond evt="onPrev" delay="0">
+                  <p:tgtEl>
+                    <p:sldTgt/>
+                  </p:tgtEl>
+                </p:cond>
+              </p:prevCondLst>
+              <p:nextCondLst>
+                <p:cond evt="onNext" delay="0">
+                  <p:tgtEl>
+                    <p:sldTgt/>
+                  </p:tgtEl>
+                </p:cond>
+              </p:nextCondLst>
+            </p:seq>
+          </p:childTnLst>
+        </p:cTn>
       </p:par>
     </p:tnLst>
   </p:timing>
@@ -10389,25 +10844,8 @@
                   </a:schemeClr>
                 </a:solidFill>
               </a:rPr>
-              <a:t>Posterior </a:t>
-            </a:r>
-            <a:r>
-              <a:rPr lang="en-US" dirty="0" smtClean="0">
-                <a:solidFill>
-                  <a:schemeClr val="accent1">
-                    <a:lumMod val="75000"/>
-                  </a:schemeClr>
-                </a:solidFill>
-              </a:rPr>
-              <a:t>Distribution (will discuss later on this result in detail)</a:t>
-            </a:r>
-            <a:endParaRPr lang="en-US" dirty="0" smtClean="0">
-              <a:solidFill>
-                <a:schemeClr val="accent1">
-                  <a:lumMod val="75000"/>
-                </a:schemeClr>
-              </a:solidFill>
-            </a:endParaRPr>
+              <a:t>Posterior Distribution (will discuss later on this result in detail)</a:t>
+            </a:r>
           </a:p>
           <a:p>
             <a:pPr marL="285750" indent="-285750">
@@ -10552,7 +10990,7 @@
           <a:graphicData uri="http://schemas.openxmlformats.org/presentationml/2006/ole">
             <mc:AlternateContent xmlns:mc="http://schemas.openxmlformats.org/markup-compatibility/2006">
               <mc:Choice xmlns:v="urn:schemas-microsoft-com:vml" Requires="v">
-                <p:oleObj spid="_x0000_s76820" name="Equation" r:id="rId4" imgW="2895600" imgH="304800" progId="Equation.3">
+                <p:oleObj spid="_x0000_s76825" name="Equation" r:id="rId4" imgW="2895600" imgH="304800" progId="Equation.3">
                   <p:embed/>
                 </p:oleObj>
               </mc:Choice>
@@ -10609,7 +11047,7 @@
           <a:graphicData uri="http://schemas.openxmlformats.org/presentationml/2006/ole">
             <mc:AlternateContent xmlns:mc="http://schemas.openxmlformats.org/markup-compatibility/2006">
               <mc:Choice xmlns:v="urn:schemas-microsoft-com:vml" Requires="v">
-                <p:oleObj spid="_x0000_s76821" name="Equation" r:id="rId6" imgW="2171700" imgH="482600" progId="Equation.3">
+                <p:oleObj spid="_x0000_s76826" name="Equation" r:id="rId6" imgW="2171700" imgH="482600" progId="Equation.3">
                   <p:embed/>
                 </p:oleObj>
               </mc:Choice>
@@ -10666,7 +11104,7 @@
           <a:graphicData uri="http://schemas.openxmlformats.org/presentationml/2006/ole">
             <mc:AlternateContent xmlns:mc="http://schemas.openxmlformats.org/markup-compatibility/2006">
               <mc:Choice xmlns:v="urn:schemas-microsoft-com:vml" Requires="v">
-                <p:oleObj spid="_x0000_s76822" name="Equation" r:id="rId8" imgW="4381500" imgH="762000" progId="Equation.3">
+                <p:oleObj spid="_x0000_s76827" name="Equation" r:id="rId8" imgW="4381500" imgH="762000" progId="Equation.3">
                   <p:embed/>
                 </p:oleObj>
               </mc:Choice>
@@ -10723,7 +11161,7 @@
           <a:graphicData uri="http://schemas.openxmlformats.org/presentationml/2006/ole">
             <mc:AlternateContent xmlns:mc="http://schemas.openxmlformats.org/markup-compatibility/2006">
               <mc:Choice xmlns:v="urn:schemas-microsoft-com:vml" Requires="v">
-                <p:oleObj spid="_x0000_s76823" name="Equation" r:id="rId10" imgW="2578100" imgH="431800" progId="Equation.3">
+                <p:oleObj spid="_x0000_s76828" name="Equation" r:id="rId10" imgW="2578100" imgH="431800" progId="Equation.3">
                   <p:embed/>
                 </p:oleObj>
               </mc:Choice>
@@ -10771,7 +11209,136 @@
   <p:timing>
     <p:tnLst>
       <p:par>
-        <p:cTn xmlns:p14="http://schemas.microsoft.com/office/powerpoint/2010/main" id="1" dur="indefinite" restart="never" nodeType="tmRoot"/>
+        <p:cTn xmlns:p14="http://schemas.microsoft.com/office/powerpoint/2010/main" id="1" dur="indefinite" restart="never" nodeType="tmRoot">
+          <p:childTnLst>
+            <p:seq concurrent="1" nextAc="seek">
+              <p:cTn id="2" dur="indefinite" nodeType="mainSeq">
+                <p:childTnLst>
+                  <p:par>
+                    <p:cTn id="3" fill="hold">
+                      <p:stCondLst>
+                        <p:cond delay="indefinite"/>
+                      </p:stCondLst>
+                      <p:childTnLst>
+                        <p:par>
+                          <p:cTn id="4" fill="hold">
+                            <p:stCondLst>
+                              <p:cond delay="0"/>
+                            </p:stCondLst>
+                            <p:childTnLst>
+                              <p:par>
+                                <p:cTn id="5" presetID="14" presetClass="entr" presetSubtype="10" fill="hold" nodeType="clickEffect">
+                                  <p:stCondLst>
+                                    <p:cond delay="0"/>
+                                  </p:stCondLst>
+                                  <p:childTnLst>
+                                    <p:set>
+                                      <p:cBhvr>
+                                        <p:cTn id="6" dur="1" fill="hold">
+                                          <p:stCondLst>
+                                            <p:cond delay="0"/>
+                                          </p:stCondLst>
+                                        </p:cTn>
+                                        <p:tgtEl>
+                                          <p:spTgt spid="3"/>
+                                        </p:tgtEl>
+                                        <p:attrNameLst>
+                                          <p:attrName>style.visibility</p:attrName>
+                                        </p:attrNameLst>
+                                      </p:cBhvr>
+                                      <p:to>
+                                        <p:strVal val="visible"/>
+                                      </p:to>
+                                    </p:set>
+                                    <p:animEffect transition="in" filter="randombar(horizontal)">
+                                      <p:cBhvr>
+                                        <p:cTn id="7" dur="500"/>
+                                        <p:tgtEl>
+                                          <p:spTgt spid="3"/>
+                                        </p:tgtEl>
+                                      </p:cBhvr>
+                                    </p:animEffect>
+                                  </p:childTnLst>
+                                </p:cTn>
+                              </p:par>
+                            </p:childTnLst>
+                          </p:cTn>
+                        </p:par>
+                      </p:childTnLst>
+                    </p:cTn>
+                  </p:par>
+                  <p:par>
+                    <p:cTn id="8" fill="hold">
+                      <p:stCondLst>
+                        <p:cond delay="indefinite"/>
+                      </p:stCondLst>
+                      <p:childTnLst>
+                        <p:par>
+                          <p:cTn id="9" fill="hold">
+                            <p:stCondLst>
+                              <p:cond delay="0"/>
+                            </p:stCondLst>
+                            <p:childTnLst>
+                              <p:par>
+                                <p:cTn id="10" presetID="14" presetClass="entr" presetSubtype="10" fill="hold" nodeType="clickEffect">
+                                  <p:stCondLst>
+                                    <p:cond delay="0"/>
+                                  </p:stCondLst>
+                                  <p:childTnLst>
+                                    <p:set>
+                                      <p:cBhvr>
+                                        <p:cTn id="11" dur="1" fill="hold">
+                                          <p:stCondLst>
+                                            <p:cond delay="0"/>
+                                          </p:stCondLst>
+                                        </p:cTn>
+                                        <p:tgtEl>
+                                          <p:spTgt spid="12"/>
+                                        </p:tgtEl>
+                                        <p:attrNameLst>
+                                          <p:attrName>style.visibility</p:attrName>
+                                        </p:attrNameLst>
+                                      </p:cBhvr>
+                                      <p:to>
+                                        <p:strVal val="visible"/>
+                                      </p:to>
+                                    </p:set>
+                                    <p:animEffect transition="in" filter="randombar(horizontal)">
+                                      <p:cBhvr>
+                                        <p:cTn id="12" dur="500"/>
+                                        <p:tgtEl>
+                                          <p:spTgt spid="12"/>
+                                        </p:tgtEl>
+                                      </p:cBhvr>
+                                    </p:animEffect>
+                                  </p:childTnLst>
+                                </p:cTn>
+                              </p:par>
+                            </p:childTnLst>
+                          </p:cTn>
+                        </p:par>
+                      </p:childTnLst>
+                    </p:cTn>
+                  </p:par>
+                </p:childTnLst>
+              </p:cTn>
+              <p:prevCondLst>
+                <p:cond evt="onPrev" delay="0">
+                  <p:tgtEl>
+                    <p:sldTgt/>
+                  </p:tgtEl>
+                </p:cond>
+              </p:prevCondLst>
+              <p:nextCondLst>
+                <p:cond evt="onNext" delay="0">
+                  <p:tgtEl>
+                    <p:sldTgt/>
+                  </p:tgtEl>
+                </p:cond>
+              </p:nextCondLst>
+            </p:seq>
+          </p:childTnLst>
+        </p:cTn>
       </p:par>
     </p:tnLst>
   </p:timing>
@@ -10960,18 +11527,19 @@
                   </a:schemeClr>
                 </a:solidFill>
               </a:rPr>
-              <a:t>- </a:t>
-            </a:r>
-            <a:r>
-              <a:rPr lang="en-US" dirty="0" smtClean="0">
-                <a:solidFill>
-                  <a:schemeClr val="accent1">
-                    <a:lumMod val="75000"/>
-                  </a:schemeClr>
-                </a:solidFill>
-              </a:rPr>
-              <a:t>Prior Mean</a:t>
-            </a:r>
+              <a:t>- Prior Mean</a:t>
+            </a:r>
+          </a:p>
+          <a:p>
+            <a:endParaRPr lang="en-US" dirty="0">
+              <a:solidFill>
+                <a:schemeClr val="accent1">
+                  <a:lumMod val="75000"/>
+                </a:schemeClr>
+              </a:solidFill>
+            </a:endParaRPr>
+          </a:p>
+          <a:p>
             <a:endParaRPr lang="en-US" dirty="0" smtClean="0">
               <a:solidFill>
                 <a:schemeClr val="accent1">
@@ -10990,6 +11558,18 @@
             </a:endParaRPr>
           </a:p>
           <a:p>
+            <a:r>
+              <a:rPr lang="en-US" dirty="0" smtClean="0">
+                <a:solidFill>
+                  <a:schemeClr val="accent1">
+                    <a:lumMod val="75000"/>
+                  </a:schemeClr>
+                </a:solidFill>
+              </a:rPr>
+              <a:t>- MLE</a:t>
+            </a:r>
+          </a:p>
+          <a:p>
             <a:endParaRPr lang="en-US" dirty="0" smtClean="0">
               <a:solidFill>
                 <a:schemeClr val="accent1">
@@ -10999,6 +11579,15 @@
             </a:endParaRPr>
           </a:p>
           <a:p>
+            <a:endParaRPr lang="en-US" dirty="0" smtClean="0">
+              <a:solidFill>
+                <a:schemeClr val="accent1">
+                  <a:lumMod val="75000"/>
+                </a:schemeClr>
+              </a:solidFill>
+            </a:endParaRPr>
+          </a:p>
+          <a:p>
             <a:endParaRPr lang="en-US" dirty="0">
               <a:solidFill>
                 <a:schemeClr val="accent1">
@@ -11008,62 +11597,6 @@
             </a:endParaRPr>
           </a:p>
           <a:p>
-            <a:r>
-              <a:rPr lang="en-US" dirty="0" smtClean="0">
-                <a:solidFill>
-                  <a:schemeClr val="accent1">
-                    <a:lumMod val="75000"/>
-                  </a:schemeClr>
-                </a:solidFill>
-              </a:rPr>
-              <a:t>- </a:t>
-            </a:r>
-            <a:r>
-              <a:rPr lang="en-US" dirty="0" smtClean="0">
-                <a:solidFill>
-                  <a:schemeClr val="accent1">
-                    <a:lumMod val="75000"/>
-                  </a:schemeClr>
-                </a:solidFill>
-              </a:rPr>
-              <a:t>MLE</a:t>
-            </a:r>
-            <a:endParaRPr lang="en-US" dirty="0" smtClean="0">
-              <a:solidFill>
-                <a:schemeClr val="accent1">
-                  <a:lumMod val="75000"/>
-                </a:schemeClr>
-              </a:solidFill>
-            </a:endParaRPr>
-          </a:p>
-          <a:p>
-            <a:endParaRPr lang="en-US" dirty="0" smtClean="0">
-              <a:solidFill>
-                <a:schemeClr val="accent1">
-                  <a:lumMod val="75000"/>
-                </a:schemeClr>
-              </a:solidFill>
-            </a:endParaRPr>
-          </a:p>
-          <a:p>
-            <a:endParaRPr lang="en-US" dirty="0" smtClean="0">
-              <a:solidFill>
-                <a:schemeClr val="accent1">
-                  <a:lumMod val="75000"/>
-                </a:schemeClr>
-              </a:solidFill>
-            </a:endParaRPr>
-          </a:p>
-          <a:p>
-            <a:endParaRPr lang="en-US" dirty="0">
-              <a:solidFill>
-                <a:schemeClr val="accent1">
-                  <a:lumMod val="75000"/>
-                </a:schemeClr>
-              </a:solidFill>
-            </a:endParaRPr>
-          </a:p>
-          <a:p>
             <a:pPr marL="285750" indent="-285750">
               <a:buFontTx/>
               <a:buChar char="-"/>
@@ -11078,13 +11611,6 @@
               </a:rPr>
               <a:t>Posterior Mean</a:t>
             </a:r>
-            <a:endParaRPr lang="en-US" dirty="0" smtClean="0">
-              <a:solidFill>
-                <a:schemeClr val="accent1">
-                  <a:lumMod val="75000"/>
-                </a:schemeClr>
-              </a:solidFill>
-            </a:endParaRPr>
           </a:p>
           <a:p>
             <a:pPr marL="285750" indent="-285750">
@@ -11141,14 +11667,14 @@
               <a:t>Bayesian estimates are ‘shrunken’ estimates.  You can view them as MLE estimates shrunken towards the prior mode/mean.  Shrinkage reduces the variance of the estimator, at the expense of potentially introducing more bias. The extent of </a:t>
             </a:r>
             <a:r>
-              <a:rPr lang="en-US" dirty="0" err="1" smtClean="0">
+              <a:rPr lang="en-US" dirty="0" smtClean="0">
                 <a:solidFill>
                   <a:schemeClr val="accent1">
                     <a:lumMod val="75000"/>
                   </a:schemeClr>
                 </a:solidFill>
               </a:rPr>
-              <a:t>srhinkage</a:t>
+              <a:t>shrinkage </a:t>
             </a:r>
             <a:r>
               <a:rPr lang="en-US" dirty="0" smtClean="0">
@@ -11158,15 +11684,8 @@
                   </a:schemeClr>
                 </a:solidFill>
               </a:rPr>
-              <a:t> depends on how informative the prior is and how informative is the likelihood (sample size). If parameters are identified at the likelihood, as sample size increases Bayesian estimates converge to MLE.</a:t>
-            </a:r>
-            <a:endParaRPr lang="en-US" dirty="0" smtClean="0">
-              <a:solidFill>
-                <a:schemeClr val="accent1">
-                  <a:lumMod val="75000"/>
-                </a:schemeClr>
-              </a:solidFill>
-            </a:endParaRPr>
+              <a:t>depends on how informative the prior is and how informative is the likelihood (sample size). If parameters are identified at the likelihood, as sample size increases Bayesian estimates converge to MLE.</a:t>
+            </a:r>
           </a:p>
           <a:p>
             <a:endParaRPr lang="en-US" dirty="0" smtClean="0">
@@ -11201,7 +11720,7 @@
           <a:graphicData uri="http://schemas.openxmlformats.org/presentationml/2006/ole">
             <mc:AlternateContent xmlns:mc="http://schemas.openxmlformats.org/markup-compatibility/2006">
               <mc:Choice xmlns:v="urn:schemas-microsoft-com:vml" Requires="v">
-                <p:oleObj spid="_x0000_s77831" name="Equation" r:id="rId4" imgW="850900" imgH="431800" progId="Equation.3">
+                <p:oleObj spid="_x0000_s77835" name="Equation" r:id="rId4" imgW="850900" imgH="431800" progId="Equation.3">
                   <p:embed/>
                 </p:oleObj>
               </mc:Choice>
@@ -11258,7 +11777,7 @@
           <a:graphicData uri="http://schemas.openxmlformats.org/presentationml/2006/ole">
             <mc:AlternateContent xmlns:mc="http://schemas.openxmlformats.org/markup-compatibility/2006">
               <mc:Choice xmlns:v="urn:schemas-microsoft-com:vml" Requires="v">
-                <p:oleObj spid="_x0000_s77832" name="Equation" r:id="rId6" imgW="863600" imgH="431800" progId="Equation.3">
+                <p:oleObj spid="_x0000_s77836" name="Equation" r:id="rId6" imgW="863600" imgH="431800" progId="Equation.3">
                   <p:embed/>
                 </p:oleObj>
               </mc:Choice>
@@ -11315,7 +11834,7 @@
           <a:graphicData uri="http://schemas.openxmlformats.org/presentationml/2006/ole">
             <mc:AlternateContent xmlns:mc="http://schemas.openxmlformats.org/markup-compatibility/2006">
               <mc:Choice xmlns:v="urn:schemas-microsoft-com:vml" Requires="v">
-                <p:oleObj spid="_x0000_s77833" name="Equation" r:id="rId8" imgW="2908300" imgH="469900" progId="Equation.3">
+                <p:oleObj spid="_x0000_s77837" name="Equation" r:id="rId8" imgW="2908300" imgH="469900" progId="Equation.3">
                   <p:embed/>
                 </p:oleObj>
               </mc:Choice>
@@ -11363,7 +11882,189 @@
   <p:timing>
     <p:tnLst>
       <p:par>
-        <p:cTn xmlns:p14="http://schemas.microsoft.com/office/powerpoint/2010/main" id="1" dur="indefinite" restart="never" nodeType="tmRoot"/>
+        <p:cTn xmlns:p14="http://schemas.microsoft.com/office/powerpoint/2010/main" id="1" dur="indefinite" restart="never" nodeType="tmRoot">
+          <p:childTnLst>
+            <p:seq concurrent="1" nextAc="seek">
+              <p:cTn id="2" dur="indefinite" nodeType="mainSeq">
+                <p:childTnLst>
+                  <p:par>
+                    <p:cTn id="3" fill="hold">
+                      <p:stCondLst>
+                        <p:cond delay="indefinite"/>
+                      </p:stCondLst>
+                      <p:childTnLst>
+                        <p:par>
+                          <p:cTn id="4" fill="hold">
+                            <p:stCondLst>
+                              <p:cond delay="0"/>
+                            </p:stCondLst>
+                            <p:childTnLst>
+                              <p:par>
+                                <p:cTn id="5" presetID="14" presetClass="entr" presetSubtype="10" fill="hold" nodeType="clickEffect">
+                                  <p:stCondLst>
+                                    <p:cond delay="0"/>
+                                  </p:stCondLst>
+                                  <p:childTnLst>
+                                    <p:set>
+                                      <p:cBhvr>
+                                        <p:cTn id="6" dur="1" fill="hold">
+                                          <p:stCondLst>
+                                            <p:cond delay="0"/>
+                                          </p:stCondLst>
+                                        </p:cTn>
+                                        <p:tgtEl>
+                                          <p:spTgt spid="3"/>
+                                        </p:tgtEl>
+                                        <p:attrNameLst>
+                                          <p:attrName>style.visibility</p:attrName>
+                                        </p:attrNameLst>
+                                      </p:cBhvr>
+                                      <p:to>
+                                        <p:strVal val="visible"/>
+                                      </p:to>
+                                    </p:set>
+                                    <p:animEffect transition="in" filter="randombar(horizontal)">
+                                      <p:cBhvr>
+                                        <p:cTn id="7" dur="500"/>
+                                        <p:tgtEl>
+                                          <p:spTgt spid="3"/>
+                                        </p:tgtEl>
+                                      </p:cBhvr>
+                                    </p:animEffect>
+                                  </p:childTnLst>
+                                </p:cTn>
+                              </p:par>
+                            </p:childTnLst>
+                          </p:cTn>
+                        </p:par>
+                      </p:childTnLst>
+                    </p:cTn>
+                  </p:par>
+                  <p:par>
+                    <p:cTn id="8" fill="hold">
+                      <p:stCondLst>
+                        <p:cond delay="indefinite"/>
+                      </p:stCondLst>
+                      <p:childTnLst>
+                        <p:par>
+                          <p:cTn id="9" fill="hold">
+                            <p:stCondLst>
+                              <p:cond delay="0"/>
+                            </p:stCondLst>
+                            <p:childTnLst>
+                              <p:par>
+                                <p:cTn id="10" presetID="14" presetClass="entr" presetSubtype="10" fill="hold" nodeType="clickEffect">
+                                  <p:stCondLst>
+                                    <p:cond delay="0"/>
+                                  </p:stCondLst>
+                                  <p:childTnLst>
+                                    <p:set>
+                                      <p:cBhvr>
+                                        <p:cTn id="11" dur="1" fill="hold">
+                                          <p:stCondLst>
+                                            <p:cond delay="0"/>
+                                          </p:stCondLst>
+                                        </p:cTn>
+                                        <p:tgtEl>
+                                          <p:spTgt spid="6"/>
+                                        </p:tgtEl>
+                                        <p:attrNameLst>
+                                          <p:attrName>style.visibility</p:attrName>
+                                        </p:attrNameLst>
+                                      </p:cBhvr>
+                                      <p:to>
+                                        <p:strVal val="visible"/>
+                                      </p:to>
+                                    </p:set>
+                                    <p:animEffect transition="in" filter="randombar(horizontal)">
+                                      <p:cBhvr>
+                                        <p:cTn id="12" dur="500"/>
+                                        <p:tgtEl>
+                                          <p:spTgt spid="6"/>
+                                        </p:tgtEl>
+                                      </p:cBhvr>
+                                    </p:animEffect>
+                                  </p:childTnLst>
+                                </p:cTn>
+                              </p:par>
+                            </p:childTnLst>
+                          </p:cTn>
+                        </p:par>
+                      </p:childTnLst>
+                    </p:cTn>
+                  </p:par>
+                  <p:par>
+                    <p:cTn id="13" fill="hold">
+                      <p:stCondLst>
+                        <p:cond delay="indefinite"/>
+                      </p:stCondLst>
+                      <p:childTnLst>
+                        <p:par>
+                          <p:cTn id="14" fill="hold">
+                            <p:stCondLst>
+                              <p:cond delay="0"/>
+                            </p:stCondLst>
+                            <p:childTnLst>
+                              <p:par>
+                                <p:cTn id="15" presetID="14" presetClass="entr" presetSubtype="10" fill="hold" nodeType="clickEffect">
+                                  <p:stCondLst>
+                                    <p:cond delay="0"/>
+                                  </p:stCondLst>
+                                  <p:childTnLst>
+                                    <p:set>
+                                      <p:cBhvr>
+                                        <p:cTn id="16" dur="1" fill="hold">
+                                          <p:stCondLst>
+                                            <p:cond delay="0"/>
+                                          </p:stCondLst>
+                                        </p:cTn>
+                                        <p:tgtEl>
+                                          <p:spTgt spid="11"/>
+                                        </p:tgtEl>
+                                        <p:attrNameLst>
+                                          <p:attrName>style.visibility</p:attrName>
+                                        </p:attrNameLst>
+                                      </p:cBhvr>
+                                      <p:to>
+                                        <p:strVal val="visible"/>
+                                      </p:to>
+                                    </p:set>
+                                    <p:animEffect transition="in" filter="randombar(horizontal)">
+                                      <p:cBhvr>
+                                        <p:cTn id="17" dur="500"/>
+                                        <p:tgtEl>
+                                          <p:spTgt spid="11"/>
+                                        </p:tgtEl>
+                                      </p:cBhvr>
+                                    </p:animEffect>
+                                  </p:childTnLst>
+                                </p:cTn>
+                              </p:par>
+                            </p:childTnLst>
+                          </p:cTn>
+                        </p:par>
+                      </p:childTnLst>
+                    </p:cTn>
+                  </p:par>
+                </p:childTnLst>
+              </p:cTn>
+              <p:prevCondLst>
+                <p:cond evt="onPrev" delay="0">
+                  <p:tgtEl>
+                    <p:sldTgt/>
+                  </p:tgtEl>
+                </p:cond>
+              </p:prevCondLst>
+              <p:nextCondLst>
+                <p:cond evt="onNext" delay="0">
+                  <p:tgtEl>
+                    <p:sldTgt/>
+                  </p:tgtEl>
+                </p:cond>
+              </p:nextCondLst>
+            </p:seq>
+          </p:childTnLst>
+        </p:cTn>
       </p:par>
     </p:tnLst>
   </p:timing>

--- a/STT465_1.pptx
+++ b/STT465_1.pptx
@@ -207,7 +207,7 @@
             <a:fld id="{EC2AD4C0-0FC1-44D9-A720-D776D6428221}" type="datetimeFigureOut">
               <a:rPr lang="en-US" smtClean="0"/>
               <a:pPr/>
-              <a:t>9/1/15</a:t>
+              <a:t>9/4/15</a:t>
             </a:fld>
             <a:endParaRPr lang="en-US"/>
           </a:p>
@@ -1316,7 +1316,7 @@
             <a:fld id="{F9C811E6-0209-4075-80E7-F5953C8ECEE3}" type="datetime1">
               <a:rPr lang="en-US" smtClean="0"/>
               <a:pPr/>
-              <a:t>9/1/15</a:t>
+              <a:t>9/4/15</a:t>
             </a:fld>
             <a:endParaRPr lang="en-US"/>
           </a:p>
@@ -1487,7 +1487,7 @@
             <a:fld id="{648E6BB1-E6D9-4EE7-828F-046F7223761D}" type="datetime1">
               <a:rPr lang="en-US" smtClean="0"/>
               <a:pPr/>
-              <a:t>9/1/15</a:t>
+              <a:t>9/4/15</a:t>
             </a:fld>
             <a:endParaRPr lang="en-US"/>
           </a:p>
@@ -1668,7 +1668,7 @@
             <a:fld id="{B4B9C580-A780-4D76-B2D1-C34F1DA97DF0}" type="datetime1">
               <a:rPr lang="en-US" smtClean="0"/>
               <a:pPr/>
-              <a:t>9/1/15</a:t>
+              <a:t>9/4/15</a:t>
             </a:fld>
             <a:endParaRPr lang="en-US"/>
           </a:p>
@@ -1839,7 +1839,7 @@
             <a:fld id="{EB19DDAF-3255-4785-974C-BB4FAF02D67E}" type="datetime1">
               <a:rPr lang="en-US" smtClean="0"/>
               <a:pPr/>
-              <a:t>9/1/15</a:t>
+              <a:t>9/4/15</a:t>
             </a:fld>
             <a:endParaRPr lang="en-US"/>
           </a:p>
@@ -2086,7 +2086,7 @@
             <a:fld id="{C344AF86-11D1-4E84-BA60-17130236FDAA}" type="datetime1">
               <a:rPr lang="en-US" smtClean="0"/>
               <a:pPr/>
-              <a:t>9/1/15</a:t>
+              <a:t>9/4/15</a:t>
             </a:fld>
             <a:endParaRPr lang="en-US"/>
           </a:p>
@@ -2375,7 +2375,7 @@
             <a:fld id="{A8DD670F-7E07-4783-A6F8-B28127B5AF4A}" type="datetime1">
               <a:rPr lang="en-US" smtClean="0"/>
               <a:pPr/>
-              <a:t>9/1/15</a:t>
+              <a:t>9/4/15</a:t>
             </a:fld>
             <a:endParaRPr lang="en-US"/>
           </a:p>
@@ -2798,7 +2798,7 @@
             <a:fld id="{92676DD9-688F-48EE-8233-B3B78BDDA63D}" type="datetime1">
               <a:rPr lang="en-US" smtClean="0"/>
               <a:pPr/>
-              <a:t>9/1/15</a:t>
+              <a:t>9/4/15</a:t>
             </a:fld>
             <a:endParaRPr lang="en-US"/>
           </a:p>
@@ -2917,7 +2917,7 @@
             <a:fld id="{F6CC4A83-AE34-48B8-B90E-70388FDBF0F7}" type="datetime1">
               <a:rPr lang="en-US" smtClean="0"/>
               <a:pPr/>
-              <a:t>9/1/15</a:t>
+              <a:t>9/4/15</a:t>
             </a:fld>
             <a:endParaRPr lang="en-US"/>
           </a:p>
@@ -3013,7 +3013,7 @@
             <a:fld id="{510CA3E2-9601-488E-B92B-23013819BD02}" type="datetime1">
               <a:rPr lang="en-US" smtClean="0"/>
               <a:pPr/>
-              <a:t>9/1/15</a:t>
+              <a:t>9/4/15</a:t>
             </a:fld>
             <a:endParaRPr lang="en-US"/>
           </a:p>
@@ -3291,7 +3291,7 @@
             <a:fld id="{331F1CBD-358A-4E18-86FD-C337233E15F0}" type="datetime1">
               <a:rPr lang="en-US" smtClean="0"/>
               <a:pPr/>
-              <a:t>9/1/15</a:t>
+              <a:t>9/4/15</a:t>
             </a:fld>
             <a:endParaRPr lang="en-US"/>
           </a:p>
@@ -3545,7 +3545,7 @@
             <a:fld id="{3CB4F0D5-901F-4458-A8F8-F062616694B4}" type="datetime1">
               <a:rPr lang="en-US" smtClean="0"/>
               <a:pPr/>
-              <a:t>9/1/15</a:t>
+              <a:t>9/4/15</a:t>
             </a:fld>
             <a:endParaRPr lang="en-US"/>
           </a:p>
@@ -3759,7 +3759,7 @@
             <a:fld id="{F77D84EF-BDBF-448B-906E-D51D4CAF22DC}" type="datetime1">
               <a:rPr lang="en-US" smtClean="0"/>
               <a:pPr/>
-              <a:t>9/1/15</a:t>
+              <a:t>9/4/15</a:t>
             </a:fld>
             <a:endParaRPr lang="en-US"/>
           </a:p>
@@ -4450,13 +4450,6 @@
               </a:rPr>
               <a:t> </a:t>
             </a:r>
-            <a:endParaRPr lang="en-US" dirty="0" smtClean="0">
-              <a:solidFill>
-                <a:schemeClr val="accent1">
-                  <a:lumMod val="75000"/>
-                </a:schemeClr>
-              </a:solidFill>
-            </a:endParaRPr>
           </a:p>
           <a:p>
             <a:r>
@@ -4529,17 +4522,7 @@
                   </a:schemeClr>
                 </a:solidFill>
               </a:rPr>
-              <a:t> )</a:t>
-            </a:r>
-            <a:r>
-              <a:rPr lang="en-US" dirty="0" smtClean="0">
-                <a:solidFill>
-                  <a:schemeClr val="accent1">
-                    <a:lumMod val="75000"/>
-                  </a:schemeClr>
-                </a:solidFill>
-              </a:rPr>
-              <a:t>	</a:t>
+              <a:t> )	</a:t>
             </a:r>
           </a:p>
           <a:p>
@@ -4568,25 +4551,8 @@
                   </a:schemeClr>
                 </a:solidFill>
               </a:rPr>
-              <a:t>Office Hours:  	</a:t>
-            </a:r>
-            <a:r>
-              <a:rPr lang="en-US" dirty="0" smtClean="0">
-                <a:solidFill>
-                  <a:schemeClr val="accent1">
-                    <a:lumMod val="75000"/>
-                  </a:schemeClr>
-                </a:solidFill>
-              </a:rPr>
-              <a:t>MW 9:00-10:00 AM (Wells, office TBA)</a:t>
-            </a:r>
-            <a:endParaRPr lang="en-US" dirty="0" smtClean="0">
-              <a:solidFill>
-                <a:schemeClr val="accent1">
-                  <a:lumMod val="75000"/>
-                </a:schemeClr>
-              </a:solidFill>
-            </a:endParaRPr>
+              <a:t>Office Hours:  	MW 9:00-10:00 AM (Wells, office TBA)</a:t>
+            </a:r>
           </a:p>
           <a:p>
             <a:endParaRPr lang="en-US" dirty="0" smtClean="0">
@@ -4923,7 +4889,7 @@
           <a:graphicData uri="http://schemas.openxmlformats.org/presentationml/2006/ole">
             <mc:AlternateContent xmlns:mc="http://schemas.openxmlformats.org/markup-compatibility/2006">
               <mc:Choice xmlns:v="urn:schemas-microsoft-com:vml" Requires="v">
-                <p:oleObj spid="_x0000_s1043" name="Worksheet" r:id="rId5" imgW="7467600" imgH="8610600" progId="Excel.Sheet.12">
+                <p:oleObj spid="_x0000_s1050" name="Worksheet" r:id="rId5" imgW="7467600" imgH="8610600" progId="Excel.Sheet.12">
                   <p:embed/>
                 </p:oleObj>
               </mc:Choice>
@@ -5496,7 +5462,7 @@
           <a:graphicData uri="http://schemas.openxmlformats.org/presentationml/2006/ole">
             <mc:AlternateContent xmlns:mc="http://schemas.openxmlformats.org/markup-compatibility/2006">
               <mc:Choice xmlns:v="urn:schemas-microsoft-com:vml" Requires="v">
-                <p:oleObj spid="_x0000_s71691" name="Equation" r:id="rId4" imgW="368300" imgH="241300" progId="Equation.3">
+                <p:oleObj spid="_x0000_s71698" name="Equation" r:id="rId4" imgW="368300" imgH="241300" progId="Equation.3">
                   <p:embed/>
                 </p:oleObj>
               </mc:Choice>
@@ -5936,7 +5902,7 @@
             <a:graphicData uri="http://schemas.openxmlformats.org/presentationml/2006/ole">
               <mc:AlternateContent xmlns:mc="http://schemas.openxmlformats.org/markup-compatibility/2006">
                 <mc:Choice xmlns:v="urn:schemas-microsoft-com:vml" Requires="v">
-                  <p:oleObj spid="_x0000_s70724" name="Equation" r:id="rId3" imgW="2120900" imgH="279400" progId="Equation.3">
+                  <p:oleObj spid="_x0000_s70756" name="Equation" r:id="rId3" imgW="2120900" imgH="279400" progId="Equation.3">
                     <p:embed/>
                   </p:oleObj>
                 </mc:Choice>
@@ -6425,7 +6391,7 @@
           <a:graphicData uri="http://schemas.openxmlformats.org/presentationml/2006/ole">
             <mc:AlternateContent xmlns:mc="http://schemas.openxmlformats.org/markup-compatibility/2006">
               <mc:Choice xmlns:v="urn:schemas-microsoft-com:vml" Requires="v">
-                <p:oleObj spid="_x0000_s70725" name="Equation" r:id="rId5" imgW="1752600" imgH="266700" progId="Equation.3">
+                <p:oleObj spid="_x0000_s70757" name="Equation" r:id="rId5" imgW="1752600" imgH="266700" progId="Equation.3">
                   <p:embed/>
                 </p:oleObj>
               </mc:Choice>
@@ -6489,7 +6455,7 @@
           <a:graphicData uri="http://schemas.openxmlformats.org/presentationml/2006/ole">
             <mc:AlternateContent xmlns:mc="http://schemas.openxmlformats.org/markup-compatibility/2006">
               <mc:Choice xmlns:v="urn:schemas-microsoft-com:vml" Requires="v">
-                <p:oleObj spid="_x0000_s70726" name="Equation" r:id="rId7" imgW="1206720" imgH="283320" progId="Equation.3">
+                <p:oleObj spid="_x0000_s70758" name="Equation" r:id="rId7" imgW="1206720" imgH="283320" progId="Equation.3">
                   <p:embed/>
                 </p:oleObj>
               </mc:Choice>
@@ -7367,7 +7333,7 @@
           <a:graphicData uri="http://schemas.openxmlformats.org/presentationml/2006/ole">
             <mc:AlternateContent xmlns:mc="http://schemas.openxmlformats.org/markup-compatibility/2006">
               <mc:Choice xmlns:v="urn:schemas-microsoft-com:vml" Requires="v">
-                <p:oleObj spid="_x0000_s70727" name="Equation" r:id="rId10" imgW="1133640" imgH="283320" progId="Equation.3">
+                <p:oleObj spid="_x0000_s70759" name="Equation" r:id="rId10" imgW="1133640" imgH="283320" progId="Equation.3">
                   <p:embed/>
                 </p:oleObj>
               </mc:Choice>
@@ -7898,7 +7864,7 @@
           <a:graphicData uri="http://schemas.openxmlformats.org/presentationml/2006/ole">
             <mc:AlternateContent xmlns:mc="http://schemas.openxmlformats.org/markup-compatibility/2006">
               <mc:Choice xmlns:v="urn:schemas-microsoft-com:vml" Requires="v">
-                <p:oleObj spid="_x0000_s70728" name="Equation" r:id="rId12" imgW="1181100" imgH="317500" progId="Equation.3">
+                <p:oleObj spid="_x0000_s70760" name="Equation" r:id="rId12" imgW="1181100" imgH="317500" progId="Equation.3">
                   <p:embed/>
                 </p:oleObj>
               </mc:Choice>
@@ -7968,7 +7934,7 @@
           <a:graphicData uri="http://schemas.openxmlformats.org/presentationml/2006/ole">
             <mc:AlternateContent xmlns:mc="http://schemas.openxmlformats.org/markup-compatibility/2006">
               <mc:Choice xmlns:v="urn:schemas-microsoft-com:vml" Requires="v">
-                <p:oleObj spid="_x0000_s70729" name="Equation" r:id="rId14" imgW="1409700" imgH="355600" progId="Equation.3">
+                <p:oleObj spid="_x0000_s70761" name="Equation" r:id="rId14" imgW="1409700" imgH="355600" progId="Equation.3">
                   <p:embed/>
                 </p:oleObj>
               </mc:Choice>
@@ -9426,7 +9392,7 @@
           <a:graphicData uri="http://schemas.openxmlformats.org/presentationml/2006/ole">
             <mc:AlternateContent xmlns:mc="http://schemas.openxmlformats.org/markup-compatibility/2006">
               <mc:Choice xmlns:v="urn:schemas-microsoft-com:vml" Requires="v">
-                <p:oleObj spid="_x0000_s73749" name="Equation" r:id="rId4" imgW="457200" imgH="266700" progId="Equation.3">
+                <p:oleObj spid="_x0000_s73766" name="Equation" r:id="rId4" imgW="457200" imgH="266700" progId="Equation.3">
                   <p:embed/>
                 </p:oleObj>
               </mc:Choice>
@@ -9483,7 +9449,7 @@
           <a:graphicData uri="http://schemas.openxmlformats.org/presentationml/2006/ole">
             <mc:AlternateContent xmlns:mc="http://schemas.openxmlformats.org/markup-compatibility/2006">
               <mc:Choice xmlns:v="urn:schemas-microsoft-com:vml" Requires="v">
-                <p:oleObj spid="_x0000_s73750" name="Equation" r:id="rId6" imgW="330200" imgH="241300" progId="Equation.3">
+                <p:oleObj spid="_x0000_s73767" name="Equation" r:id="rId6" imgW="330200" imgH="241300" progId="Equation.3">
                   <p:embed/>
                 </p:oleObj>
               </mc:Choice>
@@ -9540,7 +9506,7 @@
           <a:graphicData uri="http://schemas.openxmlformats.org/presentationml/2006/ole">
             <mc:AlternateContent xmlns:mc="http://schemas.openxmlformats.org/markup-compatibility/2006">
               <mc:Choice xmlns:v="urn:schemas-microsoft-com:vml" Requires="v">
-                <p:oleObj spid="_x0000_s73751" name="Equation" r:id="rId8" imgW="457200" imgH="266700" progId="Equation.3">
+                <p:oleObj spid="_x0000_s73768" name="Equation" r:id="rId8" imgW="457200" imgH="266700" progId="Equation.3">
                   <p:embed/>
                 </p:oleObj>
               </mc:Choice>
@@ -10152,7 +10118,7 @@
           <a:graphicData uri="http://schemas.openxmlformats.org/presentationml/2006/ole">
             <mc:AlternateContent xmlns:mc="http://schemas.openxmlformats.org/markup-compatibility/2006">
               <mc:Choice xmlns:v="urn:schemas-microsoft-com:vml" Requires="v">
-                <p:oleObj spid="_x0000_s75802" name="Equation" r:id="rId4" imgW="1397000" imgH="508000" progId="Equation.3">
+                <p:oleObj spid="_x0000_s75824" name="Equation" r:id="rId4" imgW="1397000" imgH="508000" progId="Equation.3">
                   <p:embed/>
                 </p:oleObj>
               </mc:Choice>
@@ -10209,7 +10175,7 @@
           <a:graphicData uri="http://schemas.openxmlformats.org/presentationml/2006/ole">
             <mc:AlternateContent xmlns:mc="http://schemas.openxmlformats.org/markup-compatibility/2006">
               <mc:Choice xmlns:v="urn:schemas-microsoft-com:vml" Requires="v">
-                <p:oleObj spid="_x0000_s75803" name="Equation" r:id="rId6" imgW="1549400" imgH="495300" progId="Equation.3">
+                <p:oleObj spid="_x0000_s75825" name="Equation" r:id="rId6" imgW="1549400" imgH="495300" progId="Equation.3">
                   <p:embed/>
                 </p:oleObj>
               </mc:Choice>
@@ -10266,7 +10232,7 @@
           <a:graphicData uri="http://schemas.openxmlformats.org/presentationml/2006/ole">
             <mc:AlternateContent xmlns:mc="http://schemas.openxmlformats.org/markup-compatibility/2006">
               <mc:Choice xmlns:v="urn:schemas-microsoft-com:vml" Requires="v">
-                <p:oleObj spid="_x0000_s75804" name="Equation" r:id="rId8" imgW="2197100" imgH="241300" progId="Equation.3">
+                <p:oleObj spid="_x0000_s75826" name="Equation" r:id="rId8" imgW="2197100" imgH="241300" progId="Equation.3">
                   <p:embed/>
                 </p:oleObj>
               </mc:Choice>
@@ -10323,7 +10289,7 @@
           <a:graphicData uri="http://schemas.openxmlformats.org/presentationml/2006/ole">
             <mc:AlternateContent xmlns:mc="http://schemas.openxmlformats.org/markup-compatibility/2006">
               <mc:Choice xmlns:v="urn:schemas-microsoft-com:vml" Requires="v">
-                <p:oleObj spid="_x0000_s75805" name="Equation" r:id="rId10" imgW="1333500" imgH="469900" progId="Equation.3">
+                <p:oleObj spid="_x0000_s75827" name="Equation" r:id="rId10" imgW="1333500" imgH="469900" progId="Equation.3">
                   <p:embed/>
                 </p:oleObj>
               </mc:Choice>
@@ -10696,7 +10662,7 @@
         <p:spPr>
           <a:xfrm>
             <a:off x="228600" y="990600"/>
-            <a:ext cx="8534400" cy="5355313"/>
+            <a:ext cx="8534400" cy="5078314"/>
           </a:xfrm>
           <a:prstGeom prst="rect">
             <a:avLst/>
@@ -10926,29 +10892,6 @@
             </a:endParaRPr>
           </a:p>
           <a:p>
-            <a:pPr marL="285750" indent="-285750">
-              <a:buFontTx/>
-              <a:buChar char="-"/>
-            </a:pPr>
-            <a:r>
-              <a:rPr lang="en-US" dirty="0" smtClean="0">
-                <a:solidFill>
-                  <a:schemeClr val="accent1">
-                    <a:lumMod val="75000"/>
-                  </a:schemeClr>
-                </a:solidFill>
-              </a:rPr>
-              <a:t>Maximum a-posteriori</a:t>
-            </a:r>
-            <a:endParaRPr lang="en-US" dirty="0">
-              <a:solidFill>
-                <a:schemeClr val="accent1">
-                  <a:lumMod val="75000"/>
-                </a:schemeClr>
-              </a:solidFill>
-            </a:endParaRPr>
-          </a:p>
-          <a:p>
             <a:endParaRPr lang="en-US" dirty="0" smtClean="0">
               <a:solidFill>
                 <a:schemeClr val="accent1">
@@ -10990,7 +10933,7 @@
           <a:graphicData uri="http://schemas.openxmlformats.org/presentationml/2006/ole">
             <mc:AlternateContent xmlns:mc="http://schemas.openxmlformats.org/markup-compatibility/2006">
               <mc:Choice xmlns:v="urn:schemas-microsoft-com:vml" Requires="v">
-                <p:oleObj spid="_x0000_s76825" name="Equation" r:id="rId4" imgW="2895600" imgH="304800" progId="Equation.3">
+                <p:oleObj spid="_x0000_s76844" name="Equation" r:id="rId4" imgW="2895600" imgH="304800" progId="Equation.3">
                   <p:embed/>
                 </p:oleObj>
               </mc:Choice>
@@ -11047,7 +10990,7 @@
           <a:graphicData uri="http://schemas.openxmlformats.org/presentationml/2006/ole">
             <mc:AlternateContent xmlns:mc="http://schemas.openxmlformats.org/markup-compatibility/2006">
               <mc:Choice xmlns:v="urn:schemas-microsoft-com:vml" Requires="v">
-                <p:oleObj spid="_x0000_s76826" name="Equation" r:id="rId6" imgW="2171700" imgH="482600" progId="Equation.3">
+                <p:oleObj spid="_x0000_s76845" name="Equation" r:id="rId6" imgW="2171700" imgH="482600" progId="Equation.3">
                   <p:embed/>
                 </p:oleObj>
               </mc:Choice>
@@ -11104,7 +11047,7 @@
           <a:graphicData uri="http://schemas.openxmlformats.org/presentationml/2006/ole">
             <mc:AlternateContent xmlns:mc="http://schemas.openxmlformats.org/markup-compatibility/2006">
               <mc:Choice xmlns:v="urn:schemas-microsoft-com:vml" Requires="v">
-                <p:oleObj spid="_x0000_s76827" name="Equation" r:id="rId8" imgW="4381500" imgH="762000" progId="Equation.3">
+                <p:oleObj spid="_x0000_s76846" name="Equation" r:id="rId8" imgW="4381500" imgH="762000" progId="Equation.3">
                   <p:embed/>
                 </p:oleObj>
               </mc:Choice>
@@ -11127,63 +11070,6 @@
                       <a:xfrm>
                         <a:off x="1752600" y="4056063"/>
                         <a:ext cx="6138863" cy="1066800"/>
-                      </a:xfrm>
-                      <a:prstGeom prst="rect">
-                        <a:avLst/>
-                      </a:prstGeom>
-                    </p:spPr>
-                  </p:pic>
-                </p:oleObj>
-              </mc:Fallback>
-            </mc:AlternateContent>
-          </a:graphicData>
-        </a:graphic>
-      </p:graphicFrame>
-      <p:graphicFrame>
-        <p:nvGraphicFramePr>
-          <p:cNvPr id="5" name="Object 4"/>
-          <p:cNvGraphicFramePr>
-            <a:graphicFrameLocks noChangeAspect="1"/>
-          </p:cNvGraphicFramePr>
-          <p:nvPr>
-            <p:extLst>
-              <p:ext uri="{D42A27DB-BD31-4B8C-83A1-F6EECF244321}">
-                <p14:modId xmlns:p14="http://schemas.microsoft.com/office/powerpoint/2010/main" val="2454192212"/>
-              </p:ext>
-            </p:extLst>
-          </p:nvPr>
-        </p:nvGraphicFramePr>
-        <p:xfrm>
-          <a:off x="2971800" y="5410200"/>
-          <a:ext cx="2514600" cy="421309"/>
-        </p:xfrm>
-        <a:graphic>
-          <a:graphicData uri="http://schemas.openxmlformats.org/presentationml/2006/ole">
-            <mc:AlternateContent xmlns:mc="http://schemas.openxmlformats.org/markup-compatibility/2006">
-              <mc:Choice xmlns:v="urn:schemas-microsoft-com:vml" Requires="v">
-                <p:oleObj spid="_x0000_s76828" name="Equation" r:id="rId10" imgW="2578100" imgH="431800" progId="Equation.3">
-                  <p:embed/>
-                </p:oleObj>
-              </mc:Choice>
-              <mc:Fallback>
-                <p:oleObj name="Equation" r:id="rId10" imgW="2578100" imgH="431800" progId="Equation.3">
-                  <p:embed/>
-                  <p:pic>
-                    <p:nvPicPr>
-                      <p:cNvPr id="0" name=""/>
-                      <p:cNvPicPr/>
-                      <p:nvPr/>
-                    </p:nvPicPr>
-                    <p:blipFill>
-                      <a:blip r:embed="rId11"/>
-                      <a:stretch>
-                        <a:fillRect/>
-                      </a:stretch>
-                    </p:blipFill>
-                    <p:spPr>
-                      <a:xfrm>
-                        <a:off x="2971800" y="5410200"/>
-                        <a:ext cx="2514600" cy="421309"/>
                       </a:xfrm>
                       <a:prstGeom prst="rect">
                         <a:avLst/>
@@ -11664,27 +11550,7 @@
                   </a:schemeClr>
                 </a:solidFill>
               </a:rPr>
-              <a:t>Bayesian estimates are ‘shrunken’ estimates.  You can view them as MLE estimates shrunken towards the prior mode/mean.  Shrinkage reduces the variance of the estimator, at the expense of potentially introducing more bias. The extent of </a:t>
-            </a:r>
-            <a:r>
-              <a:rPr lang="en-US" dirty="0" smtClean="0">
-                <a:solidFill>
-                  <a:schemeClr val="accent1">
-                    <a:lumMod val="75000"/>
-                  </a:schemeClr>
-                </a:solidFill>
-              </a:rPr>
-              <a:t>shrinkage </a:t>
-            </a:r>
-            <a:r>
-              <a:rPr lang="en-US" dirty="0" smtClean="0">
-                <a:solidFill>
-                  <a:schemeClr val="accent1">
-                    <a:lumMod val="75000"/>
-                  </a:schemeClr>
-                </a:solidFill>
-              </a:rPr>
-              <a:t>depends on how informative the prior is and how informative is the likelihood (sample size). If parameters are identified at the likelihood, as sample size increases Bayesian estimates converge to MLE.</a:t>
+              <a:t>Bayesian estimates are ‘shrunken’ estimates.  You can view them as MLE estimates shrunken towards the prior mode/mean.  Shrinkage reduces the variance of the estimator, at the expense of potentially introducing more bias. The extent of shrinkage depends on how informative the prior is and how informative is the likelihood (sample size). If parameters are identified at the likelihood, as sample size increases Bayesian estimates converge to MLE.</a:t>
             </a:r>
           </a:p>
           <a:p>
@@ -11707,7 +11573,7 @@
           <p:nvPr>
             <p:extLst>
               <p:ext uri="{D42A27DB-BD31-4B8C-83A1-F6EECF244321}">
-                <p14:modId xmlns:p14="http://schemas.microsoft.com/office/powerpoint/2010/main" val="2422577702"/>
+                <p14:modId xmlns:p14="http://schemas.microsoft.com/office/powerpoint/2010/main" val="692001403"/>
               </p:ext>
             </p:extLst>
           </p:nvPr>
@@ -11720,7 +11586,7 @@
           <a:graphicData uri="http://schemas.openxmlformats.org/presentationml/2006/ole">
             <mc:AlternateContent xmlns:mc="http://schemas.openxmlformats.org/markup-compatibility/2006">
               <mc:Choice xmlns:v="urn:schemas-microsoft-com:vml" Requires="v">
-                <p:oleObj spid="_x0000_s77835" name="Equation" r:id="rId4" imgW="850900" imgH="431800" progId="Equation.3">
+                <p:oleObj spid="_x0000_s77852" name="Equation" r:id="rId4" imgW="850900" imgH="431800" progId="Equation.3">
                   <p:embed/>
                 </p:oleObj>
               </mc:Choice>
@@ -11764,7 +11630,7 @@
           <p:nvPr>
             <p:extLst>
               <p:ext uri="{D42A27DB-BD31-4B8C-83A1-F6EECF244321}">
-                <p14:modId xmlns:p14="http://schemas.microsoft.com/office/powerpoint/2010/main" val="2432084607"/>
+                <p14:modId xmlns:p14="http://schemas.microsoft.com/office/powerpoint/2010/main" val="735833708"/>
               </p:ext>
             </p:extLst>
           </p:nvPr>
@@ -11777,7 +11643,7 @@
           <a:graphicData uri="http://schemas.openxmlformats.org/presentationml/2006/ole">
             <mc:AlternateContent xmlns:mc="http://schemas.openxmlformats.org/markup-compatibility/2006">
               <mc:Choice xmlns:v="urn:schemas-microsoft-com:vml" Requires="v">
-                <p:oleObj spid="_x0000_s77836" name="Equation" r:id="rId6" imgW="863600" imgH="431800" progId="Equation.3">
+                <p:oleObj spid="_x0000_s77853" name="Equation" r:id="rId6" imgW="863600" imgH="431800" progId="Equation.3">
                   <p:embed/>
                 </p:oleObj>
               </mc:Choice>
@@ -11821,25 +11687,25 @@
           <p:nvPr>
             <p:extLst>
               <p:ext uri="{D42A27DB-BD31-4B8C-83A1-F6EECF244321}">
-                <p14:modId xmlns:p14="http://schemas.microsoft.com/office/powerpoint/2010/main" val="738788225"/>
+                <p14:modId xmlns:p14="http://schemas.microsoft.com/office/powerpoint/2010/main" val="261304313"/>
               </p:ext>
             </p:extLst>
           </p:nvPr>
         </p:nvGraphicFramePr>
         <p:xfrm>
-          <a:off x="2819400" y="3276600"/>
-          <a:ext cx="4108450" cy="663575"/>
+          <a:off x="2416175" y="2922588"/>
+          <a:ext cx="4916488" cy="1649412"/>
         </p:xfrm>
         <a:graphic>
           <a:graphicData uri="http://schemas.openxmlformats.org/presentationml/2006/ole">
             <mc:AlternateContent xmlns:mc="http://schemas.openxmlformats.org/markup-compatibility/2006">
               <mc:Choice xmlns:v="urn:schemas-microsoft-com:vml" Requires="v">
-                <p:oleObj spid="_x0000_s77837" name="Equation" r:id="rId8" imgW="2908300" imgH="469900" progId="Equation.3">
+                <p:oleObj spid="_x0000_s77854" name="Equation" r:id="rId8" imgW="3479800" imgH="1168400" progId="Equation.3">
                   <p:embed/>
                 </p:oleObj>
               </mc:Choice>
               <mc:Fallback>
-                <p:oleObj name="Equation" r:id="rId8" imgW="2908300" imgH="469900" progId="Equation.3">
+                <p:oleObj name="Equation" r:id="rId8" imgW="3479800" imgH="1168400" progId="Equation.3">
                   <p:embed/>
                   <p:pic>
                     <p:nvPicPr>
@@ -11855,8 +11721,8 @@
                     </p:blipFill>
                     <p:spPr>
                       <a:xfrm>
-                        <a:off x="2819400" y="3276600"/>
-                        <a:ext cx="4108450" cy="663575"/>
+                        <a:off x="2416175" y="2922588"/>
+                        <a:ext cx="4916488" cy="1649412"/>
                       </a:xfrm>
                       <a:prstGeom prst="rect">
                         <a:avLst/>
